--- a/docs/images/프레젠테이션1.pptx
+++ b/docs/images/프레젠테이션1.pptx
@@ -107,6 +107,11 @@
       </a:defRPr>
     </a:lvl9pPr>
   </p:defaultTextStyle>
+  <p:extLst>
+    <p:ext uri="{EFAFB233-063F-42B5-8137-9DF3F51BA10A}">
+      <p15:sldGuideLst xmlns:p15="http://schemas.microsoft.com/office/powerpoint/2012/main"/>
+    </p:ext>
+  </p:extLst>
 </p:presentation>
 </file>
 
@@ -241,7 +246,7 @@
           <a:p>
             <a:fld id="{BE38C7F6-E1CD-8640-9DB6-01E1AEA2332D}" type="datetimeFigureOut">
               <a:rPr kumimoji="1" lang="ko-KR" altLang="en-US" smtClean="0"/>
-              <a:t>2016. 5. 16.</a:t>
+              <a:t>2016. 5. 18.</a:t>
             </a:fld>
             <a:endParaRPr kumimoji="1" lang="ko-KR" altLang="en-US"/>
           </a:p>
@@ -411,7 +416,7 @@
           <a:p>
             <a:fld id="{BE38C7F6-E1CD-8640-9DB6-01E1AEA2332D}" type="datetimeFigureOut">
               <a:rPr kumimoji="1" lang="ko-KR" altLang="en-US" smtClean="0"/>
-              <a:t>2016. 5. 16.</a:t>
+              <a:t>2016. 5. 18.</a:t>
             </a:fld>
             <a:endParaRPr kumimoji="1" lang="ko-KR" altLang="en-US"/>
           </a:p>
@@ -591,7 +596,7 @@
           <a:p>
             <a:fld id="{BE38C7F6-E1CD-8640-9DB6-01E1AEA2332D}" type="datetimeFigureOut">
               <a:rPr kumimoji="1" lang="ko-KR" altLang="en-US" smtClean="0"/>
-              <a:t>2016. 5. 16.</a:t>
+              <a:t>2016. 5. 18.</a:t>
             </a:fld>
             <a:endParaRPr kumimoji="1" lang="ko-KR" altLang="en-US"/>
           </a:p>
@@ -761,7 +766,7 @@
           <a:p>
             <a:fld id="{BE38C7F6-E1CD-8640-9DB6-01E1AEA2332D}" type="datetimeFigureOut">
               <a:rPr kumimoji="1" lang="ko-KR" altLang="en-US" smtClean="0"/>
-              <a:t>2016. 5. 16.</a:t>
+              <a:t>2016. 5. 18.</a:t>
             </a:fld>
             <a:endParaRPr kumimoji="1" lang="ko-KR" altLang="en-US"/>
           </a:p>
@@ -1007,7 +1012,7 @@
           <a:p>
             <a:fld id="{BE38C7F6-E1CD-8640-9DB6-01E1AEA2332D}" type="datetimeFigureOut">
               <a:rPr kumimoji="1" lang="ko-KR" altLang="en-US" smtClean="0"/>
-              <a:t>2016. 5. 16.</a:t>
+              <a:t>2016. 5. 18.</a:t>
             </a:fld>
             <a:endParaRPr kumimoji="1" lang="ko-KR" altLang="en-US"/>
           </a:p>
@@ -1239,7 +1244,7 @@
           <a:p>
             <a:fld id="{BE38C7F6-E1CD-8640-9DB6-01E1AEA2332D}" type="datetimeFigureOut">
               <a:rPr kumimoji="1" lang="ko-KR" altLang="en-US" smtClean="0"/>
-              <a:t>2016. 5. 16.</a:t>
+              <a:t>2016. 5. 18.</a:t>
             </a:fld>
             <a:endParaRPr kumimoji="1" lang="ko-KR" altLang="en-US"/>
           </a:p>
@@ -1606,7 +1611,7 @@
           <a:p>
             <a:fld id="{BE38C7F6-E1CD-8640-9DB6-01E1AEA2332D}" type="datetimeFigureOut">
               <a:rPr kumimoji="1" lang="ko-KR" altLang="en-US" smtClean="0"/>
-              <a:t>2016. 5. 16.</a:t>
+              <a:t>2016. 5. 18.</a:t>
             </a:fld>
             <a:endParaRPr kumimoji="1" lang="ko-KR" altLang="en-US"/>
           </a:p>
@@ -1724,7 +1729,7 @@
           <a:p>
             <a:fld id="{BE38C7F6-E1CD-8640-9DB6-01E1AEA2332D}" type="datetimeFigureOut">
               <a:rPr kumimoji="1" lang="ko-KR" altLang="en-US" smtClean="0"/>
-              <a:t>2016. 5. 16.</a:t>
+              <a:t>2016. 5. 18.</a:t>
             </a:fld>
             <a:endParaRPr kumimoji="1" lang="ko-KR" altLang="en-US"/>
           </a:p>
@@ -1819,7 +1824,7 @@
           <a:p>
             <a:fld id="{BE38C7F6-E1CD-8640-9DB6-01E1AEA2332D}" type="datetimeFigureOut">
               <a:rPr kumimoji="1" lang="ko-KR" altLang="en-US" smtClean="0"/>
-              <a:t>2016. 5. 16.</a:t>
+              <a:t>2016. 5. 18.</a:t>
             </a:fld>
             <a:endParaRPr kumimoji="1" lang="ko-KR" altLang="en-US"/>
           </a:p>
@@ -2096,7 +2101,7 @@
           <a:p>
             <a:fld id="{BE38C7F6-E1CD-8640-9DB6-01E1AEA2332D}" type="datetimeFigureOut">
               <a:rPr kumimoji="1" lang="ko-KR" altLang="en-US" smtClean="0"/>
-              <a:t>2016. 5. 16.</a:t>
+              <a:t>2016. 5. 18.</a:t>
             </a:fld>
             <a:endParaRPr kumimoji="1" lang="ko-KR" altLang="en-US"/>
           </a:p>
@@ -2349,7 +2354,7 @@
           <a:p>
             <a:fld id="{BE38C7F6-E1CD-8640-9DB6-01E1AEA2332D}" type="datetimeFigureOut">
               <a:rPr kumimoji="1" lang="ko-KR" altLang="en-US" smtClean="0"/>
-              <a:t>2016. 5. 16.</a:t>
+              <a:t>2016. 5. 18.</a:t>
             </a:fld>
             <a:endParaRPr kumimoji="1" lang="ko-KR" altLang="en-US"/>
           </a:p>
@@ -2562,7 +2567,7 @@
           <a:p>
             <a:fld id="{BE38C7F6-E1CD-8640-9DB6-01E1AEA2332D}" type="datetimeFigureOut">
               <a:rPr kumimoji="1" lang="ko-KR" altLang="en-US" smtClean="0"/>
-              <a:t>2016. 5. 16.</a:t>
+              <a:t>2016. 5. 18.</a:t>
             </a:fld>
             <a:endParaRPr kumimoji="1" lang="ko-KR" altLang="en-US"/>
           </a:p>
@@ -3829,7 +3834,7 @@
           <p:spPr>
             <a:xfrm>
               <a:off x="7611762" y="922226"/>
-              <a:ext cx="2812398" cy="651542"/>
+              <a:ext cx="2812398" cy="651541"/>
             </a:xfrm>
             <a:prstGeom prst="rect">
               <a:avLst/>
@@ -4080,6 +4085,1335 @@
           <a:chExt cx="0" cy="0"/>
         </a:xfrm>
       </p:grpSpPr>
+      <p:sp>
+        <p:nvSpPr>
+          <p:cNvPr id="2" name="원통[C] 1"/>
+          <p:cNvSpPr/>
+          <p:nvPr/>
+        </p:nvSpPr>
+        <p:spPr>
+          <a:xfrm>
+            <a:off x="878373" y="2228616"/>
+            <a:ext cx="1817935" cy="2670707"/>
+          </a:xfrm>
+          <a:prstGeom prst="can">
+            <a:avLst/>
+          </a:prstGeom>
+        </p:spPr>
+        <p:style>
+          <a:lnRef idx="2">
+            <a:schemeClr val="accent1">
+              <a:shade val="50000"/>
+            </a:schemeClr>
+          </a:lnRef>
+          <a:fillRef idx="1">
+            <a:schemeClr val="accent1"/>
+          </a:fillRef>
+          <a:effectRef idx="0">
+            <a:schemeClr val="accent1"/>
+          </a:effectRef>
+          <a:fontRef idx="minor">
+            <a:schemeClr val="lt1"/>
+          </a:fontRef>
+        </p:style>
+        <p:txBody>
+          <a:bodyPr rtlCol="0" anchor="ctr"/>
+          <a:lstStyle/>
+          <a:p>
+            <a:pPr algn="ctr"/>
+            <a:r>
+              <a:rPr kumimoji="1" lang="en-US" altLang="ko-KR" dirty="0" smtClean="0"/>
+              <a:t>Preprocessed</a:t>
+            </a:r>
+          </a:p>
+          <a:p>
+            <a:pPr algn="ctr"/>
+            <a:r>
+              <a:rPr kumimoji="1" lang="en-US" altLang="ko-KR" dirty="0" smtClean="0"/>
+              <a:t>File</a:t>
+            </a:r>
+          </a:p>
+          <a:p>
+            <a:pPr algn="ctr"/>
+            <a:r>
+              <a:rPr kumimoji="1" lang="en-US" altLang="ko-KR" dirty="0" smtClean="0"/>
+              <a:t>Repository</a:t>
+            </a:r>
+            <a:endParaRPr kumimoji="1" lang="ko-KR" altLang="en-US" dirty="0"/>
+          </a:p>
+        </p:txBody>
+      </p:sp>
+      <p:grpSp>
+        <p:nvGrpSpPr>
+          <p:cNvPr id="67" name="그룹 66"/>
+          <p:cNvGrpSpPr/>
+          <p:nvPr/>
+        </p:nvGrpSpPr>
+        <p:grpSpPr>
+          <a:xfrm>
+            <a:off x="4866899" y="1759000"/>
+            <a:ext cx="3662336" cy="3660538"/>
+            <a:chOff x="4866899" y="1759000"/>
+            <a:chExt cx="3662336" cy="3660538"/>
+          </a:xfrm>
+        </p:grpSpPr>
+        <p:grpSp>
+          <p:nvGrpSpPr>
+            <p:cNvPr id="61" name="그룹 60"/>
+            <p:cNvGrpSpPr/>
+            <p:nvPr/>
+          </p:nvGrpSpPr>
+          <p:grpSpPr>
+            <a:xfrm>
+              <a:off x="4866899" y="1759000"/>
+              <a:ext cx="3662336" cy="3660538"/>
+              <a:chOff x="1622442" y="922226"/>
+              <a:chExt cx="2812398" cy="4076494"/>
+            </a:xfrm>
+          </p:grpSpPr>
+          <p:sp>
+            <p:nvSpPr>
+              <p:cNvPr id="63" name="직사각형 62"/>
+              <p:cNvSpPr/>
+              <p:nvPr/>
+            </p:nvSpPr>
+            <p:spPr>
+              <a:xfrm>
+                <a:off x="1622442" y="922226"/>
+                <a:ext cx="2812398" cy="4076494"/>
+              </a:xfrm>
+              <a:prstGeom prst="rect">
+                <a:avLst/>
+              </a:prstGeom>
+              <a:ln w="38100">
+                <a:solidFill>
+                  <a:schemeClr val="accent1"/>
+                </a:solidFill>
+              </a:ln>
+            </p:spPr>
+            <p:style>
+              <a:lnRef idx="2">
+                <a:schemeClr val="accent1"/>
+              </a:lnRef>
+              <a:fillRef idx="1">
+                <a:schemeClr val="lt1"/>
+              </a:fillRef>
+              <a:effectRef idx="0">
+                <a:schemeClr val="accent1"/>
+              </a:effectRef>
+              <a:fontRef idx="minor">
+                <a:schemeClr val="dk1"/>
+              </a:fontRef>
+            </p:style>
+            <p:txBody>
+              <a:bodyPr rtlCol="0" anchor="ctr"/>
+              <a:lstStyle/>
+              <a:p>
+                <a:pPr algn="ctr"/>
+                <a:endParaRPr kumimoji="1" lang="ko-KR" altLang="en-US"/>
+              </a:p>
+            </p:txBody>
+          </p:sp>
+          <p:sp>
+            <p:nvSpPr>
+              <p:cNvPr id="64" name="직사각형 63"/>
+              <p:cNvSpPr/>
+              <p:nvPr/>
+            </p:nvSpPr>
+            <p:spPr>
+              <a:xfrm>
+                <a:off x="1622442" y="922226"/>
+                <a:ext cx="2812398" cy="566019"/>
+              </a:xfrm>
+              <a:prstGeom prst="rect">
+                <a:avLst/>
+              </a:prstGeom>
+            </p:spPr>
+            <p:style>
+              <a:lnRef idx="2">
+                <a:schemeClr val="accent1">
+                  <a:shade val="50000"/>
+                </a:schemeClr>
+              </a:lnRef>
+              <a:fillRef idx="1">
+                <a:schemeClr val="accent1"/>
+              </a:fillRef>
+              <a:effectRef idx="0">
+                <a:schemeClr val="accent1"/>
+              </a:effectRef>
+              <a:fontRef idx="minor">
+                <a:schemeClr val="lt1"/>
+              </a:fontRef>
+            </p:style>
+            <p:txBody>
+              <a:bodyPr rtlCol="0" anchor="ctr"/>
+              <a:lstStyle/>
+              <a:p>
+                <a:pPr algn="ctr"/>
+                <a:r>
+                  <a:rPr kumimoji="1" lang="en-US" altLang="ko-KR" dirty="0" smtClean="0">
+                    <a:solidFill>
+                      <a:schemeClr val="bg1"/>
+                    </a:solidFill>
+                  </a:rPr>
+                  <a:t>Similarity Model</a:t>
+                </a:r>
+                <a:endParaRPr kumimoji="1" lang="ko-KR" altLang="en-US" dirty="0">
+                  <a:solidFill>
+                    <a:schemeClr val="bg1"/>
+                  </a:solidFill>
+                </a:endParaRPr>
+              </a:p>
+            </p:txBody>
+          </p:sp>
+        </p:grpSp>
+        <p:grpSp>
+          <p:nvGrpSpPr>
+            <p:cNvPr id="55" name="그룹 54"/>
+            <p:cNvGrpSpPr/>
+            <p:nvPr/>
+          </p:nvGrpSpPr>
+          <p:grpSpPr>
+            <a:xfrm>
+              <a:off x="5347172" y="2510580"/>
+              <a:ext cx="2684221" cy="2632849"/>
+              <a:chOff x="6317843" y="1055078"/>
+              <a:chExt cx="4699504" cy="4784918"/>
+            </a:xfrm>
+          </p:grpSpPr>
+          <p:sp>
+            <p:nvSpPr>
+              <p:cNvPr id="3" name="타원 2"/>
+              <p:cNvSpPr/>
+              <p:nvPr/>
+            </p:nvSpPr>
+            <p:spPr>
+              <a:xfrm>
+                <a:off x="7258930" y="1392702"/>
+                <a:ext cx="450166" cy="450166"/>
+              </a:xfrm>
+              <a:prstGeom prst="ellipse">
+                <a:avLst/>
+              </a:prstGeom>
+            </p:spPr>
+            <p:style>
+              <a:lnRef idx="2">
+                <a:schemeClr val="accent1">
+                  <a:shade val="50000"/>
+                </a:schemeClr>
+              </a:lnRef>
+              <a:fillRef idx="1">
+                <a:schemeClr val="accent1"/>
+              </a:fillRef>
+              <a:effectRef idx="0">
+                <a:schemeClr val="accent1"/>
+              </a:effectRef>
+              <a:fontRef idx="minor">
+                <a:schemeClr val="lt1"/>
+              </a:fontRef>
+            </p:style>
+            <p:txBody>
+              <a:bodyPr rtlCol="0" anchor="ctr"/>
+              <a:lstStyle/>
+              <a:p>
+                <a:pPr algn="ctr"/>
+                <a:endParaRPr kumimoji="1" lang="ko-KR" altLang="en-US"/>
+              </a:p>
+            </p:txBody>
+          </p:sp>
+          <p:sp>
+            <p:nvSpPr>
+              <p:cNvPr id="4" name="타원 3"/>
+              <p:cNvSpPr/>
+              <p:nvPr/>
+            </p:nvSpPr>
+            <p:spPr>
+              <a:xfrm>
+                <a:off x="9408942" y="1784571"/>
+                <a:ext cx="450166" cy="450166"/>
+              </a:xfrm>
+              <a:prstGeom prst="ellipse">
+                <a:avLst/>
+              </a:prstGeom>
+            </p:spPr>
+            <p:style>
+              <a:lnRef idx="2">
+                <a:schemeClr val="accent1">
+                  <a:shade val="50000"/>
+                </a:schemeClr>
+              </a:lnRef>
+              <a:fillRef idx="1">
+                <a:schemeClr val="accent1"/>
+              </a:fillRef>
+              <a:effectRef idx="0">
+                <a:schemeClr val="accent1"/>
+              </a:effectRef>
+              <a:fontRef idx="minor">
+                <a:schemeClr val="lt1"/>
+              </a:fontRef>
+            </p:style>
+            <p:txBody>
+              <a:bodyPr rtlCol="0" anchor="ctr"/>
+              <a:lstStyle/>
+              <a:p>
+                <a:pPr algn="ctr"/>
+                <a:endParaRPr kumimoji="1" lang="ko-KR" altLang="en-US"/>
+              </a:p>
+            </p:txBody>
+          </p:sp>
+          <p:cxnSp>
+            <p:nvCxnSpPr>
+              <p:cNvPr id="6" name="직선 연결선[R] 5"/>
+              <p:cNvCxnSpPr>
+                <a:stCxn id="3" idx="6"/>
+                <a:endCxn id="4" idx="2"/>
+              </p:cNvCxnSpPr>
+              <p:nvPr/>
+            </p:nvCxnSpPr>
+            <p:spPr>
+              <a:xfrm>
+                <a:off x="7709096" y="1617785"/>
+                <a:ext cx="1699846" cy="391869"/>
+              </a:xfrm>
+              <a:prstGeom prst="line">
+                <a:avLst/>
+              </a:prstGeom>
+            </p:spPr>
+            <p:style>
+              <a:lnRef idx="1">
+                <a:schemeClr val="accent1"/>
+              </a:lnRef>
+              <a:fillRef idx="0">
+                <a:schemeClr val="accent1"/>
+              </a:fillRef>
+              <a:effectRef idx="0">
+                <a:schemeClr val="accent1"/>
+              </a:effectRef>
+              <a:fontRef idx="minor">
+                <a:schemeClr val="tx1"/>
+              </a:fontRef>
+            </p:style>
+          </p:cxnSp>
+          <p:sp>
+            <p:nvSpPr>
+              <p:cNvPr id="7" name="타원 6"/>
+              <p:cNvSpPr/>
+              <p:nvPr/>
+            </p:nvSpPr>
+            <p:spPr>
+              <a:xfrm>
+                <a:off x="8025620" y="2122195"/>
+                <a:ext cx="450166" cy="450166"/>
+              </a:xfrm>
+              <a:prstGeom prst="ellipse">
+                <a:avLst/>
+              </a:prstGeom>
+            </p:spPr>
+            <p:style>
+              <a:lnRef idx="2">
+                <a:schemeClr val="accent1">
+                  <a:shade val="50000"/>
+                </a:schemeClr>
+              </a:lnRef>
+              <a:fillRef idx="1">
+                <a:schemeClr val="accent1"/>
+              </a:fillRef>
+              <a:effectRef idx="0">
+                <a:schemeClr val="accent1"/>
+              </a:effectRef>
+              <a:fontRef idx="minor">
+                <a:schemeClr val="lt1"/>
+              </a:fontRef>
+            </p:style>
+            <p:txBody>
+              <a:bodyPr rtlCol="0" anchor="ctr"/>
+              <a:lstStyle/>
+              <a:p>
+                <a:pPr algn="ctr"/>
+                <a:endParaRPr kumimoji="1" lang="ko-KR" altLang="en-US"/>
+              </a:p>
+            </p:txBody>
+          </p:sp>
+          <p:sp>
+            <p:nvSpPr>
+              <p:cNvPr id="8" name="타원 7"/>
+              <p:cNvSpPr/>
+              <p:nvPr/>
+            </p:nvSpPr>
+            <p:spPr>
+              <a:xfrm>
+                <a:off x="8188401" y="3933103"/>
+                <a:ext cx="450166" cy="450166"/>
+              </a:xfrm>
+              <a:prstGeom prst="ellipse">
+                <a:avLst/>
+              </a:prstGeom>
+            </p:spPr>
+            <p:style>
+              <a:lnRef idx="2">
+                <a:schemeClr val="accent1">
+                  <a:shade val="50000"/>
+                </a:schemeClr>
+              </a:lnRef>
+              <a:fillRef idx="1">
+                <a:schemeClr val="accent1"/>
+              </a:fillRef>
+              <a:effectRef idx="0">
+                <a:schemeClr val="accent1"/>
+              </a:effectRef>
+              <a:fontRef idx="minor">
+                <a:schemeClr val="lt1"/>
+              </a:fontRef>
+            </p:style>
+            <p:txBody>
+              <a:bodyPr rtlCol="0" anchor="ctr"/>
+              <a:lstStyle/>
+              <a:p>
+                <a:pPr algn="ctr"/>
+                <a:endParaRPr kumimoji="1" lang="ko-KR" altLang="en-US"/>
+              </a:p>
+            </p:txBody>
+          </p:sp>
+          <p:sp>
+            <p:nvSpPr>
+              <p:cNvPr id="9" name="타원 8"/>
+              <p:cNvSpPr/>
+              <p:nvPr/>
+            </p:nvSpPr>
+            <p:spPr>
+              <a:xfrm>
+                <a:off x="6317843" y="4129440"/>
+                <a:ext cx="450166" cy="450166"/>
+              </a:xfrm>
+              <a:prstGeom prst="ellipse">
+                <a:avLst/>
+              </a:prstGeom>
+            </p:spPr>
+            <p:style>
+              <a:lnRef idx="2">
+                <a:schemeClr val="accent1">
+                  <a:shade val="50000"/>
+                </a:schemeClr>
+              </a:lnRef>
+              <a:fillRef idx="1">
+                <a:schemeClr val="accent1"/>
+              </a:fillRef>
+              <a:effectRef idx="0">
+                <a:schemeClr val="accent1"/>
+              </a:effectRef>
+              <a:fontRef idx="minor">
+                <a:schemeClr val="lt1"/>
+              </a:fontRef>
+            </p:style>
+            <p:txBody>
+              <a:bodyPr rtlCol="0" anchor="ctr"/>
+              <a:lstStyle/>
+              <a:p>
+                <a:pPr algn="ctr"/>
+                <a:endParaRPr kumimoji="1" lang="ko-KR" altLang="en-US"/>
+              </a:p>
+            </p:txBody>
+          </p:sp>
+          <p:sp>
+            <p:nvSpPr>
+              <p:cNvPr id="10" name="타원 9"/>
+              <p:cNvSpPr/>
+              <p:nvPr/>
+            </p:nvSpPr>
+            <p:spPr>
+              <a:xfrm>
+                <a:off x="10376991" y="1245437"/>
+                <a:ext cx="450166" cy="450166"/>
+              </a:xfrm>
+              <a:prstGeom prst="ellipse">
+                <a:avLst/>
+              </a:prstGeom>
+            </p:spPr>
+            <p:style>
+              <a:lnRef idx="2">
+                <a:schemeClr val="accent1">
+                  <a:shade val="50000"/>
+                </a:schemeClr>
+              </a:lnRef>
+              <a:fillRef idx="1">
+                <a:schemeClr val="accent1"/>
+              </a:fillRef>
+              <a:effectRef idx="0">
+                <a:schemeClr val="accent1"/>
+              </a:effectRef>
+              <a:fontRef idx="minor">
+                <a:schemeClr val="lt1"/>
+              </a:fontRef>
+            </p:style>
+            <p:txBody>
+              <a:bodyPr rtlCol="0" anchor="ctr"/>
+              <a:lstStyle/>
+              <a:p>
+                <a:pPr algn="ctr"/>
+                <a:endParaRPr kumimoji="1" lang="ko-KR" altLang="en-US"/>
+              </a:p>
+            </p:txBody>
+          </p:sp>
+          <p:sp>
+            <p:nvSpPr>
+              <p:cNvPr id="11" name="타원 10"/>
+              <p:cNvSpPr/>
+              <p:nvPr/>
+            </p:nvSpPr>
+            <p:spPr>
+              <a:xfrm>
+                <a:off x="9568377" y="3570090"/>
+                <a:ext cx="450166" cy="450166"/>
+              </a:xfrm>
+              <a:prstGeom prst="ellipse">
+                <a:avLst/>
+              </a:prstGeom>
+            </p:spPr>
+            <p:style>
+              <a:lnRef idx="2">
+                <a:schemeClr val="accent1">
+                  <a:shade val="50000"/>
+                </a:schemeClr>
+              </a:lnRef>
+              <a:fillRef idx="1">
+                <a:schemeClr val="accent1"/>
+              </a:fillRef>
+              <a:effectRef idx="0">
+                <a:schemeClr val="accent1"/>
+              </a:effectRef>
+              <a:fontRef idx="minor">
+                <a:schemeClr val="lt1"/>
+              </a:fontRef>
+            </p:style>
+            <p:txBody>
+              <a:bodyPr rtlCol="0" anchor="ctr"/>
+              <a:lstStyle/>
+              <a:p>
+                <a:pPr algn="ctr"/>
+                <a:endParaRPr kumimoji="1" lang="ko-KR" altLang="en-US"/>
+              </a:p>
+            </p:txBody>
+          </p:sp>
+          <p:sp>
+            <p:nvSpPr>
+              <p:cNvPr id="12" name="타원 11"/>
+              <p:cNvSpPr/>
+              <p:nvPr/>
+            </p:nvSpPr>
+            <p:spPr>
+              <a:xfrm>
+                <a:off x="10342098" y="4976843"/>
+                <a:ext cx="450166" cy="450166"/>
+              </a:xfrm>
+              <a:prstGeom prst="ellipse">
+                <a:avLst/>
+              </a:prstGeom>
+            </p:spPr>
+            <p:style>
+              <a:lnRef idx="2">
+                <a:schemeClr val="accent1">
+                  <a:shade val="50000"/>
+                </a:schemeClr>
+              </a:lnRef>
+              <a:fillRef idx="1">
+                <a:schemeClr val="accent1"/>
+              </a:fillRef>
+              <a:effectRef idx="0">
+                <a:schemeClr val="accent1"/>
+              </a:effectRef>
+              <a:fontRef idx="minor">
+                <a:schemeClr val="lt1"/>
+              </a:fontRef>
+            </p:style>
+            <p:txBody>
+              <a:bodyPr rtlCol="0" anchor="ctr"/>
+              <a:lstStyle/>
+              <a:p>
+                <a:pPr algn="ctr"/>
+                <a:endParaRPr kumimoji="1" lang="ko-KR" altLang="en-US"/>
+              </a:p>
+            </p:txBody>
+          </p:sp>
+          <p:sp>
+            <p:nvSpPr>
+              <p:cNvPr id="13" name="타원 12"/>
+              <p:cNvSpPr/>
+              <p:nvPr/>
+            </p:nvSpPr>
+            <p:spPr>
+              <a:xfrm>
+                <a:off x="10567181" y="2572361"/>
+                <a:ext cx="450166" cy="450166"/>
+              </a:xfrm>
+              <a:prstGeom prst="ellipse">
+                <a:avLst/>
+              </a:prstGeom>
+            </p:spPr>
+            <p:style>
+              <a:lnRef idx="2">
+                <a:schemeClr val="accent1">
+                  <a:shade val="50000"/>
+                </a:schemeClr>
+              </a:lnRef>
+              <a:fillRef idx="1">
+                <a:schemeClr val="accent1"/>
+              </a:fillRef>
+              <a:effectRef idx="0">
+                <a:schemeClr val="accent1"/>
+              </a:effectRef>
+              <a:fontRef idx="minor">
+                <a:schemeClr val="lt1"/>
+              </a:fontRef>
+            </p:style>
+            <p:txBody>
+              <a:bodyPr rtlCol="0" anchor="ctr"/>
+              <a:lstStyle/>
+              <a:p>
+                <a:pPr algn="ctr"/>
+                <a:endParaRPr kumimoji="1" lang="ko-KR" altLang="en-US"/>
+              </a:p>
+            </p:txBody>
+          </p:sp>
+          <p:sp>
+            <p:nvSpPr>
+              <p:cNvPr id="14" name="타원 13"/>
+              <p:cNvSpPr/>
+              <p:nvPr/>
+            </p:nvSpPr>
+            <p:spPr>
+              <a:xfrm>
+                <a:off x="7146388" y="5201926"/>
+                <a:ext cx="450166" cy="450166"/>
+              </a:xfrm>
+              <a:prstGeom prst="ellipse">
+                <a:avLst/>
+              </a:prstGeom>
+            </p:spPr>
+            <p:style>
+              <a:lnRef idx="2">
+                <a:schemeClr val="accent1">
+                  <a:shade val="50000"/>
+                </a:schemeClr>
+              </a:lnRef>
+              <a:fillRef idx="1">
+                <a:schemeClr val="accent1"/>
+              </a:fillRef>
+              <a:effectRef idx="0">
+                <a:schemeClr val="accent1"/>
+              </a:effectRef>
+              <a:fontRef idx="minor">
+                <a:schemeClr val="lt1"/>
+              </a:fontRef>
+            </p:style>
+            <p:txBody>
+              <a:bodyPr rtlCol="0" anchor="ctr"/>
+              <a:lstStyle/>
+              <a:p>
+                <a:pPr algn="ctr"/>
+                <a:endParaRPr kumimoji="1" lang="ko-KR" altLang="en-US"/>
+              </a:p>
+            </p:txBody>
+          </p:sp>
+          <p:sp>
+            <p:nvSpPr>
+              <p:cNvPr id="15" name="타원 14"/>
+              <p:cNvSpPr/>
+              <p:nvPr/>
+            </p:nvSpPr>
+            <p:spPr>
+              <a:xfrm>
+                <a:off x="8451168" y="5389830"/>
+                <a:ext cx="450166" cy="450166"/>
+              </a:xfrm>
+              <a:prstGeom prst="ellipse">
+                <a:avLst/>
+              </a:prstGeom>
+            </p:spPr>
+            <p:style>
+              <a:lnRef idx="2">
+                <a:schemeClr val="accent1">
+                  <a:shade val="50000"/>
+                </a:schemeClr>
+              </a:lnRef>
+              <a:fillRef idx="1">
+                <a:schemeClr val="accent1"/>
+              </a:fillRef>
+              <a:effectRef idx="0">
+                <a:schemeClr val="accent1"/>
+              </a:effectRef>
+              <a:fontRef idx="minor">
+                <a:schemeClr val="lt1"/>
+              </a:fontRef>
+            </p:style>
+            <p:txBody>
+              <a:bodyPr rtlCol="0" anchor="ctr"/>
+              <a:lstStyle/>
+              <a:p>
+                <a:pPr algn="ctr"/>
+                <a:endParaRPr kumimoji="1" lang="ko-KR" altLang="en-US"/>
+              </a:p>
+            </p:txBody>
+          </p:sp>
+          <p:sp>
+            <p:nvSpPr>
+              <p:cNvPr id="16" name="타원 15"/>
+              <p:cNvSpPr/>
+              <p:nvPr/>
+            </p:nvSpPr>
+            <p:spPr>
+              <a:xfrm>
+                <a:off x="8352693" y="1055078"/>
+                <a:ext cx="450166" cy="450166"/>
+              </a:xfrm>
+              <a:prstGeom prst="ellipse">
+                <a:avLst/>
+              </a:prstGeom>
+            </p:spPr>
+            <p:style>
+              <a:lnRef idx="2">
+                <a:schemeClr val="accent1">
+                  <a:shade val="50000"/>
+                </a:schemeClr>
+              </a:lnRef>
+              <a:fillRef idx="1">
+                <a:schemeClr val="accent1"/>
+              </a:fillRef>
+              <a:effectRef idx="0">
+                <a:schemeClr val="accent1"/>
+              </a:effectRef>
+              <a:fontRef idx="minor">
+                <a:schemeClr val="lt1"/>
+              </a:fontRef>
+            </p:style>
+            <p:txBody>
+              <a:bodyPr rtlCol="0" anchor="ctr"/>
+              <a:lstStyle/>
+              <a:p>
+                <a:pPr algn="ctr"/>
+                <a:endParaRPr kumimoji="1" lang="ko-KR" altLang="en-US"/>
+              </a:p>
+            </p:txBody>
+          </p:sp>
+          <p:sp>
+            <p:nvSpPr>
+              <p:cNvPr id="17" name="타원 16"/>
+              <p:cNvSpPr/>
+              <p:nvPr/>
+            </p:nvSpPr>
+            <p:spPr>
+              <a:xfrm>
+                <a:off x="7033847" y="2903271"/>
+                <a:ext cx="450166" cy="450166"/>
+              </a:xfrm>
+              <a:prstGeom prst="ellipse">
+                <a:avLst/>
+              </a:prstGeom>
+            </p:spPr>
+            <p:style>
+              <a:lnRef idx="2">
+                <a:schemeClr val="accent1">
+                  <a:shade val="50000"/>
+                </a:schemeClr>
+              </a:lnRef>
+              <a:fillRef idx="1">
+                <a:schemeClr val="accent1"/>
+              </a:fillRef>
+              <a:effectRef idx="0">
+                <a:schemeClr val="accent1"/>
+              </a:effectRef>
+              <a:fontRef idx="minor">
+                <a:schemeClr val="lt1"/>
+              </a:fontRef>
+            </p:style>
+            <p:txBody>
+              <a:bodyPr rtlCol="0" anchor="ctr"/>
+              <a:lstStyle/>
+              <a:p>
+                <a:pPr algn="ctr"/>
+                <a:endParaRPr kumimoji="1" lang="ko-KR" altLang="en-US"/>
+              </a:p>
+            </p:txBody>
+          </p:sp>
+          <p:cxnSp>
+            <p:nvCxnSpPr>
+              <p:cNvPr id="19" name="직선 연결선[R] 18"/>
+              <p:cNvCxnSpPr>
+                <a:stCxn id="3" idx="5"/>
+                <a:endCxn id="7" idx="1"/>
+              </p:cNvCxnSpPr>
+              <p:nvPr/>
+            </p:nvCxnSpPr>
+            <p:spPr>
+              <a:xfrm>
+                <a:off x="7643171" y="1776943"/>
+                <a:ext cx="448374" cy="411177"/>
+              </a:xfrm>
+              <a:prstGeom prst="line">
+                <a:avLst/>
+              </a:prstGeom>
+            </p:spPr>
+            <p:style>
+              <a:lnRef idx="1">
+                <a:schemeClr val="accent1"/>
+              </a:lnRef>
+              <a:fillRef idx="0">
+                <a:schemeClr val="accent1"/>
+              </a:fillRef>
+              <a:effectRef idx="0">
+                <a:schemeClr val="accent1"/>
+              </a:effectRef>
+              <a:fontRef idx="minor">
+                <a:schemeClr val="tx1"/>
+              </a:fontRef>
+            </p:style>
+          </p:cxnSp>
+          <p:cxnSp>
+            <p:nvCxnSpPr>
+              <p:cNvPr id="21" name="직선 연결선[R] 20"/>
+              <p:cNvCxnSpPr>
+                <a:stCxn id="3" idx="4"/>
+                <a:endCxn id="17" idx="0"/>
+              </p:cNvCxnSpPr>
+              <p:nvPr/>
+            </p:nvCxnSpPr>
+            <p:spPr>
+              <a:xfrm flipH="1">
+                <a:off x="7258930" y="1842868"/>
+                <a:ext cx="225083" cy="1060403"/>
+              </a:xfrm>
+              <a:prstGeom prst="line">
+                <a:avLst/>
+              </a:prstGeom>
+            </p:spPr>
+            <p:style>
+              <a:lnRef idx="1">
+                <a:schemeClr val="accent1"/>
+              </a:lnRef>
+              <a:fillRef idx="0">
+                <a:schemeClr val="accent1"/>
+              </a:fillRef>
+              <a:effectRef idx="0">
+                <a:schemeClr val="accent1"/>
+              </a:effectRef>
+              <a:fontRef idx="minor">
+                <a:schemeClr val="tx1"/>
+              </a:fontRef>
+            </p:style>
+          </p:cxnSp>
+          <p:cxnSp>
+            <p:nvCxnSpPr>
+              <p:cNvPr id="23" name="직선 연결선[R] 22"/>
+              <p:cNvCxnSpPr>
+                <a:stCxn id="17" idx="6"/>
+                <a:endCxn id="13" idx="2"/>
+              </p:cNvCxnSpPr>
+              <p:nvPr/>
+            </p:nvCxnSpPr>
+            <p:spPr>
+              <a:xfrm flipV="1">
+                <a:off x="7484013" y="2797444"/>
+                <a:ext cx="3083168" cy="330910"/>
+              </a:xfrm>
+              <a:prstGeom prst="line">
+                <a:avLst/>
+              </a:prstGeom>
+            </p:spPr>
+            <p:style>
+              <a:lnRef idx="1">
+                <a:schemeClr val="accent1"/>
+              </a:lnRef>
+              <a:fillRef idx="0">
+                <a:schemeClr val="accent1"/>
+              </a:fillRef>
+              <a:effectRef idx="0">
+                <a:schemeClr val="accent1"/>
+              </a:effectRef>
+              <a:fontRef idx="minor">
+                <a:schemeClr val="tx1"/>
+              </a:fontRef>
+            </p:style>
+          </p:cxnSp>
+          <p:cxnSp>
+            <p:nvCxnSpPr>
+              <p:cNvPr id="26" name="직선 연결선[R] 25"/>
+              <p:cNvCxnSpPr>
+                <a:stCxn id="17" idx="4"/>
+                <a:endCxn id="15" idx="1"/>
+              </p:cNvCxnSpPr>
+              <p:nvPr/>
+            </p:nvCxnSpPr>
+            <p:spPr>
+              <a:xfrm>
+                <a:off x="7258930" y="3353437"/>
+                <a:ext cx="1258163" cy="2102318"/>
+              </a:xfrm>
+              <a:prstGeom prst="line">
+                <a:avLst/>
+              </a:prstGeom>
+            </p:spPr>
+            <p:style>
+              <a:lnRef idx="1">
+                <a:schemeClr val="accent1"/>
+              </a:lnRef>
+              <a:fillRef idx="0">
+                <a:schemeClr val="accent1"/>
+              </a:fillRef>
+              <a:effectRef idx="0">
+                <a:schemeClr val="accent1"/>
+              </a:effectRef>
+              <a:fontRef idx="minor">
+                <a:schemeClr val="tx1"/>
+              </a:fontRef>
+            </p:style>
+          </p:cxnSp>
+          <p:cxnSp>
+            <p:nvCxnSpPr>
+              <p:cNvPr id="28" name="직선 연결선[R] 27"/>
+              <p:cNvCxnSpPr>
+                <a:stCxn id="17" idx="4"/>
+                <a:endCxn id="14" idx="0"/>
+              </p:cNvCxnSpPr>
+              <p:nvPr/>
+            </p:nvCxnSpPr>
+            <p:spPr>
+              <a:xfrm>
+                <a:off x="7258930" y="3353437"/>
+                <a:ext cx="112541" cy="1848489"/>
+              </a:xfrm>
+              <a:prstGeom prst="line">
+                <a:avLst/>
+              </a:prstGeom>
+            </p:spPr>
+            <p:style>
+              <a:lnRef idx="1">
+                <a:schemeClr val="accent1"/>
+              </a:lnRef>
+              <a:fillRef idx="0">
+                <a:schemeClr val="accent1"/>
+              </a:fillRef>
+              <a:effectRef idx="0">
+                <a:schemeClr val="accent1"/>
+              </a:effectRef>
+              <a:fontRef idx="minor">
+                <a:schemeClr val="tx1"/>
+              </a:fontRef>
+            </p:style>
+          </p:cxnSp>
+          <p:cxnSp>
+            <p:nvCxnSpPr>
+              <p:cNvPr id="30" name="직선 연결선[R] 29"/>
+              <p:cNvCxnSpPr>
+                <a:stCxn id="17" idx="6"/>
+                <a:endCxn id="12" idx="1"/>
+              </p:cNvCxnSpPr>
+              <p:nvPr/>
+            </p:nvCxnSpPr>
+            <p:spPr>
+              <a:xfrm>
+                <a:off x="7484013" y="3128354"/>
+                <a:ext cx="2924010" cy="1914414"/>
+              </a:xfrm>
+              <a:prstGeom prst="line">
+                <a:avLst/>
+              </a:prstGeom>
+            </p:spPr>
+            <p:style>
+              <a:lnRef idx="1">
+                <a:schemeClr val="accent1"/>
+              </a:lnRef>
+              <a:fillRef idx="0">
+                <a:schemeClr val="accent1"/>
+              </a:fillRef>
+              <a:effectRef idx="0">
+                <a:schemeClr val="accent1"/>
+              </a:effectRef>
+              <a:fontRef idx="minor">
+                <a:schemeClr val="tx1"/>
+              </a:fontRef>
+            </p:style>
+          </p:cxnSp>
+          <p:cxnSp>
+            <p:nvCxnSpPr>
+              <p:cNvPr id="32" name="직선 연결선[R] 31"/>
+              <p:cNvCxnSpPr>
+                <a:stCxn id="9" idx="6"/>
+                <a:endCxn id="12" idx="1"/>
+              </p:cNvCxnSpPr>
+              <p:nvPr/>
+            </p:nvCxnSpPr>
+            <p:spPr>
+              <a:xfrm>
+                <a:off x="6768009" y="4354523"/>
+                <a:ext cx="3640014" cy="688245"/>
+              </a:xfrm>
+              <a:prstGeom prst="line">
+                <a:avLst/>
+              </a:prstGeom>
+            </p:spPr>
+            <p:style>
+              <a:lnRef idx="1">
+                <a:schemeClr val="accent1"/>
+              </a:lnRef>
+              <a:fillRef idx="0">
+                <a:schemeClr val="accent1"/>
+              </a:fillRef>
+              <a:effectRef idx="0">
+                <a:schemeClr val="accent1"/>
+              </a:effectRef>
+              <a:fontRef idx="minor">
+                <a:schemeClr val="tx1"/>
+              </a:fontRef>
+            </p:style>
+          </p:cxnSp>
+          <p:cxnSp>
+            <p:nvCxnSpPr>
+              <p:cNvPr id="38" name="직선 연결선[R] 37"/>
+              <p:cNvCxnSpPr>
+                <a:stCxn id="3" idx="6"/>
+                <a:endCxn id="16" idx="2"/>
+              </p:cNvCxnSpPr>
+              <p:nvPr/>
+            </p:nvCxnSpPr>
+            <p:spPr>
+              <a:xfrm flipV="1">
+                <a:off x="7709096" y="1280161"/>
+                <a:ext cx="643597" cy="337624"/>
+              </a:xfrm>
+              <a:prstGeom prst="line">
+                <a:avLst/>
+              </a:prstGeom>
+            </p:spPr>
+            <p:style>
+              <a:lnRef idx="1">
+                <a:schemeClr val="accent1"/>
+              </a:lnRef>
+              <a:fillRef idx="0">
+                <a:schemeClr val="accent1"/>
+              </a:fillRef>
+              <a:effectRef idx="0">
+                <a:schemeClr val="accent1"/>
+              </a:effectRef>
+              <a:fontRef idx="minor">
+                <a:schemeClr val="tx1"/>
+              </a:fontRef>
+            </p:style>
+          </p:cxnSp>
+          <p:cxnSp>
+            <p:nvCxnSpPr>
+              <p:cNvPr id="41" name="직선 연결선[R] 40"/>
+              <p:cNvCxnSpPr>
+                <a:stCxn id="4" idx="6"/>
+                <a:endCxn id="10" idx="3"/>
+              </p:cNvCxnSpPr>
+              <p:nvPr/>
+            </p:nvCxnSpPr>
+            <p:spPr>
+              <a:xfrm flipV="1">
+                <a:off x="9859108" y="1629678"/>
+                <a:ext cx="583808" cy="379976"/>
+              </a:xfrm>
+              <a:prstGeom prst="line">
+                <a:avLst/>
+              </a:prstGeom>
+            </p:spPr>
+            <p:style>
+              <a:lnRef idx="1">
+                <a:schemeClr val="accent1"/>
+              </a:lnRef>
+              <a:fillRef idx="0">
+                <a:schemeClr val="accent1"/>
+              </a:fillRef>
+              <a:effectRef idx="0">
+                <a:schemeClr val="accent1"/>
+              </a:effectRef>
+              <a:fontRef idx="minor">
+                <a:schemeClr val="tx1"/>
+              </a:fontRef>
+            </p:style>
+          </p:cxnSp>
+          <p:cxnSp>
+            <p:nvCxnSpPr>
+              <p:cNvPr id="45" name="직선 연결선[R] 44"/>
+              <p:cNvCxnSpPr>
+                <a:stCxn id="4" idx="3"/>
+                <a:endCxn id="8" idx="7"/>
+              </p:cNvCxnSpPr>
+              <p:nvPr/>
+            </p:nvCxnSpPr>
+            <p:spPr>
+              <a:xfrm flipH="1">
+                <a:off x="8572642" y="2168812"/>
+                <a:ext cx="902225" cy="1830216"/>
+              </a:xfrm>
+              <a:prstGeom prst="line">
+                <a:avLst/>
+              </a:prstGeom>
+            </p:spPr>
+            <p:style>
+              <a:lnRef idx="1">
+                <a:schemeClr val="accent1"/>
+              </a:lnRef>
+              <a:fillRef idx="0">
+                <a:schemeClr val="accent1"/>
+              </a:fillRef>
+              <a:effectRef idx="0">
+                <a:schemeClr val="accent1"/>
+              </a:effectRef>
+              <a:fontRef idx="minor">
+                <a:schemeClr val="tx1"/>
+              </a:fontRef>
+            </p:style>
+          </p:cxnSp>
+          <p:cxnSp>
+            <p:nvCxnSpPr>
+              <p:cNvPr id="47" name="직선 연결선[R] 46"/>
+              <p:cNvCxnSpPr>
+                <a:stCxn id="4" idx="6"/>
+                <a:endCxn id="13" idx="2"/>
+              </p:cNvCxnSpPr>
+              <p:nvPr/>
+            </p:nvCxnSpPr>
+            <p:spPr>
+              <a:xfrm>
+                <a:off x="9859108" y="2009654"/>
+                <a:ext cx="708073" cy="787790"/>
+              </a:xfrm>
+              <a:prstGeom prst="line">
+                <a:avLst/>
+              </a:prstGeom>
+            </p:spPr>
+            <p:style>
+              <a:lnRef idx="1">
+                <a:schemeClr val="accent1"/>
+              </a:lnRef>
+              <a:fillRef idx="0">
+                <a:schemeClr val="accent1"/>
+              </a:fillRef>
+              <a:effectRef idx="0">
+                <a:schemeClr val="accent1"/>
+              </a:effectRef>
+              <a:fontRef idx="minor">
+                <a:schemeClr val="tx1"/>
+              </a:fontRef>
+            </p:style>
+          </p:cxnSp>
+          <p:cxnSp>
+            <p:nvCxnSpPr>
+              <p:cNvPr id="49" name="직선 연결선[R] 48"/>
+              <p:cNvCxnSpPr>
+                <a:stCxn id="16" idx="5"/>
+                <a:endCxn id="11" idx="1"/>
+              </p:cNvCxnSpPr>
+              <p:nvPr/>
+            </p:nvCxnSpPr>
+            <p:spPr>
+              <a:xfrm>
+                <a:off x="8736934" y="1439318"/>
+                <a:ext cx="897369" cy="2196696"/>
+              </a:xfrm>
+              <a:prstGeom prst="line">
+                <a:avLst/>
+              </a:prstGeom>
+            </p:spPr>
+            <p:style>
+              <a:lnRef idx="1">
+                <a:schemeClr val="accent1"/>
+              </a:lnRef>
+              <a:fillRef idx="0">
+                <a:schemeClr val="accent1"/>
+              </a:fillRef>
+              <a:effectRef idx="0">
+                <a:schemeClr val="accent1"/>
+              </a:effectRef>
+              <a:fontRef idx="minor">
+                <a:schemeClr val="tx1"/>
+              </a:fontRef>
+            </p:style>
+          </p:cxnSp>
+          <p:cxnSp>
+            <p:nvCxnSpPr>
+              <p:cNvPr id="51" name="직선 연결선[R] 50"/>
+              <p:cNvCxnSpPr>
+                <a:stCxn id="11" idx="2"/>
+                <a:endCxn id="15" idx="7"/>
+              </p:cNvCxnSpPr>
+              <p:nvPr/>
+            </p:nvCxnSpPr>
+            <p:spPr>
+              <a:xfrm flipH="1">
+                <a:off x="8835409" y="3795173"/>
+                <a:ext cx="732968" cy="1660582"/>
+              </a:xfrm>
+              <a:prstGeom prst="line">
+                <a:avLst/>
+              </a:prstGeom>
+            </p:spPr>
+            <p:style>
+              <a:lnRef idx="1">
+                <a:schemeClr val="accent1"/>
+              </a:lnRef>
+              <a:fillRef idx="0">
+                <a:schemeClr val="accent1"/>
+              </a:fillRef>
+              <a:effectRef idx="0">
+                <a:schemeClr val="accent1"/>
+              </a:effectRef>
+              <a:fontRef idx="minor">
+                <a:schemeClr val="tx1"/>
+              </a:fontRef>
+            </p:style>
+          </p:cxnSp>
+        </p:grpSp>
+      </p:grpSp>
+      <p:pic>
+        <p:nvPicPr>
+          <p:cNvPr id="56" name="Picture 68" descr="save"/>
+          <p:cNvPicPr>
+            <a:picLocks noChangeAspect="1" noChangeArrowheads="1"/>
+          </p:cNvPicPr>
+          <p:nvPr/>
+        </p:nvPicPr>
+        <p:blipFill>
+          <a:blip r:embed="rId2">
+            <a:extLst>
+              <a:ext uri="{28A0092B-C50C-407E-A947-70E740481C1C}">
+                <a14:useLocalDpi xmlns:a14="http://schemas.microsoft.com/office/drawing/2010/main" val="0"/>
+              </a:ext>
+            </a:extLst>
+          </a:blip>
+          <a:srcRect/>
+          <a:stretch>
+            <a:fillRect/>
+          </a:stretch>
+        </p:blipFill>
+        <p:spPr bwMode="auto">
+          <a:xfrm>
+            <a:off x="9999634" y="4651926"/>
+            <a:ext cx="722863" cy="688374"/>
+          </a:xfrm>
+          <a:prstGeom prst="rect">
+            <a:avLst/>
+          </a:prstGeom>
+          <a:noFill/>
+          <a:ln>
+            <a:noFill/>
+          </a:ln>
+          <a:extLst>
+            <a:ext uri="{909E8E84-426E-40DD-AFC4-6F175D3DCCD1}">
+              <a14:hiddenFill xmlns:a14="http://schemas.microsoft.com/office/drawing/2010/main">
+                <a:solidFill>
+                  <a:srgbClr val="FFFFFF"/>
+                </a:solidFill>
+              </a14:hiddenFill>
+            </a:ext>
+            <a:ext uri="{91240B29-F687-4F45-9708-019B960494DF}">
+              <a14:hiddenLine xmlns:a14="http://schemas.microsoft.com/office/drawing/2010/main" w="9525">
+                <a:solidFill>
+                  <a:srgbClr val="000000"/>
+                </a:solidFill>
+                <a:miter lim="800000"/>
+                <a:headEnd/>
+                <a:tailEnd/>
+              </a14:hiddenLine>
+            </a:ext>
+          </a:extLst>
+        </p:spPr>
+      </p:pic>
+      <p:sp>
+        <p:nvSpPr>
+          <p:cNvPr id="57" name="오른쪽 화살표[R] 56"/>
+          <p:cNvSpPr/>
+          <p:nvPr/>
+        </p:nvSpPr>
+        <p:spPr>
+          <a:xfrm>
+            <a:off x="2927104" y="2924979"/>
+            <a:ext cx="1708999" cy="1533379"/>
+          </a:xfrm>
+          <a:prstGeom prst="rightArrow">
+            <a:avLst/>
+          </a:prstGeom>
+        </p:spPr>
+        <p:style>
+          <a:lnRef idx="2">
+            <a:schemeClr val="accent1">
+              <a:shade val="50000"/>
+            </a:schemeClr>
+          </a:lnRef>
+          <a:fillRef idx="1">
+            <a:schemeClr val="accent1"/>
+          </a:fillRef>
+          <a:effectRef idx="0">
+            <a:schemeClr val="accent1"/>
+          </a:effectRef>
+          <a:fontRef idx="minor">
+            <a:schemeClr val="lt1"/>
+          </a:fontRef>
+        </p:style>
+        <p:txBody>
+          <a:bodyPr rtlCol="0" anchor="ctr"/>
+          <a:lstStyle/>
+          <a:p>
+            <a:pPr algn="ctr"/>
+            <a:r>
+              <a:rPr kumimoji="1" lang="en-US" altLang="ko-KR" sz="1400" dirty="0" smtClean="0"/>
+              <a:t>Similarity.</a:t>
+            </a:r>
+          </a:p>
+          <a:p>
+            <a:pPr algn="ctr"/>
+            <a:r>
+              <a:rPr kumimoji="1" lang="en-US" altLang="ko-KR" sz="1400" dirty="0" smtClean="0"/>
+              <a:t>Model.build( )</a:t>
+            </a:r>
+            <a:endParaRPr kumimoji="1" lang="ko-KR" altLang="en-US" sz="1400" dirty="0"/>
+          </a:p>
+        </p:txBody>
+      </p:sp>
+      <p:sp>
+        <p:nvSpPr>
+          <p:cNvPr id="59" name="오른쪽 화살표[R] 58"/>
+          <p:cNvSpPr/>
+          <p:nvPr/>
+        </p:nvSpPr>
+        <p:spPr>
+          <a:xfrm>
+            <a:off x="8760031" y="4596646"/>
+            <a:ext cx="1008807" cy="822892"/>
+          </a:xfrm>
+          <a:prstGeom prst="rightArrow">
+            <a:avLst/>
+          </a:prstGeom>
+        </p:spPr>
+        <p:style>
+          <a:lnRef idx="2">
+            <a:schemeClr val="accent1">
+              <a:shade val="50000"/>
+            </a:schemeClr>
+          </a:lnRef>
+          <a:fillRef idx="1">
+            <a:schemeClr val="accent1"/>
+          </a:fillRef>
+          <a:effectRef idx="0">
+            <a:schemeClr val="accent1"/>
+          </a:effectRef>
+          <a:fontRef idx="minor">
+            <a:schemeClr val="lt1"/>
+          </a:fontRef>
+        </p:style>
+        <p:txBody>
+          <a:bodyPr rtlCol="0" anchor="ctr"/>
+          <a:lstStyle/>
+          <a:p>
+            <a:pPr algn="ctr"/>
+            <a:r>
+              <a:rPr kumimoji="1" lang="en-US" altLang="ko-KR" sz="1400" dirty="0" smtClean="0"/>
+              <a:t>Save</a:t>
+            </a:r>
+            <a:endParaRPr kumimoji="1" lang="ko-KR" altLang="en-US" sz="1400" dirty="0"/>
+          </a:p>
+        </p:txBody>
+      </p:sp>
     </p:spTree>
     <p:extLst>
       <p:ext uri="{BB962C8B-B14F-4D97-AF65-F5344CB8AC3E}">

--- a/docs/images/프레젠테이션1.pptx
+++ b/docs/images/프레젠테이션1.pptx
@@ -4,11 +4,16 @@
   <p:sldMasterIdLst>
     <p:sldMasterId id="2147483648" r:id="rId1"/>
   </p:sldMasterIdLst>
+  <p:notesMasterIdLst>
+    <p:notesMasterId r:id="rId8"/>
+  </p:notesMasterIdLst>
   <p:sldIdLst>
     <p:sldId id="256" r:id="rId2"/>
     <p:sldId id="257" r:id="rId3"/>
     <p:sldId id="258" r:id="rId4"/>
     <p:sldId id="259" r:id="rId5"/>
+    <p:sldId id="260" r:id="rId6"/>
+    <p:sldId id="261" r:id="rId7"/>
   </p:sldIdLst>
   <p:sldSz cx="12192000" cy="6858000"/>
   <p:notesSz cx="6858000" cy="9144000"/>
@@ -113,6 +118,440 @@
     </p:ext>
   </p:extLst>
 </p:presentation>
+</file>
+
+<file path=ppt/notesMasters/notesMaster1.xml><?xml version="1.0" encoding="utf-8"?>
+<p:notesMaster xmlns:a="http://schemas.openxmlformats.org/drawingml/2006/main" xmlns:r="http://schemas.openxmlformats.org/officeDocument/2006/relationships" xmlns:p="http://schemas.openxmlformats.org/presentationml/2006/main">
+  <p:cSld>
+    <p:bg>
+      <p:bgRef idx="1001">
+        <a:schemeClr val="bg1"/>
+      </p:bgRef>
+    </p:bg>
+    <p:spTree>
+      <p:nvGrpSpPr>
+        <p:cNvPr id="1" name=""/>
+        <p:cNvGrpSpPr/>
+        <p:nvPr/>
+      </p:nvGrpSpPr>
+      <p:grpSpPr>
+        <a:xfrm>
+          <a:off x="0" y="0"/>
+          <a:ext cx="0" cy="0"/>
+          <a:chOff x="0" y="0"/>
+          <a:chExt cx="0" cy="0"/>
+        </a:xfrm>
+      </p:grpSpPr>
+      <p:sp>
+        <p:nvSpPr>
+          <p:cNvPr id="2" name="머리글 개체 틀 1"/>
+          <p:cNvSpPr>
+            <a:spLocks noGrp="1"/>
+          </p:cNvSpPr>
+          <p:nvPr>
+            <p:ph type="hdr" sz="quarter"/>
+          </p:nvPr>
+        </p:nvSpPr>
+        <p:spPr>
+          <a:xfrm>
+            <a:off x="0" y="0"/>
+            <a:ext cx="2971800" cy="458788"/>
+          </a:xfrm>
+          <a:prstGeom prst="rect">
+            <a:avLst/>
+          </a:prstGeom>
+        </p:spPr>
+        <p:txBody>
+          <a:bodyPr vert="horz" lIns="91440" tIns="45720" rIns="91440" bIns="45720" rtlCol="0"/>
+          <a:lstStyle>
+            <a:lvl1pPr algn="l">
+              <a:defRPr sz="1200"/>
+            </a:lvl1pPr>
+          </a:lstStyle>
+          <a:p>
+            <a:endParaRPr kumimoji="1" lang="ko-KR" altLang="en-US"/>
+          </a:p>
+        </p:txBody>
+      </p:sp>
+      <p:sp>
+        <p:nvSpPr>
+          <p:cNvPr id="3" name="날짜 개체 틀 2"/>
+          <p:cNvSpPr>
+            <a:spLocks noGrp="1"/>
+          </p:cNvSpPr>
+          <p:nvPr>
+            <p:ph type="dt" idx="1"/>
+          </p:nvPr>
+        </p:nvSpPr>
+        <p:spPr>
+          <a:xfrm>
+            <a:off x="3884613" y="0"/>
+            <a:ext cx="2971800" cy="458788"/>
+          </a:xfrm>
+          <a:prstGeom prst="rect">
+            <a:avLst/>
+          </a:prstGeom>
+        </p:spPr>
+        <p:txBody>
+          <a:bodyPr vert="horz" lIns="91440" tIns="45720" rIns="91440" bIns="45720" rtlCol="0"/>
+          <a:lstStyle>
+            <a:lvl1pPr algn="r">
+              <a:defRPr sz="1200"/>
+            </a:lvl1pPr>
+          </a:lstStyle>
+          <a:p>
+            <a:fld id="{46E96B16-1736-0A4B-80C0-B32AE675D24C}" type="datetimeFigureOut">
+              <a:rPr kumimoji="1" lang="ko-KR" altLang="en-US" smtClean="0"/>
+              <a:t>2016. 5. 18.</a:t>
+            </a:fld>
+            <a:endParaRPr kumimoji="1" lang="ko-KR" altLang="en-US"/>
+          </a:p>
+        </p:txBody>
+      </p:sp>
+      <p:sp>
+        <p:nvSpPr>
+          <p:cNvPr id="4" name="슬라이드 이미지 개체 틀 3"/>
+          <p:cNvSpPr>
+            <a:spLocks noGrp="1" noRot="1" noChangeAspect="1"/>
+          </p:cNvSpPr>
+          <p:nvPr>
+            <p:ph type="sldImg" idx="2"/>
+          </p:nvPr>
+        </p:nvSpPr>
+        <p:spPr>
+          <a:xfrm>
+            <a:off x="685800" y="1143000"/>
+            <a:ext cx="5486400" cy="3086100"/>
+          </a:xfrm>
+          <a:prstGeom prst="rect">
+            <a:avLst/>
+          </a:prstGeom>
+          <a:noFill/>
+          <a:ln w="12700">
+            <a:solidFill>
+              <a:prstClr val="black"/>
+            </a:solidFill>
+          </a:ln>
+        </p:spPr>
+        <p:txBody>
+          <a:bodyPr vert="horz" lIns="91440" tIns="45720" rIns="91440" bIns="45720" rtlCol="0" anchor="ctr"/>
+          <a:lstStyle/>
+          <a:p>
+            <a:endParaRPr lang="ko-KR" altLang="en-US"/>
+          </a:p>
+        </p:txBody>
+      </p:sp>
+      <p:sp>
+        <p:nvSpPr>
+          <p:cNvPr id="5" name="슬라이드 노트 개체 틀 4"/>
+          <p:cNvSpPr>
+            <a:spLocks noGrp="1"/>
+          </p:cNvSpPr>
+          <p:nvPr>
+            <p:ph type="body" sz="quarter" idx="3"/>
+          </p:nvPr>
+        </p:nvSpPr>
+        <p:spPr>
+          <a:xfrm>
+            <a:off x="685800" y="4400550"/>
+            <a:ext cx="5486400" cy="3600450"/>
+          </a:xfrm>
+          <a:prstGeom prst="rect">
+            <a:avLst/>
+          </a:prstGeom>
+        </p:spPr>
+        <p:txBody>
+          <a:bodyPr vert="horz" lIns="91440" tIns="45720" rIns="91440" bIns="45720" rtlCol="0"/>
+          <a:lstStyle/>
+          <a:p>
+            <a:pPr lvl="0"/>
+            <a:r>
+              <a:rPr kumimoji="1" lang="ko-KR" altLang="en-US" smtClean="0"/>
+              <a:t>마스터 텍스트 스타일을 편집하려면 클릭</a:t>
+            </a:r>
+          </a:p>
+          <a:p>
+            <a:pPr lvl="1"/>
+            <a:r>
+              <a:rPr kumimoji="1" lang="ko-KR" altLang="en-US" smtClean="0"/>
+              <a:t>두 번째 수준</a:t>
+            </a:r>
+          </a:p>
+          <a:p>
+            <a:pPr lvl="2"/>
+            <a:r>
+              <a:rPr kumimoji="1" lang="ko-KR" altLang="en-US" smtClean="0"/>
+              <a:t>세 번째 수준</a:t>
+            </a:r>
+          </a:p>
+          <a:p>
+            <a:pPr lvl="3"/>
+            <a:r>
+              <a:rPr kumimoji="1" lang="ko-KR" altLang="en-US" smtClean="0"/>
+              <a:t>네 번째 수준</a:t>
+            </a:r>
+          </a:p>
+          <a:p>
+            <a:pPr lvl="4"/>
+            <a:r>
+              <a:rPr kumimoji="1" lang="ko-KR" altLang="en-US" smtClean="0"/>
+              <a:t>다섯 번째 수준</a:t>
+            </a:r>
+            <a:endParaRPr kumimoji="1" lang="ko-KR" altLang="en-US"/>
+          </a:p>
+        </p:txBody>
+      </p:sp>
+      <p:sp>
+        <p:nvSpPr>
+          <p:cNvPr id="6" name="바닥글 개체 틀 5"/>
+          <p:cNvSpPr>
+            <a:spLocks noGrp="1"/>
+          </p:cNvSpPr>
+          <p:nvPr>
+            <p:ph type="ftr" sz="quarter" idx="4"/>
+          </p:nvPr>
+        </p:nvSpPr>
+        <p:spPr>
+          <a:xfrm>
+            <a:off x="0" y="8685213"/>
+            <a:ext cx="2971800" cy="458787"/>
+          </a:xfrm>
+          <a:prstGeom prst="rect">
+            <a:avLst/>
+          </a:prstGeom>
+        </p:spPr>
+        <p:txBody>
+          <a:bodyPr vert="horz" lIns="91440" tIns="45720" rIns="91440" bIns="45720" rtlCol="0" anchor="b"/>
+          <a:lstStyle>
+            <a:lvl1pPr algn="l">
+              <a:defRPr sz="1200"/>
+            </a:lvl1pPr>
+          </a:lstStyle>
+          <a:p>
+            <a:endParaRPr kumimoji="1" lang="ko-KR" altLang="en-US"/>
+          </a:p>
+        </p:txBody>
+      </p:sp>
+      <p:sp>
+        <p:nvSpPr>
+          <p:cNvPr id="7" name="슬라이드 번호 개체 틀 6"/>
+          <p:cNvSpPr>
+            <a:spLocks noGrp="1"/>
+          </p:cNvSpPr>
+          <p:nvPr>
+            <p:ph type="sldNum" sz="quarter" idx="5"/>
+          </p:nvPr>
+        </p:nvSpPr>
+        <p:spPr>
+          <a:xfrm>
+            <a:off x="3884613" y="8685213"/>
+            <a:ext cx="2971800" cy="458787"/>
+          </a:xfrm>
+          <a:prstGeom prst="rect">
+            <a:avLst/>
+          </a:prstGeom>
+        </p:spPr>
+        <p:txBody>
+          <a:bodyPr vert="horz" lIns="91440" tIns="45720" rIns="91440" bIns="45720" rtlCol="0" anchor="b"/>
+          <a:lstStyle>
+            <a:lvl1pPr algn="r">
+              <a:defRPr sz="1200"/>
+            </a:lvl1pPr>
+          </a:lstStyle>
+          <a:p>
+            <a:fld id="{51D6DEE8-CAF1-8949-BF7B-077733F67A38}" type="slidenum">
+              <a:rPr kumimoji="1" lang="ko-KR" altLang="en-US" smtClean="0"/>
+              <a:t>‹#›</a:t>
+            </a:fld>
+            <a:endParaRPr kumimoji="1" lang="ko-KR" altLang="en-US"/>
+          </a:p>
+        </p:txBody>
+      </p:sp>
+    </p:spTree>
+    <p:extLst>
+      <p:ext uri="{BB962C8B-B14F-4D97-AF65-F5344CB8AC3E}">
+        <p14:creationId xmlns:p14="http://schemas.microsoft.com/office/powerpoint/2010/main" val="2126413225"/>
+      </p:ext>
+    </p:extLst>
+  </p:cSld>
+  <p:clrMap bg1="lt1" tx1="dk1" bg2="lt2" tx2="dk2" accent1="accent1" accent2="accent2" accent3="accent3" accent4="accent4" accent5="accent5" accent6="accent6" hlink="hlink" folHlink="folHlink"/>
+  <p:notesStyle>
+    <a:lvl1pPr marL="0" algn="l" defTabSz="914400" rtl="0" eaLnBrk="1" latinLnBrk="1" hangingPunct="1">
+      <a:defRPr sz="1200" kern="1200">
+        <a:solidFill>
+          <a:schemeClr val="tx1"/>
+        </a:solidFill>
+        <a:latin typeface="+mn-lt"/>
+        <a:ea typeface="+mn-ea"/>
+        <a:cs typeface="+mn-cs"/>
+      </a:defRPr>
+    </a:lvl1pPr>
+    <a:lvl2pPr marL="457200" algn="l" defTabSz="914400" rtl="0" eaLnBrk="1" latinLnBrk="1" hangingPunct="1">
+      <a:defRPr sz="1200" kern="1200">
+        <a:solidFill>
+          <a:schemeClr val="tx1"/>
+        </a:solidFill>
+        <a:latin typeface="+mn-lt"/>
+        <a:ea typeface="+mn-ea"/>
+        <a:cs typeface="+mn-cs"/>
+      </a:defRPr>
+    </a:lvl2pPr>
+    <a:lvl3pPr marL="914400" algn="l" defTabSz="914400" rtl="0" eaLnBrk="1" latinLnBrk="1" hangingPunct="1">
+      <a:defRPr sz="1200" kern="1200">
+        <a:solidFill>
+          <a:schemeClr val="tx1"/>
+        </a:solidFill>
+        <a:latin typeface="+mn-lt"/>
+        <a:ea typeface="+mn-ea"/>
+        <a:cs typeface="+mn-cs"/>
+      </a:defRPr>
+    </a:lvl3pPr>
+    <a:lvl4pPr marL="1371600" algn="l" defTabSz="914400" rtl="0" eaLnBrk="1" latinLnBrk="1" hangingPunct="1">
+      <a:defRPr sz="1200" kern="1200">
+        <a:solidFill>
+          <a:schemeClr val="tx1"/>
+        </a:solidFill>
+        <a:latin typeface="+mn-lt"/>
+        <a:ea typeface="+mn-ea"/>
+        <a:cs typeface="+mn-cs"/>
+      </a:defRPr>
+    </a:lvl4pPr>
+    <a:lvl5pPr marL="1828800" algn="l" defTabSz="914400" rtl="0" eaLnBrk="1" latinLnBrk="1" hangingPunct="1">
+      <a:defRPr sz="1200" kern="1200">
+        <a:solidFill>
+          <a:schemeClr val="tx1"/>
+        </a:solidFill>
+        <a:latin typeface="+mn-lt"/>
+        <a:ea typeface="+mn-ea"/>
+        <a:cs typeface="+mn-cs"/>
+      </a:defRPr>
+    </a:lvl5pPr>
+    <a:lvl6pPr marL="2286000" algn="l" defTabSz="914400" rtl="0" eaLnBrk="1" latinLnBrk="1" hangingPunct="1">
+      <a:defRPr sz="1200" kern="1200">
+        <a:solidFill>
+          <a:schemeClr val="tx1"/>
+        </a:solidFill>
+        <a:latin typeface="+mn-lt"/>
+        <a:ea typeface="+mn-ea"/>
+        <a:cs typeface="+mn-cs"/>
+      </a:defRPr>
+    </a:lvl6pPr>
+    <a:lvl7pPr marL="2743200" algn="l" defTabSz="914400" rtl="0" eaLnBrk="1" latinLnBrk="1" hangingPunct="1">
+      <a:defRPr sz="1200" kern="1200">
+        <a:solidFill>
+          <a:schemeClr val="tx1"/>
+        </a:solidFill>
+        <a:latin typeface="+mn-lt"/>
+        <a:ea typeface="+mn-ea"/>
+        <a:cs typeface="+mn-cs"/>
+      </a:defRPr>
+    </a:lvl7pPr>
+    <a:lvl8pPr marL="3200400" algn="l" defTabSz="914400" rtl="0" eaLnBrk="1" latinLnBrk="1" hangingPunct="1">
+      <a:defRPr sz="1200" kern="1200">
+        <a:solidFill>
+          <a:schemeClr val="tx1"/>
+        </a:solidFill>
+        <a:latin typeface="+mn-lt"/>
+        <a:ea typeface="+mn-ea"/>
+        <a:cs typeface="+mn-cs"/>
+      </a:defRPr>
+    </a:lvl8pPr>
+    <a:lvl9pPr marL="3657600" algn="l" defTabSz="914400" rtl="0" eaLnBrk="1" latinLnBrk="1" hangingPunct="1">
+      <a:defRPr sz="1200" kern="1200">
+        <a:solidFill>
+          <a:schemeClr val="tx1"/>
+        </a:solidFill>
+        <a:latin typeface="+mn-lt"/>
+        <a:ea typeface="+mn-ea"/>
+        <a:cs typeface="+mn-cs"/>
+      </a:defRPr>
+    </a:lvl9pPr>
+  </p:notesStyle>
+</p:notesMaster>
+</file>
+
+<file path=ppt/notesSlides/notesSlide1.xml><?xml version="1.0" encoding="utf-8"?>
+<p:notes xmlns:a="http://schemas.openxmlformats.org/drawingml/2006/main" xmlns:r="http://schemas.openxmlformats.org/officeDocument/2006/relationships" xmlns:p="http://schemas.openxmlformats.org/presentationml/2006/main">
+  <p:cSld>
+    <p:spTree>
+      <p:nvGrpSpPr>
+        <p:cNvPr id="1" name=""/>
+        <p:cNvGrpSpPr/>
+        <p:nvPr/>
+      </p:nvGrpSpPr>
+      <p:grpSpPr>
+        <a:xfrm>
+          <a:off x="0" y="0"/>
+          <a:ext cx="0" cy="0"/>
+          <a:chOff x="0" y="0"/>
+          <a:chExt cx="0" cy="0"/>
+        </a:xfrm>
+      </p:grpSpPr>
+      <p:sp>
+        <p:nvSpPr>
+          <p:cNvPr id="2" name="슬라이드 이미지 개체 틀 1"/>
+          <p:cNvSpPr>
+            <a:spLocks noGrp="1" noRot="1" noChangeAspect="1"/>
+          </p:cNvSpPr>
+          <p:nvPr>
+            <p:ph type="sldImg"/>
+          </p:nvPr>
+        </p:nvSpPr>
+        <p:spPr/>
+      </p:sp>
+      <p:sp>
+        <p:nvSpPr>
+          <p:cNvPr id="3" name="슬라이드 노트 개체 틀 2"/>
+          <p:cNvSpPr>
+            <a:spLocks noGrp="1"/>
+          </p:cNvSpPr>
+          <p:nvPr>
+            <p:ph type="body" idx="1"/>
+          </p:nvPr>
+        </p:nvSpPr>
+        <p:spPr/>
+        <p:txBody>
+          <a:bodyPr/>
+          <a:lstStyle/>
+          <a:p>
+            <a:endParaRPr kumimoji="1" lang="ko-KR" altLang="en-US" dirty="0"/>
+          </a:p>
+        </p:txBody>
+      </p:sp>
+      <p:sp>
+        <p:nvSpPr>
+          <p:cNvPr id="4" name="슬라이드 번호 개체 틀 3"/>
+          <p:cNvSpPr>
+            <a:spLocks noGrp="1"/>
+          </p:cNvSpPr>
+          <p:nvPr>
+            <p:ph type="sldNum" sz="quarter" idx="10"/>
+          </p:nvPr>
+        </p:nvSpPr>
+        <p:spPr/>
+        <p:txBody>
+          <a:bodyPr/>
+          <a:lstStyle/>
+          <a:p>
+            <a:fld id="{51D6DEE8-CAF1-8949-BF7B-077733F67A38}" type="slidenum">
+              <a:rPr kumimoji="1" lang="ko-KR" altLang="en-US" smtClean="0"/>
+              <a:t>4</a:t>
+            </a:fld>
+            <a:endParaRPr kumimoji="1" lang="ko-KR" altLang="en-US"/>
+          </a:p>
+        </p:txBody>
+      </p:sp>
+    </p:spTree>
+    <p:extLst>
+      <p:ext uri="{BB962C8B-B14F-4D97-AF65-F5344CB8AC3E}">
+        <p14:creationId xmlns:p14="http://schemas.microsoft.com/office/powerpoint/2010/main" val="204219201"/>
+      </p:ext>
+    </p:extLst>
+  </p:cSld>
+  <p:clrMapOvr>
+    <a:masterClrMapping/>
+  </p:clrMapOvr>
+</p:notes>
 </file>
 
 <file path=ppt/slideLayouts/slideLayout1.xml><?xml version="1.0" encoding="utf-8"?>
@@ -5444,10 +5883,1879 @@
           <a:chExt cx="0" cy="0"/>
         </a:xfrm>
       </p:grpSpPr>
+      <p:pic>
+        <p:nvPicPr>
+          <p:cNvPr id="34" name="Picture 68" descr="save"/>
+          <p:cNvPicPr>
+            <a:picLocks noChangeAspect="1" noChangeArrowheads="1"/>
+          </p:cNvPicPr>
+          <p:nvPr/>
+        </p:nvPicPr>
+        <p:blipFill>
+          <a:blip r:embed="rId3">
+            <a:extLst>
+              <a:ext uri="{28A0092B-C50C-407E-A947-70E740481C1C}">
+                <a14:useLocalDpi xmlns:a14="http://schemas.microsoft.com/office/drawing/2010/main" val="0"/>
+              </a:ext>
+            </a:extLst>
+          </a:blip>
+          <a:srcRect/>
+          <a:stretch>
+            <a:fillRect/>
+          </a:stretch>
+        </p:blipFill>
+        <p:spPr bwMode="auto">
+          <a:xfrm>
+            <a:off x="2733948" y="4667818"/>
+            <a:ext cx="722863" cy="688374"/>
+          </a:xfrm>
+          <a:prstGeom prst="rect">
+            <a:avLst/>
+          </a:prstGeom>
+          <a:noFill/>
+          <a:ln>
+            <a:noFill/>
+          </a:ln>
+          <a:extLst>
+            <a:ext uri="{909E8E84-426E-40DD-AFC4-6F175D3DCCD1}">
+              <a14:hiddenFill xmlns:a14="http://schemas.microsoft.com/office/drawing/2010/main">
+                <a:solidFill>
+                  <a:srgbClr val="FFFFFF"/>
+                </a:solidFill>
+              </a14:hiddenFill>
+            </a:ext>
+            <a:ext uri="{91240B29-F687-4F45-9708-019B960494DF}">
+              <a14:hiddenLine xmlns:a14="http://schemas.microsoft.com/office/drawing/2010/main" w="9525">
+                <a:solidFill>
+                  <a:srgbClr val="000000"/>
+                </a:solidFill>
+                <a:miter lim="800000"/>
+                <a:headEnd/>
+                <a:tailEnd/>
+              </a14:hiddenLine>
+            </a:ext>
+          </a:extLst>
+        </p:spPr>
+      </p:pic>
+      <p:grpSp>
+        <p:nvGrpSpPr>
+          <p:cNvPr id="93" name="그룹 92"/>
+          <p:cNvGrpSpPr/>
+          <p:nvPr/>
+        </p:nvGrpSpPr>
+        <p:grpSpPr>
+          <a:xfrm>
+            <a:off x="4866452" y="2188018"/>
+            <a:ext cx="3662336" cy="3660538"/>
+            <a:chOff x="4866899" y="1759000"/>
+            <a:chExt cx="3662336" cy="3660538"/>
+          </a:xfrm>
+        </p:grpSpPr>
+        <p:grpSp>
+          <p:nvGrpSpPr>
+            <p:cNvPr id="36" name="그룹 35"/>
+            <p:cNvGrpSpPr/>
+            <p:nvPr/>
+          </p:nvGrpSpPr>
+          <p:grpSpPr>
+            <a:xfrm>
+              <a:off x="4866899" y="1759000"/>
+              <a:ext cx="3662336" cy="3660538"/>
+              <a:chOff x="4866899" y="1759000"/>
+              <a:chExt cx="3662336" cy="3660538"/>
+            </a:xfrm>
+          </p:grpSpPr>
+          <p:grpSp>
+            <p:nvGrpSpPr>
+              <p:cNvPr id="37" name="그룹 36"/>
+              <p:cNvGrpSpPr/>
+              <p:nvPr/>
+            </p:nvGrpSpPr>
+            <p:grpSpPr>
+              <a:xfrm>
+                <a:off x="4866899" y="1759000"/>
+                <a:ext cx="3662336" cy="3660538"/>
+                <a:chOff x="1622442" y="922226"/>
+                <a:chExt cx="2812398" cy="4076494"/>
+              </a:xfrm>
+            </p:grpSpPr>
+            <p:sp>
+              <p:nvSpPr>
+                <p:cNvPr id="66" name="직사각형 65"/>
+                <p:cNvSpPr/>
+                <p:nvPr/>
+              </p:nvSpPr>
+              <p:spPr>
+                <a:xfrm>
+                  <a:off x="1622442" y="922226"/>
+                  <a:ext cx="2812398" cy="4076494"/>
+                </a:xfrm>
+                <a:prstGeom prst="rect">
+                  <a:avLst/>
+                </a:prstGeom>
+                <a:ln w="38100">
+                  <a:solidFill>
+                    <a:schemeClr val="accent1"/>
+                  </a:solidFill>
+                </a:ln>
+              </p:spPr>
+              <p:style>
+                <a:lnRef idx="2">
+                  <a:schemeClr val="accent1"/>
+                </a:lnRef>
+                <a:fillRef idx="1">
+                  <a:schemeClr val="lt1"/>
+                </a:fillRef>
+                <a:effectRef idx="0">
+                  <a:schemeClr val="accent1"/>
+                </a:effectRef>
+                <a:fontRef idx="minor">
+                  <a:schemeClr val="dk1"/>
+                </a:fontRef>
+              </p:style>
+              <p:txBody>
+                <a:bodyPr rtlCol="0" anchor="ctr"/>
+                <a:lstStyle/>
+                <a:p>
+                  <a:pPr algn="ctr"/>
+                  <a:endParaRPr kumimoji="1" lang="ko-KR" altLang="en-US"/>
+                </a:p>
+              </p:txBody>
+            </p:sp>
+            <p:sp>
+              <p:nvSpPr>
+                <p:cNvPr id="67" name="직사각형 66"/>
+                <p:cNvSpPr/>
+                <p:nvPr/>
+              </p:nvSpPr>
+              <p:spPr>
+                <a:xfrm>
+                  <a:off x="1622442" y="922226"/>
+                  <a:ext cx="2812398" cy="566019"/>
+                </a:xfrm>
+                <a:prstGeom prst="rect">
+                  <a:avLst/>
+                </a:prstGeom>
+              </p:spPr>
+              <p:style>
+                <a:lnRef idx="2">
+                  <a:schemeClr val="accent1">
+                    <a:shade val="50000"/>
+                  </a:schemeClr>
+                </a:lnRef>
+                <a:fillRef idx="1">
+                  <a:schemeClr val="accent1"/>
+                </a:fillRef>
+                <a:effectRef idx="0">
+                  <a:schemeClr val="accent1"/>
+                </a:effectRef>
+                <a:fontRef idx="minor">
+                  <a:schemeClr val="lt1"/>
+                </a:fontRef>
+              </p:style>
+              <p:txBody>
+                <a:bodyPr rtlCol="0" anchor="ctr"/>
+                <a:lstStyle/>
+                <a:p>
+                  <a:pPr algn="ctr"/>
+                  <a:r>
+                    <a:rPr kumimoji="1" lang="en-US" altLang="ko-KR" dirty="0" smtClean="0">
+                      <a:solidFill>
+                        <a:schemeClr val="bg1"/>
+                      </a:solidFill>
+                    </a:rPr>
+                    <a:t>Similarity Model</a:t>
+                  </a:r>
+                  <a:endParaRPr kumimoji="1" lang="ko-KR" altLang="en-US" dirty="0">
+                    <a:solidFill>
+                      <a:schemeClr val="bg1"/>
+                    </a:solidFill>
+                  </a:endParaRPr>
+                </a:p>
+              </p:txBody>
+            </p:sp>
+          </p:grpSp>
+          <p:grpSp>
+            <p:nvGrpSpPr>
+              <p:cNvPr id="38" name="그룹 37"/>
+              <p:cNvGrpSpPr/>
+              <p:nvPr/>
+            </p:nvGrpSpPr>
+            <p:grpSpPr>
+              <a:xfrm>
+                <a:off x="5347172" y="2510580"/>
+                <a:ext cx="2684221" cy="2632849"/>
+                <a:chOff x="6317843" y="1055078"/>
+                <a:chExt cx="4699504" cy="4784918"/>
+              </a:xfrm>
+            </p:grpSpPr>
+            <p:sp>
+              <p:nvSpPr>
+                <p:cNvPr id="39" name="타원 38"/>
+                <p:cNvSpPr/>
+                <p:nvPr/>
+              </p:nvSpPr>
+              <p:spPr>
+                <a:xfrm>
+                  <a:off x="7258930" y="1392702"/>
+                  <a:ext cx="450166" cy="450166"/>
+                </a:xfrm>
+                <a:prstGeom prst="ellipse">
+                  <a:avLst/>
+                </a:prstGeom>
+              </p:spPr>
+              <p:style>
+                <a:lnRef idx="2">
+                  <a:schemeClr val="accent1">
+                    <a:shade val="50000"/>
+                  </a:schemeClr>
+                </a:lnRef>
+                <a:fillRef idx="1">
+                  <a:schemeClr val="accent1"/>
+                </a:fillRef>
+                <a:effectRef idx="0">
+                  <a:schemeClr val="accent1"/>
+                </a:effectRef>
+                <a:fontRef idx="minor">
+                  <a:schemeClr val="lt1"/>
+                </a:fontRef>
+              </p:style>
+              <p:txBody>
+                <a:bodyPr rtlCol="0" anchor="ctr"/>
+                <a:lstStyle/>
+                <a:p>
+                  <a:pPr algn="ctr"/>
+                  <a:endParaRPr kumimoji="1" lang="ko-KR" altLang="en-US"/>
+                </a:p>
+              </p:txBody>
+            </p:sp>
+            <p:sp>
+              <p:nvSpPr>
+                <p:cNvPr id="40" name="타원 39"/>
+                <p:cNvSpPr/>
+                <p:nvPr/>
+              </p:nvSpPr>
+              <p:spPr>
+                <a:xfrm>
+                  <a:off x="9408942" y="1784571"/>
+                  <a:ext cx="450166" cy="450166"/>
+                </a:xfrm>
+                <a:prstGeom prst="ellipse">
+                  <a:avLst/>
+                </a:prstGeom>
+              </p:spPr>
+              <p:style>
+                <a:lnRef idx="2">
+                  <a:schemeClr val="accent1">
+                    <a:shade val="50000"/>
+                  </a:schemeClr>
+                </a:lnRef>
+                <a:fillRef idx="1">
+                  <a:schemeClr val="accent1"/>
+                </a:fillRef>
+                <a:effectRef idx="0">
+                  <a:schemeClr val="accent1"/>
+                </a:effectRef>
+                <a:fontRef idx="minor">
+                  <a:schemeClr val="lt1"/>
+                </a:fontRef>
+              </p:style>
+              <p:txBody>
+                <a:bodyPr rtlCol="0" anchor="ctr"/>
+                <a:lstStyle/>
+                <a:p>
+                  <a:pPr algn="ctr"/>
+                  <a:endParaRPr kumimoji="1" lang="ko-KR" altLang="en-US"/>
+                </a:p>
+              </p:txBody>
+            </p:sp>
+            <p:cxnSp>
+              <p:nvCxnSpPr>
+                <p:cNvPr id="41" name="직선 연결선[R] 40"/>
+                <p:cNvCxnSpPr>
+                  <a:stCxn id="37" idx="6"/>
+                  <a:endCxn id="38" idx="2"/>
+                </p:cNvCxnSpPr>
+                <p:nvPr/>
+              </p:nvCxnSpPr>
+              <p:spPr>
+                <a:xfrm>
+                  <a:off x="7709096" y="1617785"/>
+                  <a:ext cx="1699846" cy="391869"/>
+                </a:xfrm>
+                <a:prstGeom prst="line">
+                  <a:avLst/>
+                </a:prstGeom>
+              </p:spPr>
+              <p:style>
+                <a:lnRef idx="1">
+                  <a:schemeClr val="accent1"/>
+                </a:lnRef>
+                <a:fillRef idx="0">
+                  <a:schemeClr val="accent1"/>
+                </a:fillRef>
+                <a:effectRef idx="0">
+                  <a:schemeClr val="accent1"/>
+                </a:effectRef>
+                <a:fontRef idx="minor">
+                  <a:schemeClr val="tx1"/>
+                </a:fontRef>
+              </p:style>
+            </p:cxnSp>
+            <p:sp>
+              <p:nvSpPr>
+                <p:cNvPr id="42" name="타원 41"/>
+                <p:cNvSpPr/>
+                <p:nvPr/>
+              </p:nvSpPr>
+              <p:spPr>
+                <a:xfrm>
+                  <a:off x="8025620" y="2122195"/>
+                  <a:ext cx="450166" cy="450166"/>
+                </a:xfrm>
+                <a:prstGeom prst="ellipse">
+                  <a:avLst/>
+                </a:prstGeom>
+              </p:spPr>
+              <p:style>
+                <a:lnRef idx="2">
+                  <a:schemeClr val="accent1">
+                    <a:shade val="50000"/>
+                  </a:schemeClr>
+                </a:lnRef>
+                <a:fillRef idx="1">
+                  <a:schemeClr val="accent1"/>
+                </a:fillRef>
+                <a:effectRef idx="0">
+                  <a:schemeClr val="accent1"/>
+                </a:effectRef>
+                <a:fontRef idx="minor">
+                  <a:schemeClr val="lt1"/>
+                </a:fontRef>
+              </p:style>
+              <p:txBody>
+                <a:bodyPr rtlCol="0" anchor="ctr"/>
+                <a:lstStyle/>
+                <a:p>
+                  <a:pPr algn="ctr"/>
+                  <a:endParaRPr kumimoji="1" lang="ko-KR" altLang="en-US"/>
+                </a:p>
+              </p:txBody>
+            </p:sp>
+            <p:sp>
+              <p:nvSpPr>
+                <p:cNvPr id="43" name="타원 42"/>
+                <p:cNvSpPr/>
+                <p:nvPr/>
+              </p:nvSpPr>
+              <p:spPr>
+                <a:xfrm>
+                  <a:off x="8188401" y="3933103"/>
+                  <a:ext cx="450166" cy="450166"/>
+                </a:xfrm>
+                <a:prstGeom prst="ellipse">
+                  <a:avLst/>
+                </a:prstGeom>
+              </p:spPr>
+              <p:style>
+                <a:lnRef idx="2">
+                  <a:schemeClr val="accent1">
+                    <a:shade val="50000"/>
+                  </a:schemeClr>
+                </a:lnRef>
+                <a:fillRef idx="1">
+                  <a:schemeClr val="accent1"/>
+                </a:fillRef>
+                <a:effectRef idx="0">
+                  <a:schemeClr val="accent1"/>
+                </a:effectRef>
+                <a:fontRef idx="minor">
+                  <a:schemeClr val="lt1"/>
+                </a:fontRef>
+              </p:style>
+              <p:txBody>
+                <a:bodyPr rtlCol="0" anchor="ctr"/>
+                <a:lstStyle/>
+                <a:p>
+                  <a:pPr algn="ctr"/>
+                  <a:endParaRPr kumimoji="1" lang="ko-KR" altLang="en-US"/>
+                </a:p>
+              </p:txBody>
+            </p:sp>
+            <p:sp>
+              <p:nvSpPr>
+                <p:cNvPr id="44" name="타원 43"/>
+                <p:cNvSpPr/>
+                <p:nvPr/>
+              </p:nvSpPr>
+              <p:spPr>
+                <a:xfrm>
+                  <a:off x="6317843" y="4129440"/>
+                  <a:ext cx="450166" cy="450166"/>
+                </a:xfrm>
+                <a:prstGeom prst="ellipse">
+                  <a:avLst/>
+                </a:prstGeom>
+              </p:spPr>
+              <p:style>
+                <a:lnRef idx="2">
+                  <a:schemeClr val="accent1">
+                    <a:shade val="50000"/>
+                  </a:schemeClr>
+                </a:lnRef>
+                <a:fillRef idx="1">
+                  <a:schemeClr val="accent1"/>
+                </a:fillRef>
+                <a:effectRef idx="0">
+                  <a:schemeClr val="accent1"/>
+                </a:effectRef>
+                <a:fontRef idx="minor">
+                  <a:schemeClr val="lt1"/>
+                </a:fontRef>
+              </p:style>
+              <p:txBody>
+                <a:bodyPr rtlCol="0" anchor="ctr"/>
+                <a:lstStyle/>
+                <a:p>
+                  <a:pPr algn="ctr"/>
+                  <a:endParaRPr kumimoji="1" lang="ko-KR" altLang="en-US"/>
+                </a:p>
+              </p:txBody>
+            </p:sp>
+            <p:sp>
+              <p:nvSpPr>
+                <p:cNvPr id="45" name="타원 44"/>
+                <p:cNvSpPr/>
+                <p:nvPr/>
+              </p:nvSpPr>
+              <p:spPr>
+                <a:xfrm>
+                  <a:off x="10376991" y="1245437"/>
+                  <a:ext cx="450166" cy="450166"/>
+                </a:xfrm>
+                <a:prstGeom prst="ellipse">
+                  <a:avLst/>
+                </a:prstGeom>
+              </p:spPr>
+              <p:style>
+                <a:lnRef idx="2">
+                  <a:schemeClr val="accent1">
+                    <a:shade val="50000"/>
+                  </a:schemeClr>
+                </a:lnRef>
+                <a:fillRef idx="1">
+                  <a:schemeClr val="accent1"/>
+                </a:fillRef>
+                <a:effectRef idx="0">
+                  <a:schemeClr val="accent1"/>
+                </a:effectRef>
+                <a:fontRef idx="minor">
+                  <a:schemeClr val="lt1"/>
+                </a:fontRef>
+              </p:style>
+              <p:txBody>
+                <a:bodyPr rtlCol="0" anchor="ctr"/>
+                <a:lstStyle/>
+                <a:p>
+                  <a:pPr algn="ctr"/>
+                  <a:endParaRPr kumimoji="1" lang="ko-KR" altLang="en-US"/>
+                </a:p>
+              </p:txBody>
+            </p:sp>
+            <p:sp>
+              <p:nvSpPr>
+                <p:cNvPr id="46" name="타원 45"/>
+                <p:cNvSpPr/>
+                <p:nvPr/>
+              </p:nvSpPr>
+              <p:spPr>
+                <a:xfrm>
+                  <a:off x="9568377" y="3570090"/>
+                  <a:ext cx="450166" cy="450166"/>
+                </a:xfrm>
+                <a:prstGeom prst="ellipse">
+                  <a:avLst/>
+                </a:prstGeom>
+              </p:spPr>
+              <p:style>
+                <a:lnRef idx="2">
+                  <a:schemeClr val="accent1">
+                    <a:shade val="50000"/>
+                  </a:schemeClr>
+                </a:lnRef>
+                <a:fillRef idx="1">
+                  <a:schemeClr val="accent1"/>
+                </a:fillRef>
+                <a:effectRef idx="0">
+                  <a:schemeClr val="accent1"/>
+                </a:effectRef>
+                <a:fontRef idx="minor">
+                  <a:schemeClr val="lt1"/>
+                </a:fontRef>
+              </p:style>
+              <p:txBody>
+                <a:bodyPr rtlCol="0" anchor="ctr"/>
+                <a:lstStyle/>
+                <a:p>
+                  <a:pPr algn="ctr"/>
+                  <a:endParaRPr kumimoji="1" lang="ko-KR" altLang="en-US"/>
+                </a:p>
+              </p:txBody>
+            </p:sp>
+            <p:sp>
+              <p:nvSpPr>
+                <p:cNvPr id="47" name="타원 46"/>
+                <p:cNvSpPr/>
+                <p:nvPr/>
+              </p:nvSpPr>
+              <p:spPr>
+                <a:xfrm>
+                  <a:off x="10342098" y="4976843"/>
+                  <a:ext cx="450166" cy="450166"/>
+                </a:xfrm>
+                <a:prstGeom prst="ellipse">
+                  <a:avLst/>
+                </a:prstGeom>
+              </p:spPr>
+              <p:style>
+                <a:lnRef idx="2">
+                  <a:schemeClr val="accent1">
+                    <a:shade val="50000"/>
+                  </a:schemeClr>
+                </a:lnRef>
+                <a:fillRef idx="1">
+                  <a:schemeClr val="accent1"/>
+                </a:fillRef>
+                <a:effectRef idx="0">
+                  <a:schemeClr val="accent1"/>
+                </a:effectRef>
+                <a:fontRef idx="minor">
+                  <a:schemeClr val="lt1"/>
+                </a:fontRef>
+              </p:style>
+              <p:txBody>
+                <a:bodyPr rtlCol="0" anchor="ctr"/>
+                <a:lstStyle/>
+                <a:p>
+                  <a:pPr algn="ctr"/>
+                  <a:endParaRPr kumimoji="1" lang="ko-KR" altLang="en-US"/>
+                </a:p>
+              </p:txBody>
+            </p:sp>
+            <p:sp>
+              <p:nvSpPr>
+                <p:cNvPr id="48" name="타원 47"/>
+                <p:cNvSpPr/>
+                <p:nvPr/>
+              </p:nvSpPr>
+              <p:spPr>
+                <a:xfrm>
+                  <a:off x="10567181" y="2572361"/>
+                  <a:ext cx="450166" cy="450166"/>
+                </a:xfrm>
+                <a:prstGeom prst="ellipse">
+                  <a:avLst/>
+                </a:prstGeom>
+              </p:spPr>
+              <p:style>
+                <a:lnRef idx="2">
+                  <a:schemeClr val="accent1">
+                    <a:shade val="50000"/>
+                  </a:schemeClr>
+                </a:lnRef>
+                <a:fillRef idx="1">
+                  <a:schemeClr val="accent1"/>
+                </a:fillRef>
+                <a:effectRef idx="0">
+                  <a:schemeClr val="accent1"/>
+                </a:effectRef>
+                <a:fontRef idx="minor">
+                  <a:schemeClr val="lt1"/>
+                </a:fontRef>
+              </p:style>
+              <p:txBody>
+                <a:bodyPr rtlCol="0" anchor="ctr"/>
+                <a:lstStyle/>
+                <a:p>
+                  <a:pPr algn="ctr"/>
+                  <a:endParaRPr kumimoji="1" lang="ko-KR" altLang="en-US"/>
+                </a:p>
+              </p:txBody>
+            </p:sp>
+            <p:sp>
+              <p:nvSpPr>
+                <p:cNvPr id="49" name="타원 48"/>
+                <p:cNvSpPr/>
+                <p:nvPr/>
+              </p:nvSpPr>
+              <p:spPr>
+                <a:xfrm>
+                  <a:off x="7146388" y="5201926"/>
+                  <a:ext cx="450166" cy="450166"/>
+                </a:xfrm>
+                <a:prstGeom prst="ellipse">
+                  <a:avLst/>
+                </a:prstGeom>
+              </p:spPr>
+              <p:style>
+                <a:lnRef idx="2">
+                  <a:schemeClr val="accent1">
+                    <a:shade val="50000"/>
+                  </a:schemeClr>
+                </a:lnRef>
+                <a:fillRef idx="1">
+                  <a:schemeClr val="accent1"/>
+                </a:fillRef>
+                <a:effectRef idx="0">
+                  <a:schemeClr val="accent1"/>
+                </a:effectRef>
+                <a:fontRef idx="minor">
+                  <a:schemeClr val="lt1"/>
+                </a:fontRef>
+              </p:style>
+              <p:txBody>
+                <a:bodyPr rtlCol="0" anchor="ctr"/>
+                <a:lstStyle/>
+                <a:p>
+                  <a:pPr algn="ctr"/>
+                  <a:endParaRPr kumimoji="1" lang="ko-KR" altLang="en-US"/>
+                </a:p>
+              </p:txBody>
+            </p:sp>
+            <p:sp>
+              <p:nvSpPr>
+                <p:cNvPr id="50" name="타원 49"/>
+                <p:cNvSpPr/>
+                <p:nvPr/>
+              </p:nvSpPr>
+              <p:spPr>
+                <a:xfrm>
+                  <a:off x="8451168" y="5389830"/>
+                  <a:ext cx="450166" cy="450166"/>
+                </a:xfrm>
+                <a:prstGeom prst="ellipse">
+                  <a:avLst/>
+                </a:prstGeom>
+              </p:spPr>
+              <p:style>
+                <a:lnRef idx="2">
+                  <a:schemeClr val="accent1">
+                    <a:shade val="50000"/>
+                  </a:schemeClr>
+                </a:lnRef>
+                <a:fillRef idx="1">
+                  <a:schemeClr val="accent1"/>
+                </a:fillRef>
+                <a:effectRef idx="0">
+                  <a:schemeClr val="accent1"/>
+                </a:effectRef>
+                <a:fontRef idx="minor">
+                  <a:schemeClr val="lt1"/>
+                </a:fontRef>
+              </p:style>
+              <p:txBody>
+                <a:bodyPr rtlCol="0" anchor="ctr"/>
+                <a:lstStyle/>
+                <a:p>
+                  <a:pPr algn="ctr"/>
+                  <a:endParaRPr kumimoji="1" lang="ko-KR" altLang="en-US"/>
+                </a:p>
+              </p:txBody>
+            </p:sp>
+            <p:sp>
+              <p:nvSpPr>
+                <p:cNvPr id="51" name="타원 50"/>
+                <p:cNvSpPr/>
+                <p:nvPr/>
+              </p:nvSpPr>
+              <p:spPr>
+                <a:xfrm>
+                  <a:off x="8352693" y="1055078"/>
+                  <a:ext cx="450166" cy="450166"/>
+                </a:xfrm>
+                <a:prstGeom prst="ellipse">
+                  <a:avLst/>
+                </a:prstGeom>
+              </p:spPr>
+              <p:style>
+                <a:lnRef idx="2">
+                  <a:schemeClr val="accent1">
+                    <a:shade val="50000"/>
+                  </a:schemeClr>
+                </a:lnRef>
+                <a:fillRef idx="1">
+                  <a:schemeClr val="accent1"/>
+                </a:fillRef>
+                <a:effectRef idx="0">
+                  <a:schemeClr val="accent1"/>
+                </a:effectRef>
+                <a:fontRef idx="minor">
+                  <a:schemeClr val="lt1"/>
+                </a:fontRef>
+              </p:style>
+              <p:txBody>
+                <a:bodyPr rtlCol="0" anchor="ctr"/>
+                <a:lstStyle/>
+                <a:p>
+                  <a:pPr algn="ctr"/>
+                  <a:endParaRPr kumimoji="1" lang="ko-KR" altLang="en-US"/>
+                </a:p>
+              </p:txBody>
+            </p:sp>
+            <p:sp>
+              <p:nvSpPr>
+                <p:cNvPr id="52" name="타원 51"/>
+                <p:cNvSpPr/>
+                <p:nvPr/>
+              </p:nvSpPr>
+              <p:spPr>
+                <a:xfrm>
+                  <a:off x="7033847" y="2903271"/>
+                  <a:ext cx="450166" cy="450166"/>
+                </a:xfrm>
+                <a:prstGeom prst="ellipse">
+                  <a:avLst/>
+                </a:prstGeom>
+              </p:spPr>
+              <p:style>
+                <a:lnRef idx="2">
+                  <a:schemeClr val="accent1">
+                    <a:shade val="50000"/>
+                  </a:schemeClr>
+                </a:lnRef>
+                <a:fillRef idx="1">
+                  <a:schemeClr val="accent1"/>
+                </a:fillRef>
+                <a:effectRef idx="0">
+                  <a:schemeClr val="accent1"/>
+                </a:effectRef>
+                <a:fontRef idx="minor">
+                  <a:schemeClr val="lt1"/>
+                </a:fontRef>
+              </p:style>
+              <p:txBody>
+                <a:bodyPr rtlCol="0" anchor="ctr"/>
+                <a:lstStyle/>
+                <a:p>
+                  <a:pPr algn="ctr"/>
+                  <a:endParaRPr kumimoji="1" lang="ko-KR" altLang="en-US"/>
+                </a:p>
+              </p:txBody>
+            </p:sp>
+            <p:cxnSp>
+              <p:nvCxnSpPr>
+                <p:cNvPr id="53" name="직선 연결선[R] 52"/>
+                <p:cNvCxnSpPr>
+                  <a:stCxn id="37" idx="5"/>
+                  <a:endCxn id="41" idx="1"/>
+                </p:cNvCxnSpPr>
+                <p:nvPr/>
+              </p:nvCxnSpPr>
+              <p:spPr>
+                <a:xfrm>
+                  <a:off x="7643171" y="1776943"/>
+                  <a:ext cx="448374" cy="411177"/>
+                </a:xfrm>
+                <a:prstGeom prst="line">
+                  <a:avLst/>
+                </a:prstGeom>
+              </p:spPr>
+              <p:style>
+                <a:lnRef idx="1">
+                  <a:schemeClr val="accent1"/>
+                </a:lnRef>
+                <a:fillRef idx="0">
+                  <a:schemeClr val="accent1"/>
+                </a:fillRef>
+                <a:effectRef idx="0">
+                  <a:schemeClr val="accent1"/>
+                </a:effectRef>
+                <a:fontRef idx="minor">
+                  <a:schemeClr val="tx1"/>
+                </a:fontRef>
+              </p:style>
+            </p:cxnSp>
+            <p:cxnSp>
+              <p:nvCxnSpPr>
+                <p:cNvPr id="54" name="직선 연결선[R] 53"/>
+                <p:cNvCxnSpPr>
+                  <a:stCxn id="37" idx="4"/>
+                  <a:endCxn id="51" idx="0"/>
+                </p:cNvCxnSpPr>
+                <p:nvPr/>
+              </p:nvCxnSpPr>
+              <p:spPr>
+                <a:xfrm flipH="1">
+                  <a:off x="7258930" y="1842868"/>
+                  <a:ext cx="225083" cy="1060403"/>
+                </a:xfrm>
+                <a:prstGeom prst="line">
+                  <a:avLst/>
+                </a:prstGeom>
+              </p:spPr>
+              <p:style>
+                <a:lnRef idx="1">
+                  <a:schemeClr val="accent1"/>
+                </a:lnRef>
+                <a:fillRef idx="0">
+                  <a:schemeClr val="accent1"/>
+                </a:fillRef>
+                <a:effectRef idx="0">
+                  <a:schemeClr val="accent1"/>
+                </a:effectRef>
+                <a:fontRef idx="minor">
+                  <a:schemeClr val="tx1"/>
+                </a:fontRef>
+              </p:style>
+            </p:cxnSp>
+            <p:cxnSp>
+              <p:nvCxnSpPr>
+                <p:cNvPr id="55" name="직선 연결선[R] 54"/>
+                <p:cNvCxnSpPr>
+                  <a:stCxn id="51" idx="6"/>
+                  <a:endCxn id="47" idx="2"/>
+                </p:cNvCxnSpPr>
+                <p:nvPr/>
+              </p:nvCxnSpPr>
+              <p:spPr>
+                <a:xfrm flipV="1">
+                  <a:off x="7484013" y="2797444"/>
+                  <a:ext cx="3083168" cy="330910"/>
+                </a:xfrm>
+                <a:prstGeom prst="line">
+                  <a:avLst/>
+                </a:prstGeom>
+              </p:spPr>
+              <p:style>
+                <a:lnRef idx="1">
+                  <a:schemeClr val="accent1"/>
+                </a:lnRef>
+                <a:fillRef idx="0">
+                  <a:schemeClr val="accent1"/>
+                </a:fillRef>
+                <a:effectRef idx="0">
+                  <a:schemeClr val="accent1"/>
+                </a:effectRef>
+                <a:fontRef idx="minor">
+                  <a:schemeClr val="tx1"/>
+                </a:fontRef>
+              </p:style>
+            </p:cxnSp>
+            <p:cxnSp>
+              <p:nvCxnSpPr>
+                <p:cNvPr id="56" name="직선 연결선[R] 55"/>
+                <p:cNvCxnSpPr>
+                  <a:stCxn id="51" idx="4"/>
+                  <a:endCxn id="49" idx="1"/>
+                </p:cNvCxnSpPr>
+                <p:nvPr/>
+              </p:nvCxnSpPr>
+              <p:spPr>
+                <a:xfrm>
+                  <a:off x="7258930" y="3353437"/>
+                  <a:ext cx="1258163" cy="2102318"/>
+                </a:xfrm>
+                <a:prstGeom prst="line">
+                  <a:avLst/>
+                </a:prstGeom>
+              </p:spPr>
+              <p:style>
+                <a:lnRef idx="1">
+                  <a:schemeClr val="accent1"/>
+                </a:lnRef>
+                <a:fillRef idx="0">
+                  <a:schemeClr val="accent1"/>
+                </a:fillRef>
+                <a:effectRef idx="0">
+                  <a:schemeClr val="accent1"/>
+                </a:effectRef>
+                <a:fontRef idx="minor">
+                  <a:schemeClr val="tx1"/>
+                </a:fontRef>
+              </p:style>
+            </p:cxnSp>
+            <p:cxnSp>
+              <p:nvCxnSpPr>
+                <p:cNvPr id="57" name="직선 연결선[R] 56"/>
+                <p:cNvCxnSpPr>
+                  <a:stCxn id="51" idx="4"/>
+                  <a:endCxn id="48" idx="0"/>
+                </p:cNvCxnSpPr>
+                <p:nvPr/>
+              </p:nvCxnSpPr>
+              <p:spPr>
+                <a:xfrm>
+                  <a:off x="7258930" y="3353437"/>
+                  <a:ext cx="112541" cy="1848489"/>
+                </a:xfrm>
+                <a:prstGeom prst="line">
+                  <a:avLst/>
+                </a:prstGeom>
+              </p:spPr>
+              <p:style>
+                <a:lnRef idx="1">
+                  <a:schemeClr val="accent1"/>
+                </a:lnRef>
+                <a:fillRef idx="0">
+                  <a:schemeClr val="accent1"/>
+                </a:fillRef>
+                <a:effectRef idx="0">
+                  <a:schemeClr val="accent1"/>
+                </a:effectRef>
+                <a:fontRef idx="minor">
+                  <a:schemeClr val="tx1"/>
+                </a:fontRef>
+              </p:style>
+            </p:cxnSp>
+            <p:cxnSp>
+              <p:nvCxnSpPr>
+                <p:cNvPr id="58" name="직선 연결선[R] 57"/>
+                <p:cNvCxnSpPr>
+                  <a:stCxn id="51" idx="6"/>
+                  <a:endCxn id="46" idx="1"/>
+                </p:cNvCxnSpPr>
+                <p:nvPr/>
+              </p:nvCxnSpPr>
+              <p:spPr>
+                <a:xfrm>
+                  <a:off x="7484013" y="3128354"/>
+                  <a:ext cx="2924010" cy="1914414"/>
+                </a:xfrm>
+                <a:prstGeom prst="line">
+                  <a:avLst/>
+                </a:prstGeom>
+              </p:spPr>
+              <p:style>
+                <a:lnRef idx="1">
+                  <a:schemeClr val="accent1"/>
+                </a:lnRef>
+                <a:fillRef idx="0">
+                  <a:schemeClr val="accent1"/>
+                </a:fillRef>
+                <a:effectRef idx="0">
+                  <a:schemeClr val="accent1"/>
+                </a:effectRef>
+                <a:fontRef idx="minor">
+                  <a:schemeClr val="tx1"/>
+                </a:fontRef>
+              </p:style>
+            </p:cxnSp>
+            <p:cxnSp>
+              <p:nvCxnSpPr>
+                <p:cNvPr id="59" name="직선 연결선[R] 58"/>
+                <p:cNvCxnSpPr>
+                  <a:stCxn id="43" idx="6"/>
+                  <a:endCxn id="46" idx="1"/>
+                </p:cNvCxnSpPr>
+                <p:nvPr/>
+              </p:nvCxnSpPr>
+              <p:spPr>
+                <a:xfrm>
+                  <a:off x="6768009" y="4354523"/>
+                  <a:ext cx="3640014" cy="688245"/>
+                </a:xfrm>
+                <a:prstGeom prst="line">
+                  <a:avLst/>
+                </a:prstGeom>
+              </p:spPr>
+              <p:style>
+                <a:lnRef idx="1">
+                  <a:schemeClr val="accent1"/>
+                </a:lnRef>
+                <a:fillRef idx="0">
+                  <a:schemeClr val="accent1"/>
+                </a:fillRef>
+                <a:effectRef idx="0">
+                  <a:schemeClr val="accent1"/>
+                </a:effectRef>
+                <a:fontRef idx="minor">
+                  <a:schemeClr val="tx1"/>
+                </a:fontRef>
+              </p:style>
+            </p:cxnSp>
+            <p:cxnSp>
+              <p:nvCxnSpPr>
+                <p:cNvPr id="60" name="직선 연결선[R] 59"/>
+                <p:cNvCxnSpPr>
+                  <a:stCxn id="37" idx="6"/>
+                  <a:endCxn id="50" idx="2"/>
+                </p:cNvCxnSpPr>
+                <p:nvPr/>
+              </p:nvCxnSpPr>
+              <p:spPr>
+                <a:xfrm flipV="1">
+                  <a:off x="7709096" y="1280161"/>
+                  <a:ext cx="643597" cy="337624"/>
+                </a:xfrm>
+                <a:prstGeom prst="line">
+                  <a:avLst/>
+                </a:prstGeom>
+              </p:spPr>
+              <p:style>
+                <a:lnRef idx="1">
+                  <a:schemeClr val="accent1"/>
+                </a:lnRef>
+                <a:fillRef idx="0">
+                  <a:schemeClr val="accent1"/>
+                </a:fillRef>
+                <a:effectRef idx="0">
+                  <a:schemeClr val="accent1"/>
+                </a:effectRef>
+                <a:fontRef idx="minor">
+                  <a:schemeClr val="tx1"/>
+                </a:fontRef>
+              </p:style>
+            </p:cxnSp>
+            <p:cxnSp>
+              <p:nvCxnSpPr>
+                <p:cNvPr id="61" name="직선 연결선[R] 60"/>
+                <p:cNvCxnSpPr>
+                  <a:stCxn id="38" idx="6"/>
+                  <a:endCxn id="44" idx="3"/>
+                </p:cNvCxnSpPr>
+                <p:nvPr/>
+              </p:nvCxnSpPr>
+              <p:spPr>
+                <a:xfrm flipV="1">
+                  <a:off x="9859108" y="1629678"/>
+                  <a:ext cx="583808" cy="379976"/>
+                </a:xfrm>
+                <a:prstGeom prst="line">
+                  <a:avLst/>
+                </a:prstGeom>
+              </p:spPr>
+              <p:style>
+                <a:lnRef idx="1">
+                  <a:schemeClr val="accent1"/>
+                </a:lnRef>
+                <a:fillRef idx="0">
+                  <a:schemeClr val="accent1"/>
+                </a:fillRef>
+                <a:effectRef idx="0">
+                  <a:schemeClr val="accent1"/>
+                </a:effectRef>
+                <a:fontRef idx="minor">
+                  <a:schemeClr val="tx1"/>
+                </a:fontRef>
+              </p:style>
+            </p:cxnSp>
+            <p:cxnSp>
+              <p:nvCxnSpPr>
+                <p:cNvPr id="62" name="직선 연결선[R] 61"/>
+                <p:cNvCxnSpPr>
+                  <a:stCxn id="38" idx="3"/>
+                  <a:endCxn id="42" idx="7"/>
+                </p:cNvCxnSpPr>
+                <p:nvPr/>
+              </p:nvCxnSpPr>
+              <p:spPr>
+                <a:xfrm flipH="1">
+                  <a:off x="8572642" y="2168812"/>
+                  <a:ext cx="902225" cy="1830216"/>
+                </a:xfrm>
+                <a:prstGeom prst="line">
+                  <a:avLst/>
+                </a:prstGeom>
+              </p:spPr>
+              <p:style>
+                <a:lnRef idx="1">
+                  <a:schemeClr val="accent1"/>
+                </a:lnRef>
+                <a:fillRef idx="0">
+                  <a:schemeClr val="accent1"/>
+                </a:fillRef>
+                <a:effectRef idx="0">
+                  <a:schemeClr val="accent1"/>
+                </a:effectRef>
+                <a:fontRef idx="minor">
+                  <a:schemeClr val="tx1"/>
+                </a:fontRef>
+              </p:style>
+            </p:cxnSp>
+            <p:cxnSp>
+              <p:nvCxnSpPr>
+                <p:cNvPr id="63" name="직선 연결선[R] 62"/>
+                <p:cNvCxnSpPr>
+                  <a:stCxn id="38" idx="6"/>
+                  <a:endCxn id="47" idx="2"/>
+                </p:cNvCxnSpPr>
+                <p:nvPr/>
+              </p:nvCxnSpPr>
+              <p:spPr>
+                <a:xfrm>
+                  <a:off x="9859108" y="2009654"/>
+                  <a:ext cx="708073" cy="787790"/>
+                </a:xfrm>
+                <a:prstGeom prst="line">
+                  <a:avLst/>
+                </a:prstGeom>
+              </p:spPr>
+              <p:style>
+                <a:lnRef idx="1">
+                  <a:schemeClr val="accent1"/>
+                </a:lnRef>
+                <a:fillRef idx="0">
+                  <a:schemeClr val="accent1"/>
+                </a:fillRef>
+                <a:effectRef idx="0">
+                  <a:schemeClr val="accent1"/>
+                </a:effectRef>
+                <a:fontRef idx="minor">
+                  <a:schemeClr val="tx1"/>
+                </a:fontRef>
+              </p:style>
+            </p:cxnSp>
+            <p:cxnSp>
+              <p:nvCxnSpPr>
+                <p:cNvPr id="64" name="직선 연결선[R] 63"/>
+                <p:cNvCxnSpPr>
+                  <a:stCxn id="50" idx="5"/>
+                  <a:endCxn id="45" idx="1"/>
+                </p:cNvCxnSpPr>
+                <p:nvPr/>
+              </p:nvCxnSpPr>
+              <p:spPr>
+                <a:xfrm>
+                  <a:off x="8736934" y="1439318"/>
+                  <a:ext cx="897369" cy="2196696"/>
+                </a:xfrm>
+                <a:prstGeom prst="line">
+                  <a:avLst/>
+                </a:prstGeom>
+              </p:spPr>
+              <p:style>
+                <a:lnRef idx="1">
+                  <a:schemeClr val="accent1"/>
+                </a:lnRef>
+                <a:fillRef idx="0">
+                  <a:schemeClr val="accent1"/>
+                </a:fillRef>
+                <a:effectRef idx="0">
+                  <a:schemeClr val="accent1"/>
+                </a:effectRef>
+                <a:fontRef idx="minor">
+                  <a:schemeClr val="tx1"/>
+                </a:fontRef>
+              </p:style>
+            </p:cxnSp>
+            <p:cxnSp>
+              <p:nvCxnSpPr>
+                <p:cNvPr id="65" name="직선 연결선[R] 64"/>
+                <p:cNvCxnSpPr>
+                  <a:stCxn id="45" idx="2"/>
+                  <a:endCxn id="49" idx="7"/>
+                </p:cNvCxnSpPr>
+                <p:nvPr/>
+              </p:nvCxnSpPr>
+              <p:spPr>
+                <a:xfrm flipH="1">
+                  <a:off x="8835409" y="3795173"/>
+                  <a:ext cx="732968" cy="1660582"/>
+                </a:xfrm>
+                <a:prstGeom prst="line">
+                  <a:avLst/>
+                </a:prstGeom>
+              </p:spPr>
+              <p:style>
+                <a:lnRef idx="1">
+                  <a:schemeClr val="accent1"/>
+                </a:lnRef>
+                <a:fillRef idx="0">
+                  <a:schemeClr val="accent1"/>
+                </a:fillRef>
+                <a:effectRef idx="0">
+                  <a:schemeClr val="accent1"/>
+                </a:effectRef>
+                <a:fontRef idx="minor">
+                  <a:schemeClr val="tx1"/>
+                </a:fontRef>
+              </p:style>
+            </p:cxnSp>
+          </p:grpSp>
+        </p:grpSp>
+        <p:sp>
+          <p:nvSpPr>
+            <p:cNvPr id="68" name="타원 67"/>
+            <p:cNvSpPr/>
+            <p:nvPr/>
+          </p:nvSpPr>
+          <p:spPr>
+            <a:xfrm>
+              <a:off x="5250300" y="3002219"/>
+              <a:ext cx="257122" cy="247699"/>
+            </a:xfrm>
+            <a:prstGeom prst="ellipse">
+              <a:avLst/>
+            </a:prstGeom>
+          </p:spPr>
+          <p:style>
+            <a:lnRef idx="2">
+              <a:schemeClr val="accent2">
+                <a:shade val="50000"/>
+              </a:schemeClr>
+            </a:lnRef>
+            <a:fillRef idx="1">
+              <a:schemeClr val="accent2"/>
+            </a:fillRef>
+            <a:effectRef idx="0">
+              <a:schemeClr val="accent2"/>
+            </a:effectRef>
+            <a:fontRef idx="minor">
+              <a:schemeClr val="lt1"/>
+            </a:fontRef>
+          </p:style>
+          <p:txBody>
+            <a:bodyPr rtlCol="0" anchor="ctr"/>
+            <a:lstStyle/>
+            <a:p>
+              <a:pPr algn="ctr"/>
+              <a:endParaRPr kumimoji="1" lang="ko-KR" altLang="en-US"/>
+            </a:p>
+          </p:txBody>
+        </p:sp>
+        <p:cxnSp>
+          <p:nvCxnSpPr>
+            <p:cNvPr id="70" name="직선 연결선[R] 69"/>
+            <p:cNvCxnSpPr>
+              <a:endCxn id="42" idx="2"/>
+            </p:cNvCxnSpPr>
+            <p:nvPr/>
+          </p:nvCxnSpPr>
+          <p:spPr>
+            <a:xfrm>
+              <a:off x="5507422" y="3134024"/>
+              <a:ext cx="815183" cy="87576"/>
+            </a:xfrm>
+            <a:prstGeom prst="line">
+              <a:avLst/>
+            </a:prstGeom>
+          </p:spPr>
+          <p:style>
+            <a:lnRef idx="1">
+              <a:schemeClr val="accent2"/>
+            </a:lnRef>
+            <a:fillRef idx="0">
+              <a:schemeClr val="accent2"/>
+            </a:fillRef>
+            <a:effectRef idx="0">
+              <a:schemeClr val="accent2"/>
+            </a:effectRef>
+            <a:fontRef idx="minor">
+              <a:schemeClr val="tx1"/>
+            </a:fontRef>
+          </p:style>
+        </p:cxnSp>
+        <p:cxnSp>
+          <p:nvCxnSpPr>
+            <p:cNvPr id="72" name="직선 연결선[R] 71"/>
+            <p:cNvCxnSpPr>
+              <a:endCxn id="46" idx="1"/>
+            </p:cNvCxnSpPr>
+            <p:nvPr/>
+          </p:nvCxnSpPr>
+          <p:spPr>
+            <a:xfrm>
+              <a:off x="5507422" y="3177812"/>
+              <a:ext cx="1734016" cy="752901"/>
+            </a:xfrm>
+            <a:prstGeom prst="line">
+              <a:avLst/>
+            </a:prstGeom>
+          </p:spPr>
+          <p:style>
+            <a:lnRef idx="1">
+              <a:schemeClr val="accent2"/>
+            </a:lnRef>
+            <a:fillRef idx="0">
+              <a:schemeClr val="accent2"/>
+            </a:fillRef>
+            <a:effectRef idx="0">
+              <a:schemeClr val="accent2"/>
+            </a:effectRef>
+            <a:fontRef idx="minor">
+              <a:schemeClr val="tx1"/>
+            </a:fontRef>
+          </p:style>
+        </p:cxnSp>
+        <p:cxnSp>
+          <p:nvCxnSpPr>
+            <p:cNvPr id="74" name="직선 연결선[R] 73"/>
+            <p:cNvCxnSpPr>
+              <a:endCxn id="44" idx="0"/>
+            </p:cNvCxnSpPr>
+            <p:nvPr/>
+          </p:nvCxnSpPr>
+          <p:spPr>
+            <a:xfrm>
+              <a:off x="5375614" y="3264698"/>
+              <a:ext cx="100119" cy="937516"/>
+            </a:xfrm>
+            <a:prstGeom prst="line">
+              <a:avLst/>
+            </a:prstGeom>
+          </p:spPr>
+          <p:style>
+            <a:lnRef idx="1">
+              <a:schemeClr val="accent2"/>
+            </a:lnRef>
+            <a:fillRef idx="0">
+              <a:schemeClr val="accent2"/>
+            </a:fillRef>
+            <a:effectRef idx="0">
+              <a:schemeClr val="accent2"/>
+            </a:effectRef>
+            <a:fontRef idx="minor">
+              <a:schemeClr val="tx1"/>
+            </a:fontRef>
+          </p:style>
+        </p:cxnSp>
+      </p:grpSp>
+      <p:sp>
+        <p:nvSpPr>
+          <p:cNvPr id="75" name="오른쪽 화살표[R] 74"/>
+          <p:cNvSpPr/>
+          <p:nvPr/>
+        </p:nvSpPr>
+        <p:spPr>
+          <a:xfrm>
+            <a:off x="3676279" y="4608133"/>
+            <a:ext cx="1008807" cy="822892"/>
+          </a:xfrm>
+          <a:prstGeom prst="rightArrow">
+            <a:avLst/>
+          </a:prstGeom>
+        </p:spPr>
+        <p:style>
+          <a:lnRef idx="2">
+            <a:schemeClr val="accent1">
+              <a:shade val="50000"/>
+            </a:schemeClr>
+          </a:lnRef>
+          <a:fillRef idx="1">
+            <a:schemeClr val="accent1"/>
+          </a:fillRef>
+          <a:effectRef idx="0">
+            <a:schemeClr val="accent1"/>
+          </a:effectRef>
+          <a:fontRef idx="minor">
+            <a:schemeClr val="lt1"/>
+          </a:fontRef>
+        </p:style>
+        <p:txBody>
+          <a:bodyPr rtlCol="0" anchor="ctr"/>
+          <a:lstStyle/>
+          <a:p>
+            <a:pPr algn="ctr"/>
+            <a:r>
+              <a:rPr kumimoji="1" lang="en-US" altLang="ko-KR" sz="1400" dirty="0" smtClean="0"/>
+              <a:t>Load</a:t>
+            </a:r>
+            <a:endParaRPr kumimoji="1" lang="ko-KR" altLang="en-US" sz="1400" dirty="0"/>
+          </a:p>
+        </p:txBody>
+      </p:sp>
+      <p:grpSp>
+        <p:nvGrpSpPr>
+          <p:cNvPr id="92" name="그룹 91"/>
+          <p:cNvGrpSpPr/>
+          <p:nvPr/>
+        </p:nvGrpSpPr>
+        <p:grpSpPr>
+          <a:xfrm>
+            <a:off x="2478165" y="2829342"/>
+            <a:ext cx="1141578" cy="1241153"/>
+            <a:chOff x="2477707" y="2492303"/>
+            <a:chExt cx="1141578" cy="1241153"/>
+          </a:xfrm>
+        </p:grpSpPr>
+        <p:grpSp>
+          <p:nvGrpSpPr>
+            <p:cNvPr id="85" name="그룹 84"/>
+            <p:cNvGrpSpPr/>
+            <p:nvPr/>
+          </p:nvGrpSpPr>
+          <p:grpSpPr>
+            <a:xfrm>
+              <a:off x="2477707" y="2492303"/>
+              <a:ext cx="1141578" cy="1241153"/>
+              <a:chOff x="1622442" y="922226"/>
+              <a:chExt cx="2812398" cy="4076494"/>
+            </a:xfrm>
+          </p:grpSpPr>
+          <p:sp>
+            <p:nvSpPr>
+              <p:cNvPr id="86" name="직사각형 85"/>
+              <p:cNvSpPr/>
+              <p:nvPr/>
+            </p:nvSpPr>
+            <p:spPr>
+              <a:xfrm>
+                <a:off x="1622442" y="922226"/>
+                <a:ext cx="2812398" cy="4076494"/>
+              </a:xfrm>
+              <a:prstGeom prst="rect">
+                <a:avLst/>
+              </a:prstGeom>
+              <a:ln/>
+            </p:spPr>
+            <p:style>
+              <a:lnRef idx="2">
+                <a:schemeClr val="accent2"/>
+              </a:lnRef>
+              <a:fillRef idx="1">
+                <a:schemeClr val="lt1"/>
+              </a:fillRef>
+              <a:effectRef idx="0">
+                <a:schemeClr val="accent2"/>
+              </a:effectRef>
+              <a:fontRef idx="minor">
+                <a:schemeClr val="dk1"/>
+              </a:fontRef>
+            </p:style>
+            <p:txBody>
+              <a:bodyPr rtlCol="0" anchor="ctr"/>
+              <a:lstStyle/>
+              <a:p>
+                <a:pPr algn="ctr"/>
+                <a:endParaRPr kumimoji="1" lang="ko-KR" altLang="en-US"/>
+              </a:p>
+            </p:txBody>
+          </p:sp>
+          <p:sp>
+            <p:nvSpPr>
+              <p:cNvPr id="87" name="직사각형 86"/>
+              <p:cNvSpPr/>
+              <p:nvPr/>
+            </p:nvSpPr>
+            <p:spPr>
+              <a:xfrm>
+                <a:off x="1622442" y="922226"/>
+                <a:ext cx="2812398" cy="651541"/>
+              </a:xfrm>
+              <a:prstGeom prst="rect">
+                <a:avLst/>
+              </a:prstGeom>
+            </p:spPr>
+            <p:style>
+              <a:lnRef idx="2">
+                <a:schemeClr val="accent2">
+                  <a:shade val="50000"/>
+                </a:schemeClr>
+              </a:lnRef>
+              <a:fillRef idx="1">
+                <a:schemeClr val="accent2"/>
+              </a:fillRef>
+              <a:effectRef idx="0">
+                <a:schemeClr val="accent2"/>
+              </a:effectRef>
+              <a:fontRef idx="minor">
+                <a:schemeClr val="lt1"/>
+              </a:fontRef>
+            </p:style>
+            <p:txBody>
+              <a:bodyPr rtlCol="0" anchor="ctr"/>
+              <a:lstStyle/>
+              <a:p>
+                <a:pPr algn="ctr"/>
+                <a:r>
+                  <a:rPr kumimoji="1" lang="en-US" altLang="ko-KR" sz="1100" dirty="0" smtClean="0">
+                    <a:solidFill>
+                      <a:schemeClr val="bg1"/>
+                    </a:solidFill>
+                  </a:rPr>
+                  <a:t>New data</a:t>
+                </a:r>
+                <a:endParaRPr kumimoji="1" lang="ko-KR" altLang="en-US" sz="1100" dirty="0">
+                  <a:solidFill>
+                    <a:schemeClr val="bg1"/>
+                  </a:solidFill>
+                </a:endParaRPr>
+              </a:p>
+            </p:txBody>
+          </p:sp>
+        </p:grpSp>
+        <p:pic>
+          <p:nvPicPr>
+            <p:cNvPr id="76" name="Picture 34" descr="cl_st_00036"/>
+            <p:cNvPicPr>
+              <a:picLocks noChangeAspect="1" noChangeArrowheads="1"/>
+            </p:cNvPicPr>
+            <p:nvPr/>
+          </p:nvPicPr>
+          <p:blipFill>
+            <a:blip r:embed="rId4">
+              <a:extLst>
+                <a:ext uri="{28A0092B-C50C-407E-A947-70E740481C1C}">
+                  <a14:useLocalDpi xmlns:a14="http://schemas.microsoft.com/office/drawing/2010/main" val="0"/>
+                </a:ext>
+              </a:extLst>
+            </a:blip>
+            <a:srcRect/>
+            <a:stretch>
+              <a:fillRect/>
+            </a:stretch>
+          </p:blipFill>
+          <p:spPr bwMode="auto">
+            <a:xfrm>
+              <a:off x="2754194" y="2841312"/>
+              <a:ext cx="658605" cy="741506"/>
+            </a:xfrm>
+            <a:prstGeom prst="rect">
+              <a:avLst/>
+            </a:prstGeom>
+            <a:noFill/>
+            <a:ln>
+              <a:noFill/>
+            </a:ln>
+            <a:extLst>
+              <a:ext uri="{909E8E84-426E-40DD-AFC4-6F175D3DCCD1}">
+                <a14:hiddenFill xmlns:a14="http://schemas.microsoft.com/office/drawing/2010/main">
+                  <a:solidFill>
+                    <a:srgbClr val="FFFFFF"/>
+                  </a:solidFill>
+                </a14:hiddenFill>
+              </a:ext>
+              <a:ext uri="{91240B29-F687-4F45-9708-019B960494DF}">
+                <a14:hiddenLine xmlns:a14="http://schemas.microsoft.com/office/drawing/2010/main" w="9525">
+                  <a:solidFill>
+                    <a:srgbClr val="000000"/>
+                  </a:solidFill>
+                  <a:miter lim="800000"/>
+                  <a:headEnd/>
+                  <a:tailEnd/>
+                </a14:hiddenLine>
+              </a:ext>
+            </a:extLst>
+          </p:spPr>
+        </p:pic>
+      </p:grpSp>
+      <p:sp>
+        <p:nvSpPr>
+          <p:cNvPr id="77" name="줄무늬가 있는 오른쪽 화살표[S] 76"/>
+          <p:cNvSpPr/>
+          <p:nvPr/>
+        </p:nvSpPr>
+        <p:spPr>
+          <a:xfrm>
+            <a:off x="3756546" y="3157829"/>
+            <a:ext cx="971153" cy="789177"/>
+          </a:xfrm>
+          <a:prstGeom prst="stripedRightArrow">
+            <a:avLst/>
+          </a:prstGeom>
+        </p:spPr>
+        <p:style>
+          <a:lnRef idx="2">
+            <a:schemeClr val="accent2">
+              <a:shade val="50000"/>
+            </a:schemeClr>
+          </a:lnRef>
+          <a:fillRef idx="1">
+            <a:schemeClr val="accent2"/>
+          </a:fillRef>
+          <a:effectRef idx="0">
+            <a:schemeClr val="accent2"/>
+          </a:effectRef>
+          <a:fontRef idx="minor">
+            <a:schemeClr val="lt1"/>
+          </a:fontRef>
+        </p:style>
+        <p:txBody>
+          <a:bodyPr rtlCol="0" anchor="ctr"/>
+          <a:lstStyle/>
+          <a:p>
+            <a:pPr algn="ctr"/>
+            <a:r>
+              <a:rPr kumimoji="1" lang="en-US" altLang="ko-KR" sz="900" dirty="0" smtClean="0"/>
+              <a:t>Add new data</a:t>
+            </a:r>
+            <a:endParaRPr kumimoji="1" lang="ko-KR" altLang="en-US" sz="900" dirty="0"/>
+          </a:p>
+        </p:txBody>
+      </p:sp>
+      <p:sp>
+        <p:nvSpPr>
+          <p:cNvPr id="78" name="줄무늬가 있는 오른쪽 화살표[S] 77"/>
+          <p:cNvSpPr/>
+          <p:nvPr/>
+        </p:nvSpPr>
+        <p:spPr>
+          <a:xfrm>
+            <a:off x="8710154" y="3919857"/>
+            <a:ext cx="983525" cy="789177"/>
+          </a:xfrm>
+          <a:prstGeom prst="stripedRightArrow">
+            <a:avLst/>
+          </a:prstGeom>
+        </p:spPr>
+        <p:style>
+          <a:lnRef idx="2">
+            <a:schemeClr val="accent2">
+              <a:shade val="50000"/>
+            </a:schemeClr>
+          </a:lnRef>
+          <a:fillRef idx="1">
+            <a:schemeClr val="accent2"/>
+          </a:fillRef>
+          <a:effectRef idx="0">
+            <a:schemeClr val="accent2"/>
+          </a:effectRef>
+          <a:fontRef idx="minor">
+            <a:schemeClr val="lt1"/>
+          </a:fontRef>
+        </p:style>
+        <p:txBody>
+          <a:bodyPr rtlCol="0" anchor="ctr"/>
+          <a:lstStyle/>
+          <a:p>
+            <a:pPr algn="ctr"/>
+            <a:r>
+              <a:rPr kumimoji="1" lang="en-US" altLang="ko-KR" sz="900" dirty="0" smtClean="0"/>
+              <a:t>Similarity report</a:t>
+            </a:r>
+            <a:endParaRPr kumimoji="1" lang="ko-KR" altLang="en-US" sz="900" dirty="0"/>
+          </a:p>
+        </p:txBody>
+      </p:sp>
+      <p:grpSp>
+        <p:nvGrpSpPr>
+          <p:cNvPr id="88" name="그룹 87"/>
+          <p:cNvGrpSpPr/>
+          <p:nvPr/>
+        </p:nvGrpSpPr>
+        <p:grpSpPr>
+          <a:xfrm>
+            <a:off x="9875045" y="3704040"/>
+            <a:ext cx="1294689" cy="1241153"/>
+            <a:chOff x="10004024" y="3626928"/>
+            <a:chExt cx="1294689" cy="1241153"/>
+          </a:xfrm>
+        </p:grpSpPr>
+        <p:grpSp>
+          <p:nvGrpSpPr>
+            <p:cNvPr id="81" name="그룹 80"/>
+            <p:cNvGrpSpPr/>
+            <p:nvPr/>
+          </p:nvGrpSpPr>
+          <p:grpSpPr>
+            <a:xfrm>
+              <a:off x="10004024" y="3626928"/>
+              <a:ext cx="1294689" cy="1241153"/>
+              <a:chOff x="1622442" y="922226"/>
+              <a:chExt cx="2812398" cy="4076494"/>
+            </a:xfrm>
+          </p:grpSpPr>
+          <p:sp>
+            <p:nvSpPr>
+              <p:cNvPr id="83" name="직사각형 82"/>
+              <p:cNvSpPr/>
+              <p:nvPr/>
+            </p:nvSpPr>
+            <p:spPr>
+              <a:xfrm>
+                <a:off x="1622442" y="922226"/>
+                <a:ext cx="2812398" cy="4076494"/>
+              </a:xfrm>
+              <a:prstGeom prst="rect">
+                <a:avLst/>
+              </a:prstGeom>
+              <a:ln/>
+            </p:spPr>
+            <p:style>
+              <a:lnRef idx="2">
+                <a:schemeClr val="accent2"/>
+              </a:lnRef>
+              <a:fillRef idx="1">
+                <a:schemeClr val="lt1"/>
+              </a:fillRef>
+              <a:effectRef idx="0">
+                <a:schemeClr val="accent2"/>
+              </a:effectRef>
+              <a:fontRef idx="minor">
+                <a:schemeClr val="dk1"/>
+              </a:fontRef>
+            </p:style>
+            <p:txBody>
+              <a:bodyPr rtlCol="0" anchor="ctr"/>
+              <a:lstStyle/>
+              <a:p>
+                <a:pPr algn="ctr"/>
+                <a:endParaRPr kumimoji="1" lang="ko-KR" altLang="en-US"/>
+              </a:p>
+            </p:txBody>
+          </p:sp>
+          <p:sp>
+            <p:nvSpPr>
+              <p:cNvPr id="84" name="직사각형 83"/>
+              <p:cNvSpPr/>
+              <p:nvPr/>
+            </p:nvSpPr>
+            <p:spPr>
+              <a:xfrm>
+                <a:off x="1622442" y="922226"/>
+                <a:ext cx="2812398" cy="651542"/>
+              </a:xfrm>
+              <a:prstGeom prst="rect">
+                <a:avLst/>
+              </a:prstGeom>
+            </p:spPr>
+            <p:style>
+              <a:lnRef idx="2">
+                <a:schemeClr val="accent2">
+                  <a:shade val="50000"/>
+                </a:schemeClr>
+              </a:lnRef>
+              <a:fillRef idx="1">
+                <a:schemeClr val="accent2"/>
+              </a:fillRef>
+              <a:effectRef idx="0">
+                <a:schemeClr val="accent2"/>
+              </a:effectRef>
+              <a:fontRef idx="minor">
+                <a:schemeClr val="lt1"/>
+              </a:fontRef>
+            </p:style>
+            <p:txBody>
+              <a:bodyPr rtlCol="0" anchor="ctr"/>
+              <a:lstStyle/>
+              <a:p>
+                <a:pPr algn="ctr"/>
+                <a:r>
+                  <a:rPr kumimoji="1" lang="en-US" altLang="ko-KR" sz="1100" dirty="0" smtClean="0">
+                    <a:solidFill>
+                      <a:schemeClr val="bg1"/>
+                    </a:solidFill>
+                  </a:rPr>
+                  <a:t>Similarity Report</a:t>
+                </a:r>
+                <a:endParaRPr kumimoji="1" lang="ko-KR" altLang="en-US" sz="1100" dirty="0">
+                  <a:solidFill>
+                    <a:schemeClr val="bg1"/>
+                  </a:solidFill>
+                </a:endParaRPr>
+              </a:p>
+            </p:txBody>
+          </p:sp>
+        </p:grpSp>
+        <p:pic>
+          <p:nvPicPr>
+            <p:cNvPr id="79" name="Picture 33" descr="cl_st_00035"/>
+            <p:cNvPicPr>
+              <a:picLocks noChangeAspect="1" noChangeArrowheads="1"/>
+            </p:cNvPicPr>
+            <p:nvPr/>
+          </p:nvPicPr>
+          <p:blipFill>
+            <a:blip r:embed="rId5">
+              <a:extLst>
+                <a:ext uri="{28A0092B-C50C-407E-A947-70E740481C1C}">
+                  <a14:useLocalDpi xmlns:a14="http://schemas.microsoft.com/office/drawing/2010/main" val="0"/>
+                </a:ext>
+              </a:extLst>
+            </a:blip>
+            <a:srcRect/>
+            <a:stretch>
+              <a:fillRect/>
+            </a:stretch>
+          </p:blipFill>
+          <p:spPr bwMode="auto">
+            <a:xfrm>
+              <a:off x="10257565" y="4018287"/>
+              <a:ext cx="795069" cy="649531"/>
+            </a:xfrm>
+            <a:prstGeom prst="rect">
+              <a:avLst/>
+            </a:prstGeom>
+            <a:noFill/>
+            <a:ln>
+              <a:noFill/>
+            </a:ln>
+            <a:extLst>
+              <a:ext uri="{909E8E84-426E-40DD-AFC4-6F175D3DCCD1}">
+                <a14:hiddenFill xmlns:a14="http://schemas.microsoft.com/office/drawing/2010/main">
+                  <a:solidFill>
+                    <a:srgbClr val="FFFFFF"/>
+                  </a:solidFill>
+                </a14:hiddenFill>
+              </a:ext>
+              <a:ext uri="{91240B29-F687-4F45-9708-019B960494DF}">
+                <a14:hiddenLine xmlns:a14="http://schemas.microsoft.com/office/drawing/2010/main" w="9525">
+                  <a:solidFill>
+                    <a:srgbClr val="000000"/>
+                  </a:solidFill>
+                  <a:miter lim="800000"/>
+                  <a:headEnd/>
+                  <a:tailEnd/>
+                </a14:hiddenLine>
+              </a:ext>
+            </a:extLst>
+          </p:spPr>
+        </p:pic>
+      </p:grpSp>
     </p:spTree>
     <p:extLst>
       <p:ext uri="{BB962C8B-B14F-4D97-AF65-F5344CB8AC3E}">
         <p14:creationId xmlns:p14="http://schemas.microsoft.com/office/powerpoint/2010/main" val="621796024"/>
+      </p:ext>
+    </p:extLst>
+  </p:cSld>
+  <p:clrMapOvr>
+    <a:masterClrMapping/>
+  </p:clrMapOvr>
+</p:sld>
+</file>
+
+<file path=ppt/slides/slide5.xml><?xml version="1.0" encoding="utf-8"?>
+<p:sld xmlns:a="http://schemas.openxmlformats.org/drawingml/2006/main" xmlns:r="http://schemas.openxmlformats.org/officeDocument/2006/relationships" xmlns:p="http://schemas.openxmlformats.org/presentationml/2006/main">
+  <p:cSld>
+    <p:spTree>
+      <p:nvGrpSpPr>
+        <p:cNvPr id="1" name=""/>
+        <p:cNvGrpSpPr/>
+        <p:nvPr/>
+      </p:nvGrpSpPr>
+      <p:grpSpPr>
+        <a:xfrm>
+          <a:off x="0" y="0"/>
+          <a:ext cx="0" cy="0"/>
+          <a:chOff x="0" y="0"/>
+          <a:chExt cx="0" cy="0"/>
+        </a:xfrm>
+      </p:grpSpPr>
+    </p:spTree>
+    <p:extLst>
+      <p:ext uri="{BB962C8B-B14F-4D97-AF65-F5344CB8AC3E}">
+        <p14:creationId xmlns:p14="http://schemas.microsoft.com/office/powerpoint/2010/main" val="1047912810"/>
+      </p:ext>
+    </p:extLst>
+  </p:cSld>
+  <p:clrMapOvr>
+    <a:masterClrMapping/>
+  </p:clrMapOvr>
+</p:sld>
+</file>
+
+<file path=ppt/slides/slide6.xml><?xml version="1.0" encoding="utf-8"?>
+<p:sld xmlns:a="http://schemas.openxmlformats.org/drawingml/2006/main" xmlns:r="http://schemas.openxmlformats.org/officeDocument/2006/relationships" xmlns:p="http://schemas.openxmlformats.org/presentationml/2006/main">
+  <p:cSld>
+    <p:spTree>
+      <p:nvGrpSpPr>
+        <p:cNvPr id="1" name=""/>
+        <p:cNvGrpSpPr/>
+        <p:nvPr/>
+      </p:nvGrpSpPr>
+      <p:grpSpPr>
+        <a:xfrm>
+          <a:off x="0" y="0"/>
+          <a:ext cx="0" cy="0"/>
+          <a:chOff x="0" y="0"/>
+          <a:chExt cx="0" cy="0"/>
+        </a:xfrm>
+      </p:grpSpPr>
+    </p:spTree>
+    <p:extLst>
+      <p:ext uri="{BB962C8B-B14F-4D97-AF65-F5344CB8AC3E}">
+        <p14:creationId xmlns:p14="http://schemas.microsoft.com/office/powerpoint/2010/main" val="417234639"/>
       </p:ext>
     </p:extLst>
   </p:cSld>
@@ -5716,4 +8024,265 @@
     </a:ext>
   </a:extLst>
 </a:theme>
+</file>
+
+<file path=ppt/theme/theme2.xml><?xml version="1.0" encoding="utf-8"?>
+<a:theme xmlns:a="http://schemas.openxmlformats.org/drawingml/2006/main" name="Office 테마">
+  <a:themeElements>
+    <a:clrScheme name="Office">
+      <a:dk1>
+        <a:sysClr val="windowText" lastClr="000000"/>
+      </a:dk1>
+      <a:lt1>
+        <a:sysClr val="window" lastClr="FFFFFF"/>
+      </a:lt1>
+      <a:dk2>
+        <a:srgbClr val="44546A"/>
+      </a:dk2>
+      <a:lt2>
+        <a:srgbClr val="E7E6E6"/>
+      </a:lt2>
+      <a:accent1>
+        <a:srgbClr val="5B9BD5"/>
+      </a:accent1>
+      <a:accent2>
+        <a:srgbClr val="ED7D31"/>
+      </a:accent2>
+      <a:accent3>
+        <a:srgbClr val="A5A5A5"/>
+      </a:accent3>
+      <a:accent4>
+        <a:srgbClr val="FFC000"/>
+      </a:accent4>
+      <a:accent5>
+        <a:srgbClr val="4472C4"/>
+      </a:accent5>
+      <a:accent6>
+        <a:srgbClr val="70AD47"/>
+      </a:accent6>
+      <a:hlink>
+        <a:srgbClr val="0563C1"/>
+      </a:hlink>
+      <a:folHlink>
+        <a:srgbClr val="954F72"/>
+      </a:folHlink>
+    </a:clrScheme>
+    <a:fontScheme name="Office">
+      <a:majorFont>
+        <a:latin typeface="맑은 고딕" panose="020F0302020204030204"/>
+        <a:ea typeface=""/>
+        <a:cs typeface=""/>
+        <a:font script="Jpan" typeface="Yu Gothic Light"/>
+        <a:font script="Hang" typeface="맑은 고딕"/>
+        <a:font script="Hans" typeface="DengXian Light"/>
+        <a:font script="Hant" typeface="新細明體"/>
+        <a:font script="Arab" typeface="Times New Roman"/>
+        <a:font script="Hebr" typeface="Times New Roman"/>
+        <a:font script="Thai" typeface="Angsana New"/>
+        <a:font script="Ethi" typeface="Nyala"/>
+        <a:font script="Beng" typeface="Vrinda"/>
+        <a:font script="Gujr" typeface="Shruti"/>
+        <a:font script="Khmr" typeface="MoolBoran"/>
+        <a:font script="Knda" typeface="Tunga"/>
+        <a:font script="Guru" typeface="Raavi"/>
+        <a:font script="Cans" typeface="Euphemia"/>
+        <a:font script="Cher" typeface="Plantagenet Cherokee"/>
+        <a:font script="Yiii" typeface="Microsoft Yi Baiti"/>
+        <a:font script="Tibt" typeface="Microsoft Himalaya"/>
+        <a:font script="Thaa" typeface="MV Boli"/>
+        <a:font script="Deva" typeface="Mangal"/>
+        <a:font script="Telu" typeface="Gautami"/>
+        <a:font script="Taml" typeface="Latha"/>
+        <a:font script="Syrc" typeface="Estrangelo Edessa"/>
+        <a:font script="Orya" typeface="Kalinga"/>
+        <a:font script="Mlym" typeface="Kartika"/>
+        <a:font script="Laoo" typeface="DokChampa"/>
+        <a:font script="Sinh" typeface="Iskoola Pota"/>
+        <a:font script="Mong" typeface="Mongolian Baiti"/>
+        <a:font script="Viet" typeface="Times New Roman"/>
+        <a:font script="Uigh" typeface="Microsoft Uighur"/>
+        <a:font script="Geor" typeface="Sylfaen"/>
+      </a:majorFont>
+      <a:minorFont>
+        <a:latin typeface="맑은 고딕" panose="020F0502020204030204"/>
+        <a:ea typeface=""/>
+        <a:cs typeface=""/>
+        <a:font script="Jpan" typeface="Yu Gothic"/>
+        <a:font script="Hang" typeface="맑은 고딕"/>
+        <a:font script="Hans" typeface="DengXian"/>
+        <a:font script="Hant" typeface="新細明體"/>
+        <a:font script="Arab" typeface="Arial"/>
+        <a:font script="Hebr" typeface="Arial"/>
+        <a:font script="Thai" typeface="Cordia New"/>
+        <a:font script="Ethi" typeface="Nyala"/>
+        <a:font script="Beng" typeface="Vrinda"/>
+        <a:font script="Gujr" typeface="Shruti"/>
+        <a:font script="Khmr" typeface="DaunPenh"/>
+        <a:font script="Knda" typeface="Tunga"/>
+        <a:font script="Guru" typeface="Raavi"/>
+        <a:font script="Cans" typeface="Euphemia"/>
+        <a:font script="Cher" typeface="Plantagenet Cherokee"/>
+        <a:font script="Yiii" typeface="Microsoft Yi Baiti"/>
+        <a:font script="Tibt" typeface="Microsoft Himalaya"/>
+        <a:font script="Thaa" typeface="MV Boli"/>
+        <a:font script="Deva" typeface="Mangal"/>
+        <a:font script="Telu" typeface="Gautami"/>
+        <a:font script="Taml" typeface="Latha"/>
+        <a:font script="Syrc" typeface="Estrangelo Edessa"/>
+        <a:font script="Orya" typeface="Kalinga"/>
+        <a:font script="Mlym" typeface="Kartika"/>
+        <a:font script="Laoo" typeface="DokChampa"/>
+        <a:font script="Sinh" typeface="Iskoola Pota"/>
+        <a:font script="Mong" typeface="Mongolian Baiti"/>
+        <a:font script="Viet" typeface="Arial"/>
+        <a:font script="Uigh" typeface="Microsoft Uighur"/>
+        <a:font script="Geor" typeface="Sylfaen"/>
+      </a:minorFont>
+    </a:fontScheme>
+    <a:fmtScheme name="Office">
+      <a:fillStyleLst>
+        <a:solidFill>
+          <a:schemeClr val="phClr"/>
+        </a:solidFill>
+        <a:gradFill rotWithShape="1">
+          <a:gsLst>
+            <a:gs pos="0">
+              <a:schemeClr val="phClr">
+                <a:lumMod val="110000"/>
+                <a:satMod val="105000"/>
+                <a:tint val="67000"/>
+              </a:schemeClr>
+            </a:gs>
+            <a:gs pos="50000">
+              <a:schemeClr val="phClr">
+                <a:lumMod val="105000"/>
+                <a:satMod val="103000"/>
+                <a:tint val="73000"/>
+              </a:schemeClr>
+            </a:gs>
+            <a:gs pos="100000">
+              <a:schemeClr val="phClr">
+                <a:lumMod val="105000"/>
+                <a:satMod val="109000"/>
+                <a:tint val="81000"/>
+              </a:schemeClr>
+            </a:gs>
+          </a:gsLst>
+          <a:lin ang="5400000" scaled="0"/>
+        </a:gradFill>
+        <a:gradFill rotWithShape="1">
+          <a:gsLst>
+            <a:gs pos="0">
+              <a:schemeClr val="phClr">
+                <a:satMod val="103000"/>
+                <a:lumMod val="102000"/>
+                <a:tint val="94000"/>
+              </a:schemeClr>
+            </a:gs>
+            <a:gs pos="50000">
+              <a:schemeClr val="phClr">
+                <a:satMod val="110000"/>
+                <a:lumMod val="100000"/>
+                <a:shade val="100000"/>
+              </a:schemeClr>
+            </a:gs>
+            <a:gs pos="100000">
+              <a:schemeClr val="phClr">
+                <a:lumMod val="99000"/>
+                <a:satMod val="120000"/>
+                <a:shade val="78000"/>
+              </a:schemeClr>
+            </a:gs>
+          </a:gsLst>
+          <a:lin ang="5400000" scaled="0"/>
+        </a:gradFill>
+      </a:fillStyleLst>
+      <a:lnStyleLst>
+        <a:ln w="6350" cap="flat" cmpd="sng" algn="ctr">
+          <a:solidFill>
+            <a:schemeClr val="phClr"/>
+          </a:solidFill>
+          <a:prstDash val="solid"/>
+          <a:miter lim="800000"/>
+        </a:ln>
+        <a:ln w="12700" cap="flat" cmpd="sng" algn="ctr">
+          <a:solidFill>
+            <a:schemeClr val="phClr"/>
+          </a:solidFill>
+          <a:prstDash val="solid"/>
+          <a:miter lim="800000"/>
+        </a:ln>
+        <a:ln w="19050" cap="flat" cmpd="sng" algn="ctr">
+          <a:solidFill>
+            <a:schemeClr val="phClr"/>
+          </a:solidFill>
+          <a:prstDash val="solid"/>
+          <a:miter lim="800000"/>
+        </a:ln>
+      </a:lnStyleLst>
+      <a:effectStyleLst>
+        <a:effectStyle>
+          <a:effectLst/>
+        </a:effectStyle>
+        <a:effectStyle>
+          <a:effectLst/>
+        </a:effectStyle>
+        <a:effectStyle>
+          <a:effectLst>
+            <a:outerShdw blurRad="57150" dist="19050" dir="5400000" algn="ctr" rotWithShape="0">
+              <a:srgbClr val="000000">
+                <a:alpha val="63000"/>
+              </a:srgbClr>
+            </a:outerShdw>
+          </a:effectLst>
+        </a:effectStyle>
+      </a:effectStyleLst>
+      <a:bgFillStyleLst>
+        <a:solidFill>
+          <a:schemeClr val="phClr"/>
+        </a:solidFill>
+        <a:solidFill>
+          <a:schemeClr val="phClr">
+            <a:tint val="95000"/>
+            <a:satMod val="170000"/>
+          </a:schemeClr>
+        </a:solidFill>
+        <a:gradFill rotWithShape="1">
+          <a:gsLst>
+            <a:gs pos="0">
+              <a:schemeClr val="phClr">
+                <a:tint val="93000"/>
+                <a:satMod val="150000"/>
+                <a:shade val="98000"/>
+                <a:lumMod val="102000"/>
+              </a:schemeClr>
+            </a:gs>
+            <a:gs pos="50000">
+              <a:schemeClr val="phClr">
+                <a:tint val="98000"/>
+                <a:satMod val="130000"/>
+                <a:shade val="90000"/>
+                <a:lumMod val="103000"/>
+              </a:schemeClr>
+            </a:gs>
+            <a:gs pos="100000">
+              <a:schemeClr val="phClr">
+                <a:shade val="63000"/>
+                <a:satMod val="120000"/>
+              </a:schemeClr>
+            </a:gs>
+          </a:gsLst>
+          <a:lin ang="5400000" scaled="0"/>
+        </a:gradFill>
+      </a:bgFillStyleLst>
+    </a:fmtScheme>
+  </a:themeElements>
+  <a:objectDefaults/>
+  <a:extraClrSchemeLst/>
+  <a:extLst>
+    <a:ext uri="{05A4C25C-085E-4340-85A3-A5531E510DB2}">
+      <thm15:themeFamily xmlns:thm15="http://schemas.microsoft.com/office/thememl/2012/main" name="Office Theme" id="{62F939B6-93AF-4DB8-9C6B-D6C7DFDC589F}" vid="{4A3C46E8-61CC-4603-A589-7422A47A8E4A}"/>
+    </a:ext>
+  </a:extLst>
+</a:theme>
 </file>
--- a/docs/images/프레젠테이션1.pptx
+++ b/docs/images/프레젠테이션1.pptx
@@ -5906,7 +5906,7 @@
         </p:blipFill>
         <p:spPr bwMode="auto">
           <a:xfrm>
-            <a:off x="2733948" y="4667818"/>
+            <a:off x="2758127" y="4750599"/>
             <a:ext cx="722863" cy="688374"/>
           </a:xfrm>
           <a:prstGeom prst="rect">
@@ -7210,50 +7210,6 @@
           </p:style>
         </p:cxnSp>
       </p:grpSp>
-      <p:sp>
-        <p:nvSpPr>
-          <p:cNvPr id="75" name="오른쪽 화살표[R] 74"/>
-          <p:cNvSpPr/>
-          <p:nvPr/>
-        </p:nvSpPr>
-        <p:spPr>
-          <a:xfrm>
-            <a:off x="3676279" y="4608133"/>
-            <a:ext cx="1008807" cy="822892"/>
-          </a:xfrm>
-          <a:prstGeom prst="rightArrow">
-            <a:avLst/>
-          </a:prstGeom>
-        </p:spPr>
-        <p:style>
-          <a:lnRef idx="2">
-            <a:schemeClr val="accent1">
-              <a:shade val="50000"/>
-            </a:schemeClr>
-          </a:lnRef>
-          <a:fillRef idx="1">
-            <a:schemeClr val="accent1"/>
-          </a:fillRef>
-          <a:effectRef idx="0">
-            <a:schemeClr val="accent1"/>
-          </a:effectRef>
-          <a:fontRef idx="minor">
-            <a:schemeClr val="lt1"/>
-          </a:fontRef>
-        </p:style>
-        <p:txBody>
-          <a:bodyPr rtlCol="0" anchor="ctr"/>
-          <a:lstStyle/>
-          <a:p>
-            <a:pPr algn="ctr"/>
-            <a:r>
-              <a:rPr kumimoji="1" lang="en-US" altLang="ko-KR" sz="1400" dirty="0" smtClean="0"/>
-              <a:t>Load</a:t>
-            </a:r>
-            <a:endParaRPr kumimoji="1" lang="ko-KR" altLang="en-US" sz="1400" dirty="0"/>
-          </a:p>
-        </p:txBody>
-      </p:sp>
       <p:grpSp>
         <p:nvGrpSpPr>
           <p:cNvPr id="92" name="그룹 91"/>
@@ -7692,6 +7648,50 @@
           </p:spPr>
         </p:pic>
       </p:grpSp>
+      <p:sp>
+        <p:nvSpPr>
+          <p:cNvPr id="2" name="왼쪽/오른쪽 화살표[L] 1"/>
+          <p:cNvSpPr/>
+          <p:nvPr/>
+        </p:nvSpPr>
+        <p:spPr>
+          <a:xfrm>
+            <a:off x="3619743" y="4812426"/>
+            <a:ext cx="1107956" cy="512322"/>
+          </a:xfrm>
+          <a:prstGeom prst="leftRightArrow">
+            <a:avLst/>
+          </a:prstGeom>
+        </p:spPr>
+        <p:style>
+          <a:lnRef idx="2">
+            <a:schemeClr val="accent1">
+              <a:shade val="50000"/>
+            </a:schemeClr>
+          </a:lnRef>
+          <a:fillRef idx="1">
+            <a:schemeClr val="accent1"/>
+          </a:fillRef>
+          <a:effectRef idx="0">
+            <a:schemeClr val="accent1"/>
+          </a:effectRef>
+          <a:fontRef idx="minor">
+            <a:schemeClr val="lt1"/>
+          </a:fontRef>
+        </p:style>
+        <p:txBody>
+          <a:bodyPr rtlCol="0" anchor="ctr"/>
+          <a:lstStyle/>
+          <a:p>
+            <a:pPr algn="ctr"/>
+            <a:r>
+              <a:rPr kumimoji="1" lang="en-US" altLang="ko-KR" sz="1100" dirty="0" smtClean="0"/>
+              <a:t>Load/Save</a:t>
+            </a:r>
+            <a:endParaRPr kumimoji="1" lang="ko-KR" altLang="en-US" sz="1100" dirty="0"/>
+          </a:p>
+        </p:txBody>
+      </p:sp>
     </p:spTree>
     <p:extLst>
       <p:ext uri="{BB962C8B-B14F-4D97-AF65-F5344CB8AC3E}">

--- a/docs/images/프레젠테이션1.pptx
+++ b/docs/images/프레젠테이션1.pptx
@@ -202,7 +202,7 @@
           <a:p>
             <a:fld id="{46E96B16-1736-0A4B-80C0-B32AE675D24C}" type="datetimeFigureOut">
               <a:rPr kumimoji="1" lang="ko-KR" altLang="en-US" smtClean="0"/>
-              <a:t>2016. 5. 18.</a:t>
+              <a:t>2016. 5. 19.</a:t>
             </a:fld>
             <a:endParaRPr kumimoji="1" lang="ko-KR" altLang="en-US"/>
           </a:p>
@@ -685,7 +685,7 @@
           <a:p>
             <a:fld id="{BE38C7F6-E1CD-8640-9DB6-01E1AEA2332D}" type="datetimeFigureOut">
               <a:rPr kumimoji="1" lang="ko-KR" altLang="en-US" smtClean="0"/>
-              <a:t>2016. 5. 18.</a:t>
+              <a:t>2016. 5. 19.</a:t>
             </a:fld>
             <a:endParaRPr kumimoji="1" lang="ko-KR" altLang="en-US"/>
           </a:p>
@@ -855,7 +855,7 @@
           <a:p>
             <a:fld id="{BE38C7F6-E1CD-8640-9DB6-01E1AEA2332D}" type="datetimeFigureOut">
               <a:rPr kumimoji="1" lang="ko-KR" altLang="en-US" smtClean="0"/>
-              <a:t>2016. 5. 18.</a:t>
+              <a:t>2016. 5. 19.</a:t>
             </a:fld>
             <a:endParaRPr kumimoji="1" lang="ko-KR" altLang="en-US"/>
           </a:p>
@@ -1035,7 +1035,7 @@
           <a:p>
             <a:fld id="{BE38C7F6-E1CD-8640-9DB6-01E1AEA2332D}" type="datetimeFigureOut">
               <a:rPr kumimoji="1" lang="ko-KR" altLang="en-US" smtClean="0"/>
-              <a:t>2016. 5. 18.</a:t>
+              <a:t>2016. 5. 19.</a:t>
             </a:fld>
             <a:endParaRPr kumimoji="1" lang="ko-KR" altLang="en-US"/>
           </a:p>
@@ -1205,7 +1205,7 @@
           <a:p>
             <a:fld id="{BE38C7F6-E1CD-8640-9DB6-01E1AEA2332D}" type="datetimeFigureOut">
               <a:rPr kumimoji="1" lang="ko-KR" altLang="en-US" smtClean="0"/>
-              <a:t>2016. 5. 18.</a:t>
+              <a:t>2016. 5. 19.</a:t>
             </a:fld>
             <a:endParaRPr kumimoji="1" lang="ko-KR" altLang="en-US"/>
           </a:p>
@@ -1451,7 +1451,7 @@
           <a:p>
             <a:fld id="{BE38C7F6-E1CD-8640-9DB6-01E1AEA2332D}" type="datetimeFigureOut">
               <a:rPr kumimoji="1" lang="ko-KR" altLang="en-US" smtClean="0"/>
-              <a:t>2016. 5. 18.</a:t>
+              <a:t>2016. 5. 19.</a:t>
             </a:fld>
             <a:endParaRPr kumimoji="1" lang="ko-KR" altLang="en-US"/>
           </a:p>
@@ -1683,7 +1683,7 @@
           <a:p>
             <a:fld id="{BE38C7F6-E1CD-8640-9DB6-01E1AEA2332D}" type="datetimeFigureOut">
               <a:rPr kumimoji="1" lang="ko-KR" altLang="en-US" smtClean="0"/>
-              <a:t>2016. 5. 18.</a:t>
+              <a:t>2016. 5. 19.</a:t>
             </a:fld>
             <a:endParaRPr kumimoji="1" lang="ko-KR" altLang="en-US"/>
           </a:p>
@@ -2050,7 +2050,7 @@
           <a:p>
             <a:fld id="{BE38C7F6-E1CD-8640-9DB6-01E1AEA2332D}" type="datetimeFigureOut">
               <a:rPr kumimoji="1" lang="ko-KR" altLang="en-US" smtClean="0"/>
-              <a:t>2016. 5. 18.</a:t>
+              <a:t>2016. 5. 19.</a:t>
             </a:fld>
             <a:endParaRPr kumimoji="1" lang="ko-KR" altLang="en-US"/>
           </a:p>
@@ -2168,7 +2168,7 @@
           <a:p>
             <a:fld id="{BE38C7F6-E1CD-8640-9DB6-01E1AEA2332D}" type="datetimeFigureOut">
               <a:rPr kumimoji="1" lang="ko-KR" altLang="en-US" smtClean="0"/>
-              <a:t>2016. 5. 18.</a:t>
+              <a:t>2016. 5. 19.</a:t>
             </a:fld>
             <a:endParaRPr kumimoji="1" lang="ko-KR" altLang="en-US"/>
           </a:p>
@@ -2263,7 +2263,7 @@
           <a:p>
             <a:fld id="{BE38C7F6-E1CD-8640-9DB6-01E1AEA2332D}" type="datetimeFigureOut">
               <a:rPr kumimoji="1" lang="ko-KR" altLang="en-US" smtClean="0"/>
-              <a:t>2016. 5. 18.</a:t>
+              <a:t>2016. 5. 19.</a:t>
             </a:fld>
             <a:endParaRPr kumimoji="1" lang="ko-KR" altLang="en-US"/>
           </a:p>
@@ -2540,7 +2540,7 @@
           <a:p>
             <a:fld id="{BE38C7F6-E1CD-8640-9DB6-01E1AEA2332D}" type="datetimeFigureOut">
               <a:rPr kumimoji="1" lang="ko-KR" altLang="en-US" smtClean="0"/>
-              <a:t>2016. 5. 18.</a:t>
+              <a:t>2016. 5. 19.</a:t>
             </a:fld>
             <a:endParaRPr kumimoji="1" lang="ko-KR" altLang="en-US"/>
           </a:p>
@@ -2793,7 +2793,7 @@
           <a:p>
             <a:fld id="{BE38C7F6-E1CD-8640-9DB6-01E1AEA2332D}" type="datetimeFigureOut">
               <a:rPr kumimoji="1" lang="ko-KR" altLang="en-US" smtClean="0"/>
-              <a:t>2016. 5. 18.</a:t>
+              <a:t>2016. 5. 19.</a:t>
             </a:fld>
             <a:endParaRPr kumimoji="1" lang="ko-KR" altLang="en-US"/>
           </a:p>
@@ -3006,7 +3006,7 @@
           <a:p>
             <a:fld id="{BE38C7F6-E1CD-8640-9DB6-01E1AEA2332D}" type="datetimeFigureOut">
               <a:rPr kumimoji="1" lang="ko-KR" altLang="en-US" smtClean="0"/>
-              <a:t>2016. 5. 18.</a:t>
+              <a:t>2016. 5. 19.</a:t>
             </a:fld>
             <a:endParaRPr kumimoji="1" lang="ko-KR" altLang="en-US"/>
           </a:p>
@@ -7685,10 +7685,10 @@
           <a:p>
             <a:pPr algn="ctr"/>
             <a:r>
-              <a:rPr kumimoji="1" lang="en-US" altLang="ko-KR" sz="1100" dirty="0" smtClean="0"/>
-              <a:t>Load/Save</a:t>
-            </a:r>
-            <a:endParaRPr kumimoji="1" lang="ko-KR" altLang="en-US" sz="1100" dirty="0"/>
+              <a:rPr kumimoji="1" lang="en-US" altLang="ko-KR" sz="900" dirty="0" smtClean="0"/>
+              <a:t>Load / Save</a:t>
+            </a:r>
+            <a:endParaRPr kumimoji="1" lang="ko-KR" altLang="en-US" sz="900" dirty="0"/>
           </a:p>
         </p:txBody>
       </p:sp>

--- a/docs/images/프레젠테이션1.pptx
+++ b/docs/images/프레젠테이션1.pptx
@@ -7722,6 +7722,602 @@
           <a:chExt cx="0" cy="0"/>
         </a:xfrm>
       </p:grpSpPr>
+      <p:grpSp>
+        <p:nvGrpSpPr>
+          <p:cNvPr id="3" name="그룹 2"/>
+          <p:cNvGrpSpPr/>
+          <p:nvPr/>
+        </p:nvGrpSpPr>
+        <p:grpSpPr>
+          <a:xfrm>
+            <a:off x="231076" y="2608246"/>
+            <a:ext cx="2392261" cy="2154152"/>
+            <a:chOff x="1622442" y="922226"/>
+            <a:chExt cx="2812398" cy="3193682"/>
+          </a:xfrm>
+        </p:grpSpPr>
+        <p:grpSp>
+          <p:nvGrpSpPr>
+            <p:cNvPr id="5" name="그룹 4"/>
+            <p:cNvGrpSpPr/>
+            <p:nvPr/>
+          </p:nvGrpSpPr>
+          <p:grpSpPr>
+            <a:xfrm>
+              <a:off x="1622442" y="922226"/>
+              <a:ext cx="2812398" cy="3193682"/>
+              <a:chOff x="1622442" y="922226"/>
+              <a:chExt cx="2812398" cy="3193682"/>
+            </a:xfrm>
+          </p:grpSpPr>
+          <p:sp>
+            <p:nvSpPr>
+              <p:cNvPr id="7" name="직사각형 6"/>
+              <p:cNvSpPr/>
+              <p:nvPr/>
+            </p:nvSpPr>
+            <p:spPr>
+              <a:xfrm>
+                <a:off x="1622442" y="922228"/>
+                <a:ext cx="2812398" cy="3193680"/>
+              </a:xfrm>
+              <a:prstGeom prst="rect">
+                <a:avLst/>
+              </a:prstGeom>
+              <a:ln w="38100">
+                <a:solidFill>
+                  <a:schemeClr val="accent1"/>
+                </a:solidFill>
+              </a:ln>
+            </p:spPr>
+            <p:style>
+              <a:lnRef idx="2">
+                <a:schemeClr val="accent1"/>
+              </a:lnRef>
+              <a:fillRef idx="1">
+                <a:schemeClr val="lt1"/>
+              </a:fillRef>
+              <a:effectRef idx="0">
+                <a:schemeClr val="accent1"/>
+              </a:effectRef>
+              <a:fontRef idx="minor">
+                <a:schemeClr val="dk1"/>
+              </a:fontRef>
+            </p:style>
+            <p:txBody>
+              <a:bodyPr rtlCol="0" anchor="ctr"/>
+              <a:lstStyle/>
+              <a:p>
+                <a:pPr algn="ctr"/>
+                <a:endParaRPr kumimoji="1" lang="ko-KR" altLang="en-US"/>
+              </a:p>
+            </p:txBody>
+          </p:sp>
+          <p:sp>
+            <p:nvSpPr>
+              <p:cNvPr id="8" name="직사각형 7"/>
+              <p:cNvSpPr/>
+              <p:nvPr/>
+            </p:nvSpPr>
+            <p:spPr>
+              <a:xfrm>
+                <a:off x="1622442" y="922226"/>
+                <a:ext cx="2812398" cy="479288"/>
+              </a:xfrm>
+              <a:prstGeom prst="rect">
+                <a:avLst/>
+              </a:prstGeom>
+              <a:solidFill>
+                <a:schemeClr val="accent1"/>
+              </a:solidFill>
+              <a:ln>
+                <a:solidFill>
+                  <a:schemeClr val="accent1"/>
+                </a:solidFill>
+              </a:ln>
+            </p:spPr>
+            <p:style>
+              <a:lnRef idx="2">
+                <a:schemeClr val="accent1">
+                  <a:shade val="50000"/>
+                </a:schemeClr>
+              </a:lnRef>
+              <a:fillRef idx="1">
+                <a:schemeClr val="accent1"/>
+              </a:fillRef>
+              <a:effectRef idx="0">
+                <a:schemeClr val="accent1"/>
+              </a:effectRef>
+              <a:fontRef idx="minor">
+                <a:schemeClr val="lt1"/>
+              </a:fontRef>
+            </p:style>
+            <p:txBody>
+              <a:bodyPr rtlCol="0" anchor="ctr"/>
+              <a:lstStyle/>
+              <a:p>
+                <a:pPr algn="ctr"/>
+                <a:r>
+                  <a:rPr kumimoji="1" lang="en-US" altLang="ko-KR" sz="1400" dirty="0" smtClean="0">
+                    <a:solidFill>
+                      <a:schemeClr val="bg1"/>
+                    </a:solidFill>
+                  </a:rPr>
+                  <a:t>Original Data</a:t>
+                </a:r>
+                <a:endParaRPr kumimoji="1" lang="ko-KR" altLang="en-US" sz="1400" dirty="0">
+                  <a:solidFill>
+                    <a:schemeClr val="bg1"/>
+                  </a:solidFill>
+                </a:endParaRPr>
+              </a:p>
+            </p:txBody>
+          </p:sp>
+        </p:grpSp>
+        <p:sp>
+          <p:nvSpPr>
+            <p:cNvPr id="6" name="TextBox 5"/>
+            <p:cNvSpPr txBox="1"/>
+            <p:nvPr/>
+          </p:nvSpPr>
+          <p:spPr>
+            <a:xfrm>
+              <a:off x="1790701" y="1722120"/>
+              <a:ext cx="2622849" cy="1675434"/>
+            </a:xfrm>
+            <a:prstGeom prst="rect">
+              <a:avLst/>
+            </a:prstGeom>
+            <a:noFill/>
+          </p:spPr>
+          <p:txBody>
+            <a:bodyPr wrap="square" rtlCol="0">
+              <a:spAutoFit/>
+            </a:bodyPr>
+            <a:lstStyle/>
+            <a:p>
+              <a:pPr marL="285750" indent="-285750">
+                <a:lnSpc>
+                  <a:spcPct val="150000"/>
+                </a:lnSpc>
+                <a:buFont typeface="Arial" charset="0"/>
+                <a:buChar char="•"/>
+              </a:pPr>
+              <a:r>
+                <a:rPr kumimoji="1" lang="en-US" altLang="ko-KR" sz="1400" dirty="0" smtClean="0"/>
+                <a:t>Data</a:t>
+              </a:r>
+              <a:r>
+                <a:rPr kumimoji="1" lang="ko-KR" altLang="en-US" sz="1400" dirty="0" smtClean="0"/>
+                <a:t> 사이 통일되지 않은 </a:t>
+              </a:r>
+              <a:r>
+                <a:rPr kumimoji="1" lang="en-US" altLang="ko-KR" sz="1400" dirty="0" smtClean="0"/>
+                <a:t>value</a:t>
+              </a:r>
+              <a:r>
+                <a:rPr kumimoji="1" lang="ko-KR" altLang="en-US" sz="1400" dirty="0" smtClean="0"/>
+                <a:t> 값의 크기</a:t>
+              </a:r>
+              <a:endParaRPr kumimoji="1" lang="en-US" altLang="ko-KR" sz="1400" dirty="0" smtClean="0"/>
+            </a:p>
+            <a:p>
+              <a:pPr marL="285750" indent="-285750">
+                <a:lnSpc>
+                  <a:spcPct val="150000"/>
+                </a:lnSpc>
+                <a:buFont typeface="Arial" charset="0"/>
+                <a:buChar char="•"/>
+              </a:pPr>
+              <a:r>
+                <a:rPr kumimoji="1" lang="ko-KR" altLang="en-US" sz="1400" dirty="0" smtClean="0"/>
+                <a:t>일정하지 않은 </a:t>
+              </a:r>
+              <a:r>
+                <a:rPr kumimoji="1" lang="en-US" altLang="ko-KR" sz="1400" dirty="0" smtClean="0"/>
+                <a:t>time_stamp</a:t>
+              </a:r>
+              <a:r>
+                <a:rPr kumimoji="1" lang="ko-KR" altLang="en-US" sz="1400" dirty="0" smtClean="0"/>
+                <a:t>간격</a:t>
+              </a:r>
+              <a:endParaRPr kumimoji="1" lang="en-US" altLang="ko-KR" sz="1400" dirty="0" smtClean="0"/>
+            </a:p>
+          </p:txBody>
+        </p:sp>
+      </p:grpSp>
+      <p:sp>
+        <p:nvSpPr>
+          <p:cNvPr id="4" name="오른쪽 화살표[R] 3"/>
+          <p:cNvSpPr/>
+          <p:nvPr/>
+        </p:nvSpPr>
+        <p:spPr>
+          <a:xfrm>
+            <a:off x="2800459" y="2697274"/>
+            <a:ext cx="2059299" cy="2065123"/>
+          </a:xfrm>
+          <a:prstGeom prst="rightArrow">
+            <a:avLst/>
+          </a:prstGeom>
+          <a:solidFill>
+            <a:schemeClr val="accent1"/>
+          </a:solidFill>
+          <a:ln>
+            <a:solidFill>
+              <a:schemeClr val="accent1"/>
+            </a:solidFill>
+          </a:ln>
+        </p:spPr>
+        <p:style>
+          <a:lnRef idx="2">
+            <a:schemeClr val="accent1"/>
+          </a:lnRef>
+          <a:fillRef idx="1">
+            <a:schemeClr val="lt1"/>
+          </a:fillRef>
+          <a:effectRef idx="0">
+            <a:schemeClr val="accent1"/>
+          </a:effectRef>
+          <a:fontRef idx="minor">
+            <a:schemeClr val="dk1"/>
+          </a:fontRef>
+        </p:style>
+        <p:txBody>
+          <a:bodyPr rtlCol="0" anchor="ctr"/>
+          <a:lstStyle/>
+          <a:p>
+            <a:pPr algn="ctr"/>
+            <a:r>
+              <a:rPr kumimoji="1" lang="en-US" altLang="ko-KR" sz="1050" dirty="0" smtClean="0">
+                <a:solidFill>
+                  <a:schemeClr val="bg1"/>
+                </a:solidFill>
+              </a:rPr>
+              <a:t>[ Data Preprocessing ]</a:t>
+            </a:r>
+          </a:p>
+          <a:p>
+            <a:pPr marL="285750" indent="-285750" algn="ctr">
+              <a:buFont typeface="Arial" charset="0"/>
+              <a:buChar char="•"/>
+            </a:pPr>
+            <a:r>
+              <a:rPr kumimoji="1" lang="en-US" altLang="ko-KR" sz="1050" dirty="0" smtClean="0">
+                <a:solidFill>
+                  <a:schemeClr val="bg1"/>
+                </a:solidFill>
+              </a:rPr>
+              <a:t>Scaling</a:t>
+            </a:r>
+          </a:p>
+          <a:p>
+            <a:pPr marL="285750" indent="-285750" algn="ctr">
+              <a:buFont typeface="Arial" charset="0"/>
+              <a:buChar char="•"/>
+            </a:pPr>
+            <a:r>
+              <a:rPr kumimoji="1" lang="en-US" altLang="ko-KR" sz="1050" dirty="0" smtClean="0">
+                <a:solidFill>
+                  <a:schemeClr val="bg1"/>
+                </a:solidFill>
+              </a:rPr>
+              <a:t>Normalization</a:t>
+            </a:r>
+          </a:p>
+          <a:p>
+            <a:pPr marL="285750" indent="-285750" algn="ctr">
+              <a:buFont typeface="Arial" charset="0"/>
+              <a:buChar char="•"/>
+            </a:pPr>
+            <a:r>
+              <a:rPr kumimoji="1" lang="en-US" altLang="ko-KR" sz="1050" dirty="0" smtClean="0">
+                <a:solidFill>
+                  <a:schemeClr val="bg1"/>
+                </a:solidFill>
+              </a:rPr>
+              <a:t>Interpolation</a:t>
+            </a:r>
+            <a:endParaRPr kumimoji="1" lang="ko-KR" altLang="en-US" sz="1050" dirty="0">
+              <a:solidFill>
+                <a:schemeClr val="bg1"/>
+              </a:solidFill>
+            </a:endParaRPr>
+          </a:p>
+        </p:txBody>
+      </p:sp>
+      <p:grpSp>
+        <p:nvGrpSpPr>
+          <p:cNvPr id="9" name="그룹 8"/>
+          <p:cNvGrpSpPr/>
+          <p:nvPr/>
+        </p:nvGrpSpPr>
+        <p:grpSpPr>
+          <a:xfrm>
+            <a:off x="4996168" y="2641473"/>
+            <a:ext cx="2794678" cy="2176723"/>
+            <a:chOff x="7611762" y="922226"/>
+            <a:chExt cx="2812398" cy="4076494"/>
+          </a:xfrm>
+        </p:grpSpPr>
+        <p:sp>
+          <p:nvSpPr>
+            <p:cNvPr id="10" name="직사각형 9"/>
+            <p:cNvSpPr/>
+            <p:nvPr/>
+          </p:nvSpPr>
+          <p:spPr>
+            <a:xfrm>
+              <a:off x="7611762" y="922226"/>
+              <a:ext cx="2812398" cy="4076494"/>
+            </a:xfrm>
+            <a:prstGeom prst="rect">
+              <a:avLst/>
+            </a:prstGeom>
+            <a:ln w="38100">
+              <a:solidFill>
+                <a:schemeClr val="accent1"/>
+              </a:solidFill>
+            </a:ln>
+          </p:spPr>
+          <p:style>
+            <a:lnRef idx="2">
+              <a:schemeClr val="accent1"/>
+            </a:lnRef>
+            <a:fillRef idx="1">
+              <a:schemeClr val="lt1"/>
+            </a:fillRef>
+            <a:effectRef idx="0">
+              <a:schemeClr val="accent1"/>
+            </a:effectRef>
+            <a:fontRef idx="minor">
+              <a:schemeClr val="dk1"/>
+            </a:fontRef>
+          </p:style>
+          <p:txBody>
+            <a:bodyPr rtlCol="0" anchor="ctr"/>
+            <a:lstStyle/>
+            <a:p>
+              <a:pPr algn="ctr"/>
+              <a:endParaRPr kumimoji="1" lang="ko-KR" altLang="en-US"/>
+            </a:p>
+          </p:txBody>
+        </p:sp>
+        <p:sp>
+          <p:nvSpPr>
+            <p:cNvPr id="11" name="직사각형 10"/>
+            <p:cNvSpPr/>
+            <p:nvPr/>
+          </p:nvSpPr>
+          <p:spPr>
+            <a:xfrm>
+              <a:off x="7611762" y="922226"/>
+              <a:ext cx="2812398" cy="651541"/>
+            </a:xfrm>
+            <a:prstGeom prst="rect">
+              <a:avLst/>
+            </a:prstGeom>
+            <a:ln>
+              <a:solidFill>
+                <a:schemeClr val="accent1"/>
+              </a:solidFill>
+            </a:ln>
+          </p:spPr>
+          <p:style>
+            <a:lnRef idx="2">
+              <a:schemeClr val="accent1">
+                <a:shade val="50000"/>
+              </a:schemeClr>
+            </a:lnRef>
+            <a:fillRef idx="1">
+              <a:schemeClr val="accent1"/>
+            </a:fillRef>
+            <a:effectRef idx="0">
+              <a:schemeClr val="accent1"/>
+            </a:effectRef>
+            <a:fontRef idx="minor">
+              <a:schemeClr val="lt1"/>
+            </a:fontRef>
+          </p:style>
+          <p:txBody>
+            <a:bodyPr rtlCol="0" anchor="ctr"/>
+            <a:lstStyle/>
+            <a:p>
+              <a:pPr algn="ctr"/>
+              <a:r>
+                <a:rPr kumimoji="1" lang="en-US" altLang="ko-KR" dirty="0" smtClean="0">
+                  <a:solidFill>
+                    <a:schemeClr val="bg1"/>
+                  </a:solidFill>
+                </a:rPr>
+                <a:t>Preprocessed Data</a:t>
+              </a:r>
+              <a:endParaRPr kumimoji="1" lang="ko-KR" altLang="en-US" dirty="0">
+                <a:solidFill>
+                  <a:schemeClr val="bg1"/>
+                </a:solidFill>
+              </a:endParaRPr>
+            </a:p>
+          </p:txBody>
+        </p:sp>
+        <p:sp>
+          <p:nvSpPr>
+            <p:cNvPr id="12" name="TextBox 11"/>
+            <p:cNvSpPr txBox="1"/>
+            <p:nvPr/>
+          </p:nvSpPr>
+          <p:spPr>
+            <a:xfrm>
+              <a:off x="7772400" y="1722120"/>
+              <a:ext cx="2491740" cy="2395886"/>
+            </a:xfrm>
+            <a:prstGeom prst="rect">
+              <a:avLst/>
+            </a:prstGeom>
+            <a:noFill/>
+          </p:spPr>
+          <p:txBody>
+            <a:bodyPr wrap="square" rtlCol="0">
+              <a:spAutoFit/>
+            </a:bodyPr>
+            <a:lstStyle/>
+            <a:p>
+              <a:pPr marL="285750" indent="-285750">
+                <a:lnSpc>
+                  <a:spcPct val="150000"/>
+                </a:lnSpc>
+                <a:buFont typeface="Arial" charset="0"/>
+                <a:buChar char="•"/>
+              </a:pPr>
+              <a:r>
+                <a:rPr kumimoji="1" lang="en-US" altLang="ko-KR" sz="1600" dirty="0" smtClean="0"/>
+                <a:t>Data</a:t>
+              </a:r>
+              <a:r>
+                <a:rPr kumimoji="1" lang="ko-KR" altLang="en-US" sz="1600" dirty="0" smtClean="0"/>
+                <a:t> 사이 통일된 </a:t>
+              </a:r>
+              <a:r>
+                <a:rPr kumimoji="1" lang="en-US" altLang="ko-KR" sz="1600" dirty="0"/>
+                <a:t>v</a:t>
+              </a:r>
+              <a:r>
+                <a:rPr kumimoji="1" lang="en-US" altLang="ko-KR" sz="1600" dirty="0" smtClean="0"/>
+                <a:t>alue</a:t>
+              </a:r>
+              <a:r>
+                <a:rPr kumimoji="1" lang="ko-KR" altLang="en-US" sz="1600" dirty="0" smtClean="0"/>
+                <a:t> 값의  크기</a:t>
+              </a:r>
+              <a:endParaRPr kumimoji="1" lang="en-US" altLang="ko-KR" sz="1600" dirty="0" smtClean="0"/>
+            </a:p>
+            <a:p>
+              <a:pPr marL="285750" indent="-285750">
+                <a:lnSpc>
+                  <a:spcPct val="150000"/>
+                </a:lnSpc>
+                <a:buFont typeface="Arial" charset="0"/>
+                <a:buChar char="•"/>
+              </a:pPr>
+              <a:r>
+                <a:rPr kumimoji="1" lang="ko-KR" altLang="en-US" sz="1600" dirty="0" smtClean="0"/>
+                <a:t>일정한 </a:t>
+              </a:r>
+              <a:r>
+                <a:rPr kumimoji="1" lang="en-US" altLang="ko-KR" sz="1600" dirty="0" smtClean="0"/>
+                <a:t>time_stamp</a:t>
+              </a:r>
+              <a:r>
+                <a:rPr kumimoji="1" lang="ko-KR" altLang="en-US" sz="1600" dirty="0" smtClean="0"/>
+                <a:t> 간격</a:t>
+              </a:r>
+              <a:endParaRPr kumimoji="1" lang="ko-KR" altLang="en-US" sz="1600" dirty="0"/>
+            </a:p>
+          </p:txBody>
+        </p:sp>
+      </p:grpSp>
+      <p:sp>
+        <p:nvSpPr>
+          <p:cNvPr id="13" name="오른쪽 화살표[R] 12"/>
+          <p:cNvSpPr/>
+          <p:nvPr/>
+        </p:nvSpPr>
+        <p:spPr>
+          <a:xfrm>
+            <a:off x="7945366" y="2608245"/>
+            <a:ext cx="1927381" cy="2154152"/>
+          </a:xfrm>
+          <a:prstGeom prst="rightArrow">
+            <a:avLst/>
+          </a:prstGeom>
+        </p:spPr>
+        <p:style>
+          <a:lnRef idx="2">
+            <a:schemeClr val="accent1">
+              <a:shade val="50000"/>
+            </a:schemeClr>
+          </a:lnRef>
+          <a:fillRef idx="1">
+            <a:schemeClr val="accent1"/>
+          </a:fillRef>
+          <a:effectRef idx="0">
+            <a:schemeClr val="accent1"/>
+          </a:effectRef>
+          <a:fontRef idx="minor">
+            <a:schemeClr val="lt1"/>
+          </a:fontRef>
+        </p:style>
+        <p:txBody>
+          <a:bodyPr rtlCol="0" anchor="ctr"/>
+          <a:lstStyle/>
+          <a:p>
+            <a:pPr algn="ctr"/>
+            <a:r>
+              <a:rPr kumimoji="1" lang="en-US" altLang="ko-KR" dirty="0" smtClean="0"/>
+              <a:t>FileIO.Save.binary_file( )</a:t>
+            </a:r>
+            <a:endParaRPr kumimoji="1" lang="ko-KR" altLang="en-US" dirty="0"/>
+          </a:p>
+        </p:txBody>
+      </p:sp>
+      <p:sp>
+        <p:nvSpPr>
+          <p:cNvPr id="14" name="원통[C] 13"/>
+          <p:cNvSpPr/>
+          <p:nvPr/>
+        </p:nvSpPr>
+        <p:spPr>
+          <a:xfrm>
+            <a:off x="10049869" y="2417617"/>
+            <a:ext cx="1817935" cy="2670707"/>
+          </a:xfrm>
+          <a:prstGeom prst="can">
+            <a:avLst/>
+          </a:prstGeom>
+        </p:spPr>
+        <p:style>
+          <a:lnRef idx="2">
+            <a:schemeClr val="accent1">
+              <a:shade val="50000"/>
+            </a:schemeClr>
+          </a:lnRef>
+          <a:fillRef idx="1">
+            <a:schemeClr val="accent1"/>
+          </a:fillRef>
+          <a:effectRef idx="0">
+            <a:schemeClr val="accent1"/>
+          </a:effectRef>
+          <a:fontRef idx="minor">
+            <a:schemeClr val="lt1"/>
+          </a:fontRef>
+        </p:style>
+        <p:txBody>
+          <a:bodyPr rtlCol="0" anchor="ctr"/>
+          <a:lstStyle/>
+          <a:p>
+            <a:pPr algn="ctr"/>
+            <a:r>
+              <a:rPr kumimoji="1" lang="en-US" altLang="ko-KR" dirty="0" smtClean="0"/>
+              <a:t>Preprocessed</a:t>
+            </a:r>
+          </a:p>
+          <a:p>
+            <a:pPr algn="ctr"/>
+            <a:r>
+              <a:rPr kumimoji="1" lang="en-US" altLang="ko-KR" dirty="0" smtClean="0"/>
+              <a:t>File</a:t>
+            </a:r>
+          </a:p>
+          <a:p>
+            <a:pPr algn="ctr"/>
+            <a:r>
+              <a:rPr kumimoji="1" lang="en-US" altLang="ko-KR" dirty="0" smtClean="0"/>
+              <a:t>Repository</a:t>
+            </a:r>
+            <a:endParaRPr kumimoji="1" lang="ko-KR" altLang="en-US" dirty="0"/>
+          </a:p>
+        </p:txBody>
+      </p:sp>
     </p:spTree>
     <p:extLst>
       <p:ext uri="{BB962C8B-B14F-4D97-AF65-F5344CB8AC3E}">

--- a/docs/images/프레젠테이션1.pptx
+++ b/docs/images/프레젠테이션1.pptx
@@ -202,7 +202,7 @@
           <a:p>
             <a:fld id="{46E96B16-1736-0A4B-80C0-B32AE675D24C}" type="datetimeFigureOut">
               <a:rPr kumimoji="1" lang="ko-KR" altLang="en-US" smtClean="0"/>
-              <a:t>2016. 5. 19.</a:t>
+              <a:t>2016. 5. 22.</a:t>
             </a:fld>
             <a:endParaRPr kumimoji="1" lang="ko-KR" altLang="en-US"/>
           </a:p>
@@ -685,7 +685,7 @@
           <a:p>
             <a:fld id="{BE38C7F6-E1CD-8640-9DB6-01E1AEA2332D}" type="datetimeFigureOut">
               <a:rPr kumimoji="1" lang="ko-KR" altLang="en-US" smtClean="0"/>
-              <a:t>2016. 5. 19.</a:t>
+              <a:t>2016. 5. 22.</a:t>
             </a:fld>
             <a:endParaRPr kumimoji="1" lang="ko-KR" altLang="en-US"/>
           </a:p>
@@ -855,7 +855,7 @@
           <a:p>
             <a:fld id="{BE38C7F6-E1CD-8640-9DB6-01E1AEA2332D}" type="datetimeFigureOut">
               <a:rPr kumimoji="1" lang="ko-KR" altLang="en-US" smtClean="0"/>
-              <a:t>2016. 5. 19.</a:t>
+              <a:t>2016. 5. 22.</a:t>
             </a:fld>
             <a:endParaRPr kumimoji="1" lang="ko-KR" altLang="en-US"/>
           </a:p>
@@ -1035,7 +1035,7 @@
           <a:p>
             <a:fld id="{BE38C7F6-E1CD-8640-9DB6-01E1AEA2332D}" type="datetimeFigureOut">
               <a:rPr kumimoji="1" lang="ko-KR" altLang="en-US" smtClean="0"/>
-              <a:t>2016. 5. 19.</a:t>
+              <a:t>2016. 5. 22.</a:t>
             </a:fld>
             <a:endParaRPr kumimoji="1" lang="ko-KR" altLang="en-US"/>
           </a:p>
@@ -1205,7 +1205,7 @@
           <a:p>
             <a:fld id="{BE38C7F6-E1CD-8640-9DB6-01E1AEA2332D}" type="datetimeFigureOut">
               <a:rPr kumimoji="1" lang="ko-KR" altLang="en-US" smtClean="0"/>
-              <a:t>2016. 5. 19.</a:t>
+              <a:t>2016. 5. 22.</a:t>
             </a:fld>
             <a:endParaRPr kumimoji="1" lang="ko-KR" altLang="en-US"/>
           </a:p>
@@ -1451,7 +1451,7 @@
           <a:p>
             <a:fld id="{BE38C7F6-E1CD-8640-9DB6-01E1AEA2332D}" type="datetimeFigureOut">
               <a:rPr kumimoji="1" lang="ko-KR" altLang="en-US" smtClean="0"/>
-              <a:t>2016. 5. 19.</a:t>
+              <a:t>2016. 5. 22.</a:t>
             </a:fld>
             <a:endParaRPr kumimoji="1" lang="ko-KR" altLang="en-US"/>
           </a:p>
@@ -1683,7 +1683,7 @@
           <a:p>
             <a:fld id="{BE38C7F6-E1CD-8640-9DB6-01E1AEA2332D}" type="datetimeFigureOut">
               <a:rPr kumimoji="1" lang="ko-KR" altLang="en-US" smtClean="0"/>
-              <a:t>2016. 5. 19.</a:t>
+              <a:t>2016. 5. 22.</a:t>
             </a:fld>
             <a:endParaRPr kumimoji="1" lang="ko-KR" altLang="en-US"/>
           </a:p>
@@ -2050,7 +2050,7 @@
           <a:p>
             <a:fld id="{BE38C7F6-E1CD-8640-9DB6-01E1AEA2332D}" type="datetimeFigureOut">
               <a:rPr kumimoji="1" lang="ko-KR" altLang="en-US" smtClean="0"/>
-              <a:t>2016. 5. 19.</a:t>
+              <a:t>2016. 5. 22.</a:t>
             </a:fld>
             <a:endParaRPr kumimoji="1" lang="ko-KR" altLang="en-US"/>
           </a:p>
@@ -2168,7 +2168,7 @@
           <a:p>
             <a:fld id="{BE38C7F6-E1CD-8640-9DB6-01E1AEA2332D}" type="datetimeFigureOut">
               <a:rPr kumimoji="1" lang="ko-KR" altLang="en-US" smtClean="0"/>
-              <a:t>2016. 5. 19.</a:t>
+              <a:t>2016. 5. 22.</a:t>
             </a:fld>
             <a:endParaRPr kumimoji="1" lang="ko-KR" altLang="en-US"/>
           </a:p>
@@ -2263,7 +2263,7 @@
           <a:p>
             <a:fld id="{BE38C7F6-E1CD-8640-9DB6-01E1AEA2332D}" type="datetimeFigureOut">
               <a:rPr kumimoji="1" lang="ko-KR" altLang="en-US" smtClean="0"/>
-              <a:t>2016. 5. 19.</a:t>
+              <a:t>2016. 5. 22.</a:t>
             </a:fld>
             <a:endParaRPr kumimoji="1" lang="ko-KR" altLang="en-US"/>
           </a:p>
@@ -2540,7 +2540,7 @@
           <a:p>
             <a:fld id="{BE38C7F6-E1CD-8640-9DB6-01E1AEA2332D}" type="datetimeFigureOut">
               <a:rPr kumimoji="1" lang="ko-KR" altLang="en-US" smtClean="0"/>
-              <a:t>2016. 5. 19.</a:t>
+              <a:t>2016. 5. 22.</a:t>
             </a:fld>
             <a:endParaRPr kumimoji="1" lang="ko-KR" altLang="en-US"/>
           </a:p>
@@ -2793,7 +2793,7 @@
           <a:p>
             <a:fld id="{BE38C7F6-E1CD-8640-9DB6-01E1AEA2332D}" type="datetimeFigureOut">
               <a:rPr kumimoji="1" lang="ko-KR" altLang="en-US" smtClean="0"/>
-              <a:t>2016. 5. 19.</a:t>
+              <a:t>2016. 5. 22.</a:t>
             </a:fld>
             <a:endParaRPr kumimoji="1" lang="ko-KR" altLang="en-US"/>
           </a:p>
@@ -3006,7 +3006,7 @@
           <a:p>
             <a:fld id="{BE38C7F6-E1CD-8640-9DB6-01E1AEA2332D}" type="datetimeFigureOut">
               <a:rPr kumimoji="1" lang="ko-KR" altLang="en-US" smtClean="0"/>
-              <a:t>2016. 5. 19.</a:t>
+              <a:t>2016. 5. 22.</a:t>
             </a:fld>
             <a:endParaRPr kumimoji="1" lang="ko-KR" altLang="en-US"/>
           </a:p>
@@ -8224,8 +8224,8 @@
         </p:nvSpPr>
         <p:spPr>
           <a:xfrm>
-            <a:off x="7945366" y="2608245"/>
-            <a:ext cx="1927381" cy="2154152"/>
+            <a:off x="7963476" y="2950100"/>
+            <a:ext cx="1927381" cy="1852544"/>
           </a:xfrm>
           <a:prstGeom prst="rightArrow">
             <a:avLst/>
@@ -8253,10 +8253,21 @@
           <a:p>
             <a:pPr algn="ctr"/>
             <a:r>
-              <a:rPr kumimoji="1" lang="en-US" altLang="ko-KR" dirty="0" smtClean="0"/>
-              <a:t>FileIO.Save.binary_file( )</a:t>
+              <a:rPr kumimoji="1" lang="en-US" altLang="ko-KR" sz="1200" dirty="0" smtClean="0"/>
+              <a:t>FileIO.Save.</a:t>
             </a:r>
-            <a:endParaRPr kumimoji="1" lang="ko-KR" altLang="en-US" dirty="0"/>
+          </a:p>
+          <a:p>
+            <a:pPr algn="ctr"/>
+            <a:r>
+              <a:rPr kumimoji="1" lang="en-US" altLang="ko-KR" sz="1200" dirty="0" smtClean="0"/>
+              <a:t>binary_file</a:t>
+            </a:r>
+            <a:r>
+              <a:rPr kumimoji="1" lang="en-US" altLang="ko-KR" sz="1200" dirty="0" smtClean="0"/>
+              <a:t>( )</a:t>
+            </a:r>
+            <a:endParaRPr kumimoji="1" lang="ko-KR" altLang="en-US" sz="1200" dirty="0"/>
           </a:p>
         </p:txBody>
       </p:sp>
@@ -8268,8 +8279,8 @@
         </p:nvSpPr>
         <p:spPr>
           <a:xfrm>
-            <a:off x="10049869" y="2417617"/>
-            <a:ext cx="1817935" cy="2670707"/>
+            <a:off x="10063487" y="2608246"/>
+            <a:ext cx="1704127" cy="2391050"/>
           </a:xfrm>
           <a:prstGeom prst="can">
             <a:avLst/>
@@ -8297,24 +8308,24 @@
           <a:p>
             <a:pPr algn="ctr"/>
             <a:r>
-              <a:rPr kumimoji="1" lang="en-US" altLang="ko-KR" dirty="0" smtClean="0"/>
+              <a:rPr kumimoji="1" lang="en-US" altLang="ko-KR" sz="1400" dirty="0" smtClean="0"/>
               <a:t>Preprocessed</a:t>
             </a:r>
           </a:p>
           <a:p>
             <a:pPr algn="ctr"/>
             <a:r>
-              <a:rPr kumimoji="1" lang="en-US" altLang="ko-KR" dirty="0" smtClean="0"/>
+              <a:rPr kumimoji="1" lang="en-US" altLang="ko-KR" sz="1400" dirty="0" smtClean="0"/>
               <a:t>File</a:t>
             </a:r>
           </a:p>
           <a:p>
             <a:pPr algn="ctr"/>
             <a:r>
-              <a:rPr kumimoji="1" lang="en-US" altLang="ko-KR" dirty="0" smtClean="0"/>
+              <a:rPr kumimoji="1" lang="en-US" altLang="ko-KR" sz="1400" dirty="0" smtClean="0"/>
               <a:t>Repository</a:t>
             </a:r>
-            <a:endParaRPr kumimoji="1" lang="ko-KR" altLang="en-US" dirty="0"/>
+            <a:endParaRPr kumimoji="1" lang="ko-KR" altLang="en-US" sz="1400" dirty="0"/>
           </a:p>
         </p:txBody>
       </p:sp>
@@ -8348,6 +8359,1891 @@
           <a:chExt cx="0" cy="0"/>
         </a:xfrm>
       </p:grpSpPr>
+      <p:sp>
+        <p:nvSpPr>
+          <p:cNvPr id="2" name="원통[C] 1"/>
+          <p:cNvSpPr/>
+          <p:nvPr/>
+        </p:nvSpPr>
+        <p:spPr>
+          <a:xfrm>
+            <a:off x="1749181" y="3583009"/>
+            <a:ext cx="1294174" cy="1778590"/>
+          </a:xfrm>
+          <a:prstGeom prst="can">
+            <a:avLst/>
+          </a:prstGeom>
+        </p:spPr>
+        <p:style>
+          <a:lnRef idx="2">
+            <a:schemeClr val="accent1">
+              <a:shade val="50000"/>
+            </a:schemeClr>
+          </a:lnRef>
+          <a:fillRef idx="1">
+            <a:schemeClr val="accent1"/>
+          </a:fillRef>
+          <a:effectRef idx="0">
+            <a:schemeClr val="accent1"/>
+          </a:effectRef>
+          <a:fontRef idx="minor">
+            <a:schemeClr val="lt1"/>
+          </a:fontRef>
+        </p:style>
+        <p:txBody>
+          <a:bodyPr rtlCol="0" anchor="ctr"/>
+          <a:lstStyle/>
+          <a:p>
+            <a:pPr algn="ctr"/>
+            <a:r>
+              <a:rPr kumimoji="1" lang="en-US" altLang="ko-KR" sz="1400" dirty="0" smtClean="0"/>
+              <a:t>Preprocessed</a:t>
+            </a:r>
+          </a:p>
+          <a:p>
+            <a:pPr algn="ctr"/>
+            <a:r>
+              <a:rPr kumimoji="1" lang="en-US" altLang="ko-KR" sz="1400" dirty="0" smtClean="0"/>
+              <a:t>File</a:t>
+            </a:r>
+          </a:p>
+          <a:p>
+            <a:pPr algn="ctr"/>
+            <a:r>
+              <a:rPr kumimoji="1" lang="en-US" altLang="ko-KR" sz="1400" dirty="0" smtClean="0"/>
+              <a:t>Repository</a:t>
+            </a:r>
+            <a:endParaRPr kumimoji="1" lang="ko-KR" altLang="en-US" sz="1400" dirty="0"/>
+          </a:p>
+        </p:txBody>
+      </p:sp>
+      <p:pic>
+        <p:nvPicPr>
+          <p:cNvPr id="35" name="Picture 68" descr="save"/>
+          <p:cNvPicPr>
+            <a:picLocks noChangeAspect="1" noChangeArrowheads="1"/>
+          </p:cNvPicPr>
+          <p:nvPr/>
+        </p:nvPicPr>
+        <p:blipFill>
+          <a:blip r:embed="rId2">
+            <a:extLst>
+              <a:ext uri="{28A0092B-C50C-407E-A947-70E740481C1C}">
+                <a14:useLocalDpi xmlns:a14="http://schemas.microsoft.com/office/drawing/2010/main" val="0"/>
+              </a:ext>
+            </a:extLst>
+          </a:blip>
+          <a:srcRect/>
+          <a:stretch>
+            <a:fillRect/>
+          </a:stretch>
+        </p:blipFill>
+        <p:spPr bwMode="auto">
+          <a:xfrm>
+            <a:off x="10104446" y="4074249"/>
+            <a:ext cx="722863" cy="688374"/>
+          </a:xfrm>
+          <a:prstGeom prst="rect">
+            <a:avLst/>
+          </a:prstGeom>
+          <a:noFill/>
+          <a:ln>
+            <a:noFill/>
+          </a:ln>
+          <a:extLst>
+            <a:ext uri="{909E8E84-426E-40DD-AFC4-6F175D3DCCD1}">
+              <a14:hiddenFill xmlns:a14="http://schemas.microsoft.com/office/drawing/2010/main">
+                <a:solidFill>
+                  <a:srgbClr val="FFFFFF"/>
+                </a:solidFill>
+              </a14:hiddenFill>
+            </a:ext>
+            <a:ext uri="{91240B29-F687-4F45-9708-019B960494DF}">
+              <a14:hiddenLine xmlns:a14="http://schemas.microsoft.com/office/drawing/2010/main" w="9525">
+                <a:solidFill>
+                  <a:srgbClr val="000000"/>
+                </a:solidFill>
+                <a:miter lim="800000"/>
+                <a:headEnd/>
+                <a:tailEnd/>
+              </a14:hiddenLine>
+            </a:ext>
+          </a:extLst>
+        </p:spPr>
+      </p:pic>
+      <p:sp>
+        <p:nvSpPr>
+          <p:cNvPr id="36" name="오른쪽 화살표[R] 35"/>
+          <p:cNvSpPr/>
+          <p:nvPr/>
+        </p:nvSpPr>
+        <p:spPr>
+          <a:xfrm>
+            <a:off x="3260315" y="3930190"/>
+            <a:ext cx="1407549" cy="1070514"/>
+          </a:xfrm>
+          <a:prstGeom prst="rightArrow">
+            <a:avLst/>
+          </a:prstGeom>
+        </p:spPr>
+        <p:style>
+          <a:lnRef idx="2">
+            <a:schemeClr val="accent1">
+              <a:shade val="50000"/>
+            </a:schemeClr>
+          </a:lnRef>
+          <a:fillRef idx="1">
+            <a:schemeClr val="accent1"/>
+          </a:fillRef>
+          <a:effectRef idx="0">
+            <a:schemeClr val="accent1"/>
+          </a:effectRef>
+          <a:fontRef idx="minor">
+            <a:schemeClr val="lt1"/>
+          </a:fontRef>
+        </p:style>
+        <p:txBody>
+          <a:bodyPr rtlCol="0" anchor="ctr"/>
+          <a:lstStyle/>
+          <a:p>
+            <a:pPr algn="ctr"/>
+            <a:r>
+              <a:rPr kumimoji="1" lang="en-US" altLang="ko-KR" sz="1100" dirty="0" smtClean="0"/>
+              <a:t>Similarity.</a:t>
+            </a:r>
+          </a:p>
+          <a:p>
+            <a:pPr algn="ctr"/>
+            <a:r>
+              <a:rPr kumimoji="1" lang="en-US" altLang="ko-KR" sz="1100" dirty="0" smtClean="0"/>
+              <a:t>Model.build( )</a:t>
+            </a:r>
+            <a:endParaRPr kumimoji="1" lang="ko-KR" altLang="en-US" sz="1100" dirty="0"/>
+          </a:p>
+        </p:txBody>
+      </p:sp>
+      <p:grpSp>
+        <p:nvGrpSpPr>
+          <p:cNvPr id="130" name="그룹 129"/>
+          <p:cNvGrpSpPr/>
+          <p:nvPr/>
+        </p:nvGrpSpPr>
+        <p:grpSpPr>
+          <a:xfrm>
+            <a:off x="2231437" y="1884011"/>
+            <a:ext cx="1141578" cy="1241153"/>
+            <a:chOff x="2477707" y="2492303"/>
+            <a:chExt cx="1141578" cy="1241153"/>
+          </a:xfrm>
+        </p:grpSpPr>
+        <p:grpSp>
+          <p:nvGrpSpPr>
+            <p:cNvPr id="131" name="그룹 130"/>
+            <p:cNvGrpSpPr/>
+            <p:nvPr/>
+          </p:nvGrpSpPr>
+          <p:grpSpPr>
+            <a:xfrm>
+              <a:off x="2477707" y="2492303"/>
+              <a:ext cx="1141578" cy="1241153"/>
+              <a:chOff x="1622442" y="922226"/>
+              <a:chExt cx="2812398" cy="4076494"/>
+            </a:xfrm>
+          </p:grpSpPr>
+          <p:sp>
+            <p:nvSpPr>
+              <p:cNvPr id="133" name="직사각형 132"/>
+              <p:cNvSpPr/>
+              <p:nvPr/>
+            </p:nvSpPr>
+            <p:spPr>
+              <a:xfrm>
+                <a:off x="1622442" y="922226"/>
+                <a:ext cx="2812398" cy="4076494"/>
+              </a:xfrm>
+              <a:prstGeom prst="rect">
+                <a:avLst/>
+              </a:prstGeom>
+              <a:ln/>
+            </p:spPr>
+            <p:style>
+              <a:lnRef idx="2">
+                <a:schemeClr val="accent2"/>
+              </a:lnRef>
+              <a:fillRef idx="1">
+                <a:schemeClr val="lt1"/>
+              </a:fillRef>
+              <a:effectRef idx="0">
+                <a:schemeClr val="accent2"/>
+              </a:effectRef>
+              <a:fontRef idx="minor">
+                <a:schemeClr val="dk1"/>
+              </a:fontRef>
+            </p:style>
+            <p:txBody>
+              <a:bodyPr rtlCol="0" anchor="ctr"/>
+              <a:lstStyle/>
+              <a:p>
+                <a:pPr algn="ctr"/>
+                <a:endParaRPr kumimoji="1" lang="ko-KR" altLang="en-US"/>
+              </a:p>
+            </p:txBody>
+          </p:sp>
+          <p:sp>
+            <p:nvSpPr>
+              <p:cNvPr id="134" name="직사각형 133"/>
+              <p:cNvSpPr/>
+              <p:nvPr/>
+            </p:nvSpPr>
+            <p:spPr>
+              <a:xfrm>
+                <a:off x="1622442" y="922226"/>
+                <a:ext cx="2812398" cy="651541"/>
+              </a:xfrm>
+              <a:prstGeom prst="rect">
+                <a:avLst/>
+              </a:prstGeom>
+            </p:spPr>
+            <p:style>
+              <a:lnRef idx="2">
+                <a:schemeClr val="accent2">
+                  <a:shade val="50000"/>
+                </a:schemeClr>
+              </a:lnRef>
+              <a:fillRef idx="1">
+                <a:schemeClr val="accent2"/>
+              </a:fillRef>
+              <a:effectRef idx="0">
+                <a:schemeClr val="accent2"/>
+              </a:effectRef>
+              <a:fontRef idx="minor">
+                <a:schemeClr val="lt1"/>
+              </a:fontRef>
+            </p:style>
+            <p:txBody>
+              <a:bodyPr rtlCol="0" anchor="ctr"/>
+              <a:lstStyle/>
+              <a:p>
+                <a:pPr algn="ctr"/>
+                <a:r>
+                  <a:rPr kumimoji="1" lang="en-US" altLang="ko-KR" sz="1100" dirty="0" smtClean="0">
+                    <a:solidFill>
+                      <a:schemeClr val="bg1"/>
+                    </a:solidFill>
+                  </a:rPr>
+                  <a:t>New data</a:t>
+                </a:r>
+                <a:endParaRPr kumimoji="1" lang="ko-KR" altLang="en-US" sz="1100" dirty="0">
+                  <a:solidFill>
+                    <a:schemeClr val="bg1"/>
+                  </a:solidFill>
+                </a:endParaRPr>
+              </a:p>
+            </p:txBody>
+          </p:sp>
+        </p:grpSp>
+        <p:pic>
+          <p:nvPicPr>
+            <p:cNvPr id="132" name="Picture 34" descr="cl_st_00036"/>
+            <p:cNvPicPr>
+              <a:picLocks noChangeAspect="1" noChangeArrowheads="1"/>
+            </p:cNvPicPr>
+            <p:nvPr/>
+          </p:nvPicPr>
+          <p:blipFill>
+            <a:blip r:embed="rId3">
+              <a:extLst>
+                <a:ext uri="{28A0092B-C50C-407E-A947-70E740481C1C}">
+                  <a14:useLocalDpi xmlns:a14="http://schemas.microsoft.com/office/drawing/2010/main" val="0"/>
+                </a:ext>
+              </a:extLst>
+            </a:blip>
+            <a:srcRect/>
+            <a:stretch>
+              <a:fillRect/>
+            </a:stretch>
+          </p:blipFill>
+          <p:spPr bwMode="auto">
+            <a:xfrm>
+              <a:off x="2754194" y="2841312"/>
+              <a:ext cx="658605" cy="741506"/>
+            </a:xfrm>
+            <a:prstGeom prst="rect">
+              <a:avLst/>
+            </a:prstGeom>
+            <a:noFill/>
+            <a:ln>
+              <a:noFill/>
+            </a:ln>
+            <a:extLst>
+              <a:ext uri="{909E8E84-426E-40DD-AFC4-6F175D3DCCD1}">
+                <a14:hiddenFill xmlns:a14="http://schemas.microsoft.com/office/drawing/2010/main">
+                  <a:solidFill>
+                    <a:srgbClr val="FFFFFF"/>
+                  </a:solidFill>
+                </a14:hiddenFill>
+              </a:ext>
+              <a:ext uri="{91240B29-F687-4F45-9708-019B960494DF}">
+                <a14:hiddenLine xmlns:a14="http://schemas.microsoft.com/office/drawing/2010/main" w="9525">
+                  <a:solidFill>
+                    <a:srgbClr val="000000"/>
+                  </a:solidFill>
+                  <a:miter lim="800000"/>
+                  <a:headEnd/>
+                  <a:tailEnd/>
+                </a14:hiddenLine>
+              </a:ext>
+            </a:extLst>
+          </p:spPr>
+        </p:pic>
+      </p:grpSp>
+      <p:grpSp>
+        <p:nvGrpSpPr>
+          <p:cNvPr id="140" name="그룹 139"/>
+          <p:cNvGrpSpPr/>
+          <p:nvPr/>
+        </p:nvGrpSpPr>
+        <p:grpSpPr>
+          <a:xfrm>
+            <a:off x="4887758" y="1335574"/>
+            <a:ext cx="3662336" cy="3660538"/>
+            <a:chOff x="4866899" y="1759000"/>
+            <a:chExt cx="3662336" cy="3660538"/>
+          </a:xfrm>
+        </p:grpSpPr>
+        <p:grpSp>
+          <p:nvGrpSpPr>
+            <p:cNvPr id="141" name="그룹 140"/>
+            <p:cNvGrpSpPr/>
+            <p:nvPr/>
+          </p:nvGrpSpPr>
+          <p:grpSpPr>
+            <a:xfrm>
+              <a:off x="4866899" y="1759000"/>
+              <a:ext cx="3662336" cy="3660538"/>
+              <a:chOff x="4866899" y="1759000"/>
+              <a:chExt cx="3662336" cy="3660538"/>
+            </a:xfrm>
+          </p:grpSpPr>
+          <p:grpSp>
+            <p:nvGrpSpPr>
+              <p:cNvPr id="146" name="그룹 145"/>
+              <p:cNvGrpSpPr/>
+              <p:nvPr/>
+            </p:nvGrpSpPr>
+            <p:grpSpPr>
+              <a:xfrm>
+                <a:off x="4866899" y="1759000"/>
+                <a:ext cx="3662336" cy="3660538"/>
+                <a:chOff x="1622442" y="922226"/>
+                <a:chExt cx="2812398" cy="4076494"/>
+              </a:xfrm>
+            </p:grpSpPr>
+            <p:sp>
+              <p:nvSpPr>
+                <p:cNvPr id="175" name="직사각형 174"/>
+                <p:cNvSpPr/>
+                <p:nvPr/>
+              </p:nvSpPr>
+              <p:spPr>
+                <a:xfrm>
+                  <a:off x="1622442" y="922226"/>
+                  <a:ext cx="2812398" cy="4076494"/>
+                </a:xfrm>
+                <a:prstGeom prst="rect">
+                  <a:avLst/>
+                </a:prstGeom>
+                <a:ln w="38100">
+                  <a:solidFill>
+                    <a:schemeClr val="accent1"/>
+                  </a:solidFill>
+                </a:ln>
+              </p:spPr>
+              <p:style>
+                <a:lnRef idx="2">
+                  <a:schemeClr val="accent1"/>
+                </a:lnRef>
+                <a:fillRef idx="1">
+                  <a:schemeClr val="lt1"/>
+                </a:fillRef>
+                <a:effectRef idx="0">
+                  <a:schemeClr val="accent1"/>
+                </a:effectRef>
+                <a:fontRef idx="minor">
+                  <a:schemeClr val="dk1"/>
+                </a:fontRef>
+              </p:style>
+              <p:txBody>
+                <a:bodyPr rtlCol="0" anchor="ctr"/>
+                <a:lstStyle/>
+                <a:p>
+                  <a:pPr algn="ctr"/>
+                  <a:endParaRPr kumimoji="1" lang="ko-KR" altLang="en-US"/>
+                </a:p>
+              </p:txBody>
+            </p:sp>
+            <p:sp>
+              <p:nvSpPr>
+                <p:cNvPr id="176" name="직사각형 175"/>
+                <p:cNvSpPr/>
+                <p:nvPr/>
+              </p:nvSpPr>
+              <p:spPr>
+                <a:xfrm>
+                  <a:off x="1622442" y="922226"/>
+                  <a:ext cx="2812398" cy="566019"/>
+                </a:xfrm>
+                <a:prstGeom prst="rect">
+                  <a:avLst/>
+                </a:prstGeom>
+              </p:spPr>
+              <p:style>
+                <a:lnRef idx="2">
+                  <a:schemeClr val="accent1">
+                    <a:shade val="50000"/>
+                  </a:schemeClr>
+                </a:lnRef>
+                <a:fillRef idx="1">
+                  <a:schemeClr val="accent1"/>
+                </a:fillRef>
+                <a:effectRef idx="0">
+                  <a:schemeClr val="accent1"/>
+                </a:effectRef>
+                <a:fontRef idx="minor">
+                  <a:schemeClr val="lt1"/>
+                </a:fontRef>
+              </p:style>
+              <p:txBody>
+                <a:bodyPr rtlCol="0" anchor="ctr"/>
+                <a:lstStyle/>
+                <a:p>
+                  <a:pPr algn="ctr"/>
+                  <a:r>
+                    <a:rPr kumimoji="1" lang="en-US" altLang="ko-KR" dirty="0" smtClean="0">
+                      <a:solidFill>
+                        <a:schemeClr val="bg1"/>
+                      </a:solidFill>
+                    </a:rPr>
+                    <a:t>Similarity Model</a:t>
+                  </a:r>
+                  <a:endParaRPr kumimoji="1" lang="ko-KR" altLang="en-US" dirty="0">
+                    <a:solidFill>
+                      <a:schemeClr val="bg1"/>
+                    </a:solidFill>
+                  </a:endParaRPr>
+                </a:p>
+              </p:txBody>
+            </p:sp>
+          </p:grpSp>
+          <p:grpSp>
+            <p:nvGrpSpPr>
+              <p:cNvPr id="147" name="그룹 146"/>
+              <p:cNvGrpSpPr/>
+              <p:nvPr/>
+            </p:nvGrpSpPr>
+            <p:grpSpPr>
+              <a:xfrm>
+                <a:off x="5347172" y="2510580"/>
+                <a:ext cx="2684221" cy="2632849"/>
+                <a:chOff x="6317843" y="1055078"/>
+                <a:chExt cx="4699504" cy="4784918"/>
+              </a:xfrm>
+            </p:grpSpPr>
+            <p:sp>
+              <p:nvSpPr>
+                <p:cNvPr id="148" name="타원 147"/>
+                <p:cNvSpPr/>
+                <p:nvPr/>
+              </p:nvSpPr>
+              <p:spPr>
+                <a:xfrm>
+                  <a:off x="7258930" y="1392702"/>
+                  <a:ext cx="450166" cy="450166"/>
+                </a:xfrm>
+                <a:prstGeom prst="ellipse">
+                  <a:avLst/>
+                </a:prstGeom>
+              </p:spPr>
+              <p:style>
+                <a:lnRef idx="2">
+                  <a:schemeClr val="accent1">
+                    <a:shade val="50000"/>
+                  </a:schemeClr>
+                </a:lnRef>
+                <a:fillRef idx="1">
+                  <a:schemeClr val="accent1"/>
+                </a:fillRef>
+                <a:effectRef idx="0">
+                  <a:schemeClr val="accent1"/>
+                </a:effectRef>
+                <a:fontRef idx="minor">
+                  <a:schemeClr val="lt1"/>
+                </a:fontRef>
+              </p:style>
+              <p:txBody>
+                <a:bodyPr rtlCol="0" anchor="ctr"/>
+                <a:lstStyle/>
+                <a:p>
+                  <a:pPr algn="ctr"/>
+                  <a:endParaRPr kumimoji="1" lang="ko-KR" altLang="en-US"/>
+                </a:p>
+              </p:txBody>
+            </p:sp>
+            <p:sp>
+              <p:nvSpPr>
+                <p:cNvPr id="149" name="타원 148"/>
+                <p:cNvSpPr/>
+                <p:nvPr/>
+              </p:nvSpPr>
+              <p:spPr>
+                <a:xfrm>
+                  <a:off x="9408942" y="1784571"/>
+                  <a:ext cx="450166" cy="450166"/>
+                </a:xfrm>
+                <a:prstGeom prst="ellipse">
+                  <a:avLst/>
+                </a:prstGeom>
+              </p:spPr>
+              <p:style>
+                <a:lnRef idx="2">
+                  <a:schemeClr val="accent1">
+                    <a:shade val="50000"/>
+                  </a:schemeClr>
+                </a:lnRef>
+                <a:fillRef idx="1">
+                  <a:schemeClr val="accent1"/>
+                </a:fillRef>
+                <a:effectRef idx="0">
+                  <a:schemeClr val="accent1"/>
+                </a:effectRef>
+                <a:fontRef idx="minor">
+                  <a:schemeClr val="lt1"/>
+                </a:fontRef>
+              </p:style>
+              <p:txBody>
+                <a:bodyPr rtlCol="0" anchor="ctr"/>
+                <a:lstStyle/>
+                <a:p>
+                  <a:pPr algn="ctr"/>
+                  <a:endParaRPr kumimoji="1" lang="ko-KR" altLang="en-US"/>
+                </a:p>
+              </p:txBody>
+            </p:sp>
+            <p:cxnSp>
+              <p:nvCxnSpPr>
+                <p:cNvPr id="150" name="직선 연결선[R] 149"/>
+                <p:cNvCxnSpPr>
+                  <a:stCxn id="175" idx="6"/>
+                  <a:endCxn id="176" idx="2"/>
+                </p:cNvCxnSpPr>
+                <p:nvPr/>
+              </p:nvCxnSpPr>
+              <p:spPr>
+                <a:xfrm>
+                  <a:off x="7709096" y="1617785"/>
+                  <a:ext cx="1699846" cy="391869"/>
+                </a:xfrm>
+                <a:prstGeom prst="line">
+                  <a:avLst/>
+                </a:prstGeom>
+              </p:spPr>
+              <p:style>
+                <a:lnRef idx="1">
+                  <a:schemeClr val="accent1"/>
+                </a:lnRef>
+                <a:fillRef idx="0">
+                  <a:schemeClr val="accent1"/>
+                </a:fillRef>
+                <a:effectRef idx="0">
+                  <a:schemeClr val="accent1"/>
+                </a:effectRef>
+                <a:fontRef idx="minor">
+                  <a:schemeClr val="tx1"/>
+                </a:fontRef>
+              </p:style>
+            </p:cxnSp>
+            <p:sp>
+              <p:nvSpPr>
+                <p:cNvPr id="151" name="타원 150"/>
+                <p:cNvSpPr/>
+                <p:nvPr/>
+              </p:nvSpPr>
+              <p:spPr>
+                <a:xfrm>
+                  <a:off x="8025620" y="2122195"/>
+                  <a:ext cx="450166" cy="450166"/>
+                </a:xfrm>
+                <a:prstGeom prst="ellipse">
+                  <a:avLst/>
+                </a:prstGeom>
+              </p:spPr>
+              <p:style>
+                <a:lnRef idx="2">
+                  <a:schemeClr val="accent1">
+                    <a:shade val="50000"/>
+                  </a:schemeClr>
+                </a:lnRef>
+                <a:fillRef idx="1">
+                  <a:schemeClr val="accent1"/>
+                </a:fillRef>
+                <a:effectRef idx="0">
+                  <a:schemeClr val="accent1"/>
+                </a:effectRef>
+                <a:fontRef idx="minor">
+                  <a:schemeClr val="lt1"/>
+                </a:fontRef>
+              </p:style>
+              <p:txBody>
+                <a:bodyPr rtlCol="0" anchor="ctr"/>
+                <a:lstStyle/>
+                <a:p>
+                  <a:pPr algn="ctr"/>
+                  <a:endParaRPr kumimoji="1" lang="ko-KR" altLang="en-US"/>
+                </a:p>
+              </p:txBody>
+            </p:sp>
+            <p:sp>
+              <p:nvSpPr>
+                <p:cNvPr id="152" name="타원 151"/>
+                <p:cNvSpPr/>
+                <p:nvPr/>
+              </p:nvSpPr>
+              <p:spPr>
+                <a:xfrm>
+                  <a:off x="8188401" y="3933103"/>
+                  <a:ext cx="450166" cy="450166"/>
+                </a:xfrm>
+                <a:prstGeom prst="ellipse">
+                  <a:avLst/>
+                </a:prstGeom>
+              </p:spPr>
+              <p:style>
+                <a:lnRef idx="2">
+                  <a:schemeClr val="accent1">
+                    <a:shade val="50000"/>
+                  </a:schemeClr>
+                </a:lnRef>
+                <a:fillRef idx="1">
+                  <a:schemeClr val="accent1"/>
+                </a:fillRef>
+                <a:effectRef idx="0">
+                  <a:schemeClr val="accent1"/>
+                </a:effectRef>
+                <a:fontRef idx="minor">
+                  <a:schemeClr val="lt1"/>
+                </a:fontRef>
+              </p:style>
+              <p:txBody>
+                <a:bodyPr rtlCol="0" anchor="ctr"/>
+                <a:lstStyle/>
+                <a:p>
+                  <a:pPr algn="ctr"/>
+                  <a:endParaRPr kumimoji="1" lang="ko-KR" altLang="en-US"/>
+                </a:p>
+              </p:txBody>
+            </p:sp>
+            <p:sp>
+              <p:nvSpPr>
+                <p:cNvPr id="153" name="타원 152"/>
+                <p:cNvSpPr/>
+                <p:nvPr/>
+              </p:nvSpPr>
+              <p:spPr>
+                <a:xfrm>
+                  <a:off x="6317843" y="4129440"/>
+                  <a:ext cx="450166" cy="450166"/>
+                </a:xfrm>
+                <a:prstGeom prst="ellipse">
+                  <a:avLst/>
+                </a:prstGeom>
+              </p:spPr>
+              <p:style>
+                <a:lnRef idx="2">
+                  <a:schemeClr val="accent1">
+                    <a:shade val="50000"/>
+                  </a:schemeClr>
+                </a:lnRef>
+                <a:fillRef idx="1">
+                  <a:schemeClr val="accent1"/>
+                </a:fillRef>
+                <a:effectRef idx="0">
+                  <a:schemeClr val="accent1"/>
+                </a:effectRef>
+                <a:fontRef idx="minor">
+                  <a:schemeClr val="lt1"/>
+                </a:fontRef>
+              </p:style>
+              <p:txBody>
+                <a:bodyPr rtlCol="0" anchor="ctr"/>
+                <a:lstStyle/>
+                <a:p>
+                  <a:pPr algn="ctr"/>
+                  <a:endParaRPr kumimoji="1" lang="ko-KR" altLang="en-US"/>
+                </a:p>
+              </p:txBody>
+            </p:sp>
+            <p:sp>
+              <p:nvSpPr>
+                <p:cNvPr id="154" name="타원 153"/>
+                <p:cNvSpPr/>
+                <p:nvPr/>
+              </p:nvSpPr>
+              <p:spPr>
+                <a:xfrm>
+                  <a:off x="10376991" y="1245437"/>
+                  <a:ext cx="450166" cy="450166"/>
+                </a:xfrm>
+                <a:prstGeom prst="ellipse">
+                  <a:avLst/>
+                </a:prstGeom>
+              </p:spPr>
+              <p:style>
+                <a:lnRef idx="2">
+                  <a:schemeClr val="accent1">
+                    <a:shade val="50000"/>
+                  </a:schemeClr>
+                </a:lnRef>
+                <a:fillRef idx="1">
+                  <a:schemeClr val="accent1"/>
+                </a:fillRef>
+                <a:effectRef idx="0">
+                  <a:schemeClr val="accent1"/>
+                </a:effectRef>
+                <a:fontRef idx="minor">
+                  <a:schemeClr val="lt1"/>
+                </a:fontRef>
+              </p:style>
+              <p:txBody>
+                <a:bodyPr rtlCol="0" anchor="ctr"/>
+                <a:lstStyle/>
+                <a:p>
+                  <a:pPr algn="ctr"/>
+                  <a:endParaRPr kumimoji="1" lang="ko-KR" altLang="en-US"/>
+                </a:p>
+              </p:txBody>
+            </p:sp>
+            <p:sp>
+              <p:nvSpPr>
+                <p:cNvPr id="155" name="타원 154"/>
+                <p:cNvSpPr/>
+                <p:nvPr/>
+              </p:nvSpPr>
+              <p:spPr>
+                <a:xfrm>
+                  <a:off x="9568377" y="3570090"/>
+                  <a:ext cx="450166" cy="450166"/>
+                </a:xfrm>
+                <a:prstGeom prst="ellipse">
+                  <a:avLst/>
+                </a:prstGeom>
+              </p:spPr>
+              <p:style>
+                <a:lnRef idx="2">
+                  <a:schemeClr val="accent1">
+                    <a:shade val="50000"/>
+                  </a:schemeClr>
+                </a:lnRef>
+                <a:fillRef idx="1">
+                  <a:schemeClr val="accent1"/>
+                </a:fillRef>
+                <a:effectRef idx="0">
+                  <a:schemeClr val="accent1"/>
+                </a:effectRef>
+                <a:fontRef idx="minor">
+                  <a:schemeClr val="lt1"/>
+                </a:fontRef>
+              </p:style>
+              <p:txBody>
+                <a:bodyPr rtlCol="0" anchor="ctr"/>
+                <a:lstStyle/>
+                <a:p>
+                  <a:pPr algn="ctr"/>
+                  <a:endParaRPr kumimoji="1" lang="ko-KR" altLang="en-US"/>
+                </a:p>
+              </p:txBody>
+            </p:sp>
+            <p:sp>
+              <p:nvSpPr>
+                <p:cNvPr id="156" name="타원 155"/>
+                <p:cNvSpPr/>
+                <p:nvPr/>
+              </p:nvSpPr>
+              <p:spPr>
+                <a:xfrm>
+                  <a:off x="10342098" y="4976843"/>
+                  <a:ext cx="450166" cy="450166"/>
+                </a:xfrm>
+                <a:prstGeom prst="ellipse">
+                  <a:avLst/>
+                </a:prstGeom>
+              </p:spPr>
+              <p:style>
+                <a:lnRef idx="2">
+                  <a:schemeClr val="accent1">
+                    <a:shade val="50000"/>
+                  </a:schemeClr>
+                </a:lnRef>
+                <a:fillRef idx="1">
+                  <a:schemeClr val="accent1"/>
+                </a:fillRef>
+                <a:effectRef idx="0">
+                  <a:schemeClr val="accent1"/>
+                </a:effectRef>
+                <a:fontRef idx="minor">
+                  <a:schemeClr val="lt1"/>
+                </a:fontRef>
+              </p:style>
+              <p:txBody>
+                <a:bodyPr rtlCol="0" anchor="ctr"/>
+                <a:lstStyle/>
+                <a:p>
+                  <a:pPr algn="ctr"/>
+                  <a:endParaRPr kumimoji="1" lang="ko-KR" altLang="en-US"/>
+                </a:p>
+              </p:txBody>
+            </p:sp>
+            <p:sp>
+              <p:nvSpPr>
+                <p:cNvPr id="157" name="타원 156"/>
+                <p:cNvSpPr/>
+                <p:nvPr/>
+              </p:nvSpPr>
+              <p:spPr>
+                <a:xfrm>
+                  <a:off x="10567181" y="2572361"/>
+                  <a:ext cx="450166" cy="450166"/>
+                </a:xfrm>
+                <a:prstGeom prst="ellipse">
+                  <a:avLst/>
+                </a:prstGeom>
+              </p:spPr>
+              <p:style>
+                <a:lnRef idx="2">
+                  <a:schemeClr val="accent1">
+                    <a:shade val="50000"/>
+                  </a:schemeClr>
+                </a:lnRef>
+                <a:fillRef idx="1">
+                  <a:schemeClr val="accent1"/>
+                </a:fillRef>
+                <a:effectRef idx="0">
+                  <a:schemeClr val="accent1"/>
+                </a:effectRef>
+                <a:fontRef idx="minor">
+                  <a:schemeClr val="lt1"/>
+                </a:fontRef>
+              </p:style>
+              <p:txBody>
+                <a:bodyPr rtlCol="0" anchor="ctr"/>
+                <a:lstStyle/>
+                <a:p>
+                  <a:pPr algn="ctr"/>
+                  <a:endParaRPr kumimoji="1" lang="ko-KR" altLang="en-US"/>
+                </a:p>
+              </p:txBody>
+            </p:sp>
+            <p:sp>
+              <p:nvSpPr>
+                <p:cNvPr id="158" name="타원 157"/>
+                <p:cNvSpPr/>
+                <p:nvPr/>
+              </p:nvSpPr>
+              <p:spPr>
+                <a:xfrm>
+                  <a:off x="7146388" y="5201926"/>
+                  <a:ext cx="450166" cy="450166"/>
+                </a:xfrm>
+                <a:prstGeom prst="ellipse">
+                  <a:avLst/>
+                </a:prstGeom>
+              </p:spPr>
+              <p:style>
+                <a:lnRef idx="2">
+                  <a:schemeClr val="accent1">
+                    <a:shade val="50000"/>
+                  </a:schemeClr>
+                </a:lnRef>
+                <a:fillRef idx="1">
+                  <a:schemeClr val="accent1"/>
+                </a:fillRef>
+                <a:effectRef idx="0">
+                  <a:schemeClr val="accent1"/>
+                </a:effectRef>
+                <a:fontRef idx="minor">
+                  <a:schemeClr val="lt1"/>
+                </a:fontRef>
+              </p:style>
+              <p:txBody>
+                <a:bodyPr rtlCol="0" anchor="ctr"/>
+                <a:lstStyle/>
+                <a:p>
+                  <a:pPr algn="ctr"/>
+                  <a:endParaRPr kumimoji="1" lang="ko-KR" altLang="en-US"/>
+                </a:p>
+              </p:txBody>
+            </p:sp>
+            <p:sp>
+              <p:nvSpPr>
+                <p:cNvPr id="159" name="타원 158"/>
+                <p:cNvSpPr/>
+                <p:nvPr/>
+              </p:nvSpPr>
+              <p:spPr>
+                <a:xfrm>
+                  <a:off x="8451168" y="5389830"/>
+                  <a:ext cx="450166" cy="450166"/>
+                </a:xfrm>
+                <a:prstGeom prst="ellipse">
+                  <a:avLst/>
+                </a:prstGeom>
+              </p:spPr>
+              <p:style>
+                <a:lnRef idx="2">
+                  <a:schemeClr val="accent1">
+                    <a:shade val="50000"/>
+                  </a:schemeClr>
+                </a:lnRef>
+                <a:fillRef idx="1">
+                  <a:schemeClr val="accent1"/>
+                </a:fillRef>
+                <a:effectRef idx="0">
+                  <a:schemeClr val="accent1"/>
+                </a:effectRef>
+                <a:fontRef idx="minor">
+                  <a:schemeClr val="lt1"/>
+                </a:fontRef>
+              </p:style>
+              <p:txBody>
+                <a:bodyPr rtlCol="0" anchor="ctr"/>
+                <a:lstStyle/>
+                <a:p>
+                  <a:pPr algn="ctr"/>
+                  <a:endParaRPr kumimoji="1" lang="ko-KR" altLang="en-US"/>
+                </a:p>
+              </p:txBody>
+            </p:sp>
+            <p:sp>
+              <p:nvSpPr>
+                <p:cNvPr id="160" name="타원 159"/>
+                <p:cNvSpPr/>
+                <p:nvPr/>
+              </p:nvSpPr>
+              <p:spPr>
+                <a:xfrm>
+                  <a:off x="8352693" y="1055078"/>
+                  <a:ext cx="450166" cy="450166"/>
+                </a:xfrm>
+                <a:prstGeom prst="ellipse">
+                  <a:avLst/>
+                </a:prstGeom>
+              </p:spPr>
+              <p:style>
+                <a:lnRef idx="2">
+                  <a:schemeClr val="accent1">
+                    <a:shade val="50000"/>
+                  </a:schemeClr>
+                </a:lnRef>
+                <a:fillRef idx="1">
+                  <a:schemeClr val="accent1"/>
+                </a:fillRef>
+                <a:effectRef idx="0">
+                  <a:schemeClr val="accent1"/>
+                </a:effectRef>
+                <a:fontRef idx="minor">
+                  <a:schemeClr val="lt1"/>
+                </a:fontRef>
+              </p:style>
+              <p:txBody>
+                <a:bodyPr rtlCol="0" anchor="ctr"/>
+                <a:lstStyle/>
+                <a:p>
+                  <a:pPr algn="ctr"/>
+                  <a:endParaRPr kumimoji="1" lang="ko-KR" altLang="en-US"/>
+                </a:p>
+              </p:txBody>
+            </p:sp>
+            <p:sp>
+              <p:nvSpPr>
+                <p:cNvPr id="161" name="타원 160"/>
+                <p:cNvSpPr/>
+                <p:nvPr/>
+              </p:nvSpPr>
+              <p:spPr>
+                <a:xfrm>
+                  <a:off x="7033847" y="2903271"/>
+                  <a:ext cx="450166" cy="450166"/>
+                </a:xfrm>
+                <a:prstGeom prst="ellipse">
+                  <a:avLst/>
+                </a:prstGeom>
+              </p:spPr>
+              <p:style>
+                <a:lnRef idx="2">
+                  <a:schemeClr val="accent1">
+                    <a:shade val="50000"/>
+                  </a:schemeClr>
+                </a:lnRef>
+                <a:fillRef idx="1">
+                  <a:schemeClr val="accent1"/>
+                </a:fillRef>
+                <a:effectRef idx="0">
+                  <a:schemeClr val="accent1"/>
+                </a:effectRef>
+                <a:fontRef idx="minor">
+                  <a:schemeClr val="lt1"/>
+                </a:fontRef>
+              </p:style>
+              <p:txBody>
+                <a:bodyPr rtlCol="0" anchor="ctr"/>
+                <a:lstStyle/>
+                <a:p>
+                  <a:pPr algn="ctr"/>
+                  <a:endParaRPr kumimoji="1" lang="ko-KR" altLang="en-US"/>
+                </a:p>
+              </p:txBody>
+            </p:sp>
+            <p:cxnSp>
+              <p:nvCxnSpPr>
+                <p:cNvPr id="162" name="직선 연결선[R] 161"/>
+                <p:cNvCxnSpPr>
+                  <a:stCxn id="175" idx="5"/>
+                </p:cNvCxnSpPr>
+                <p:nvPr/>
+              </p:nvCxnSpPr>
+              <p:spPr>
+                <a:xfrm>
+                  <a:off x="7643171" y="1776943"/>
+                  <a:ext cx="448374" cy="411177"/>
+                </a:xfrm>
+                <a:prstGeom prst="line">
+                  <a:avLst/>
+                </a:prstGeom>
+              </p:spPr>
+              <p:style>
+                <a:lnRef idx="1">
+                  <a:schemeClr val="accent1"/>
+                </a:lnRef>
+                <a:fillRef idx="0">
+                  <a:schemeClr val="accent1"/>
+                </a:fillRef>
+                <a:effectRef idx="0">
+                  <a:schemeClr val="accent1"/>
+                </a:effectRef>
+                <a:fontRef idx="minor">
+                  <a:schemeClr val="tx1"/>
+                </a:fontRef>
+              </p:style>
+            </p:cxnSp>
+            <p:cxnSp>
+              <p:nvCxnSpPr>
+                <p:cNvPr id="163" name="직선 연결선[R] 162"/>
+                <p:cNvCxnSpPr>
+                  <a:stCxn id="175" idx="4"/>
+                </p:cNvCxnSpPr>
+                <p:nvPr/>
+              </p:nvCxnSpPr>
+              <p:spPr>
+                <a:xfrm flipH="1">
+                  <a:off x="7258930" y="1842868"/>
+                  <a:ext cx="225083" cy="1060403"/>
+                </a:xfrm>
+                <a:prstGeom prst="line">
+                  <a:avLst/>
+                </a:prstGeom>
+              </p:spPr>
+              <p:style>
+                <a:lnRef idx="1">
+                  <a:schemeClr val="accent1"/>
+                </a:lnRef>
+                <a:fillRef idx="0">
+                  <a:schemeClr val="accent1"/>
+                </a:fillRef>
+                <a:effectRef idx="0">
+                  <a:schemeClr val="accent1"/>
+                </a:effectRef>
+                <a:fontRef idx="minor">
+                  <a:schemeClr val="tx1"/>
+                </a:fontRef>
+              </p:style>
+            </p:cxnSp>
+            <p:cxnSp>
+              <p:nvCxnSpPr>
+                <p:cNvPr id="164" name="직선 연결선[R] 163"/>
+                <p:cNvCxnSpPr/>
+                <p:nvPr/>
+              </p:nvCxnSpPr>
+              <p:spPr>
+                <a:xfrm flipV="1">
+                  <a:off x="7484013" y="2797444"/>
+                  <a:ext cx="3083168" cy="330910"/>
+                </a:xfrm>
+                <a:prstGeom prst="line">
+                  <a:avLst/>
+                </a:prstGeom>
+              </p:spPr>
+              <p:style>
+                <a:lnRef idx="1">
+                  <a:schemeClr val="accent1"/>
+                </a:lnRef>
+                <a:fillRef idx="0">
+                  <a:schemeClr val="accent1"/>
+                </a:fillRef>
+                <a:effectRef idx="0">
+                  <a:schemeClr val="accent1"/>
+                </a:effectRef>
+                <a:fontRef idx="minor">
+                  <a:schemeClr val="tx1"/>
+                </a:fontRef>
+              </p:style>
+            </p:cxnSp>
+            <p:cxnSp>
+              <p:nvCxnSpPr>
+                <p:cNvPr id="165" name="직선 연결선[R] 164"/>
+                <p:cNvCxnSpPr/>
+                <p:nvPr/>
+              </p:nvCxnSpPr>
+              <p:spPr>
+                <a:xfrm>
+                  <a:off x="7258930" y="3353437"/>
+                  <a:ext cx="1258163" cy="2102318"/>
+                </a:xfrm>
+                <a:prstGeom prst="line">
+                  <a:avLst/>
+                </a:prstGeom>
+              </p:spPr>
+              <p:style>
+                <a:lnRef idx="1">
+                  <a:schemeClr val="accent1"/>
+                </a:lnRef>
+                <a:fillRef idx="0">
+                  <a:schemeClr val="accent1"/>
+                </a:fillRef>
+                <a:effectRef idx="0">
+                  <a:schemeClr val="accent1"/>
+                </a:effectRef>
+                <a:fontRef idx="minor">
+                  <a:schemeClr val="tx1"/>
+                </a:fontRef>
+              </p:style>
+            </p:cxnSp>
+            <p:cxnSp>
+              <p:nvCxnSpPr>
+                <p:cNvPr id="166" name="직선 연결선[R] 165"/>
+                <p:cNvCxnSpPr/>
+                <p:nvPr/>
+              </p:nvCxnSpPr>
+              <p:spPr>
+                <a:xfrm>
+                  <a:off x="7258930" y="3353437"/>
+                  <a:ext cx="112541" cy="1848489"/>
+                </a:xfrm>
+                <a:prstGeom prst="line">
+                  <a:avLst/>
+                </a:prstGeom>
+              </p:spPr>
+              <p:style>
+                <a:lnRef idx="1">
+                  <a:schemeClr val="accent1"/>
+                </a:lnRef>
+                <a:fillRef idx="0">
+                  <a:schemeClr val="accent1"/>
+                </a:fillRef>
+                <a:effectRef idx="0">
+                  <a:schemeClr val="accent1"/>
+                </a:effectRef>
+                <a:fontRef idx="minor">
+                  <a:schemeClr val="tx1"/>
+                </a:fontRef>
+              </p:style>
+            </p:cxnSp>
+            <p:cxnSp>
+              <p:nvCxnSpPr>
+                <p:cNvPr id="167" name="직선 연결선[R] 166"/>
+                <p:cNvCxnSpPr/>
+                <p:nvPr/>
+              </p:nvCxnSpPr>
+              <p:spPr>
+                <a:xfrm>
+                  <a:off x="7484013" y="3128354"/>
+                  <a:ext cx="2924010" cy="1914414"/>
+                </a:xfrm>
+                <a:prstGeom prst="line">
+                  <a:avLst/>
+                </a:prstGeom>
+              </p:spPr>
+              <p:style>
+                <a:lnRef idx="1">
+                  <a:schemeClr val="accent1"/>
+                </a:lnRef>
+                <a:fillRef idx="0">
+                  <a:schemeClr val="accent1"/>
+                </a:fillRef>
+                <a:effectRef idx="0">
+                  <a:schemeClr val="accent1"/>
+                </a:effectRef>
+                <a:fontRef idx="minor">
+                  <a:schemeClr val="tx1"/>
+                </a:fontRef>
+              </p:style>
+            </p:cxnSp>
+            <p:cxnSp>
+              <p:nvCxnSpPr>
+                <p:cNvPr id="168" name="직선 연결선[R] 167"/>
+                <p:cNvCxnSpPr/>
+                <p:nvPr/>
+              </p:nvCxnSpPr>
+              <p:spPr>
+                <a:xfrm>
+                  <a:off x="6768009" y="4354523"/>
+                  <a:ext cx="3640014" cy="688245"/>
+                </a:xfrm>
+                <a:prstGeom prst="line">
+                  <a:avLst/>
+                </a:prstGeom>
+              </p:spPr>
+              <p:style>
+                <a:lnRef idx="1">
+                  <a:schemeClr val="accent1"/>
+                </a:lnRef>
+                <a:fillRef idx="0">
+                  <a:schemeClr val="accent1"/>
+                </a:fillRef>
+                <a:effectRef idx="0">
+                  <a:schemeClr val="accent1"/>
+                </a:effectRef>
+                <a:fontRef idx="minor">
+                  <a:schemeClr val="tx1"/>
+                </a:fontRef>
+              </p:style>
+            </p:cxnSp>
+            <p:cxnSp>
+              <p:nvCxnSpPr>
+                <p:cNvPr id="169" name="직선 연결선[R] 168"/>
+                <p:cNvCxnSpPr>
+                  <a:stCxn id="175" idx="6"/>
+                </p:cNvCxnSpPr>
+                <p:nvPr/>
+              </p:nvCxnSpPr>
+              <p:spPr>
+                <a:xfrm flipV="1">
+                  <a:off x="7709096" y="1280161"/>
+                  <a:ext cx="643597" cy="337624"/>
+                </a:xfrm>
+                <a:prstGeom prst="line">
+                  <a:avLst/>
+                </a:prstGeom>
+              </p:spPr>
+              <p:style>
+                <a:lnRef idx="1">
+                  <a:schemeClr val="accent1"/>
+                </a:lnRef>
+                <a:fillRef idx="0">
+                  <a:schemeClr val="accent1"/>
+                </a:fillRef>
+                <a:effectRef idx="0">
+                  <a:schemeClr val="accent1"/>
+                </a:effectRef>
+                <a:fontRef idx="minor">
+                  <a:schemeClr val="tx1"/>
+                </a:fontRef>
+              </p:style>
+            </p:cxnSp>
+            <p:cxnSp>
+              <p:nvCxnSpPr>
+                <p:cNvPr id="170" name="직선 연결선[R] 169"/>
+                <p:cNvCxnSpPr>
+                  <a:stCxn id="176" idx="6"/>
+                </p:cNvCxnSpPr>
+                <p:nvPr/>
+              </p:nvCxnSpPr>
+              <p:spPr>
+                <a:xfrm flipV="1">
+                  <a:off x="9859108" y="1629678"/>
+                  <a:ext cx="583808" cy="379976"/>
+                </a:xfrm>
+                <a:prstGeom prst="line">
+                  <a:avLst/>
+                </a:prstGeom>
+              </p:spPr>
+              <p:style>
+                <a:lnRef idx="1">
+                  <a:schemeClr val="accent1"/>
+                </a:lnRef>
+                <a:fillRef idx="0">
+                  <a:schemeClr val="accent1"/>
+                </a:fillRef>
+                <a:effectRef idx="0">
+                  <a:schemeClr val="accent1"/>
+                </a:effectRef>
+                <a:fontRef idx="minor">
+                  <a:schemeClr val="tx1"/>
+                </a:fontRef>
+              </p:style>
+            </p:cxnSp>
+            <p:cxnSp>
+              <p:nvCxnSpPr>
+                <p:cNvPr id="171" name="직선 연결선[R] 170"/>
+                <p:cNvCxnSpPr>
+                  <a:stCxn id="176" idx="3"/>
+                </p:cNvCxnSpPr>
+                <p:nvPr/>
+              </p:nvCxnSpPr>
+              <p:spPr>
+                <a:xfrm flipH="1">
+                  <a:off x="8572642" y="2168812"/>
+                  <a:ext cx="902225" cy="1830216"/>
+                </a:xfrm>
+                <a:prstGeom prst="line">
+                  <a:avLst/>
+                </a:prstGeom>
+              </p:spPr>
+              <p:style>
+                <a:lnRef idx="1">
+                  <a:schemeClr val="accent1"/>
+                </a:lnRef>
+                <a:fillRef idx="0">
+                  <a:schemeClr val="accent1"/>
+                </a:fillRef>
+                <a:effectRef idx="0">
+                  <a:schemeClr val="accent1"/>
+                </a:effectRef>
+                <a:fontRef idx="minor">
+                  <a:schemeClr val="tx1"/>
+                </a:fontRef>
+              </p:style>
+            </p:cxnSp>
+            <p:cxnSp>
+              <p:nvCxnSpPr>
+                <p:cNvPr id="172" name="직선 연결선[R] 171"/>
+                <p:cNvCxnSpPr>
+                  <a:stCxn id="176" idx="6"/>
+                </p:cNvCxnSpPr>
+                <p:nvPr/>
+              </p:nvCxnSpPr>
+              <p:spPr>
+                <a:xfrm>
+                  <a:off x="9859108" y="2009654"/>
+                  <a:ext cx="708073" cy="787790"/>
+                </a:xfrm>
+                <a:prstGeom prst="line">
+                  <a:avLst/>
+                </a:prstGeom>
+              </p:spPr>
+              <p:style>
+                <a:lnRef idx="1">
+                  <a:schemeClr val="accent1"/>
+                </a:lnRef>
+                <a:fillRef idx="0">
+                  <a:schemeClr val="accent1"/>
+                </a:fillRef>
+                <a:effectRef idx="0">
+                  <a:schemeClr val="accent1"/>
+                </a:effectRef>
+                <a:fontRef idx="minor">
+                  <a:schemeClr val="tx1"/>
+                </a:fontRef>
+              </p:style>
+            </p:cxnSp>
+            <p:cxnSp>
+              <p:nvCxnSpPr>
+                <p:cNvPr id="173" name="직선 연결선[R] 172"/>
+                <p:cNvCxnSpPr/>
+                <p:nvPr/>
+              </p:nvCxnSpPr>
+              <p:spPr>
+                <a:xfrm>
+                  <a:off x="8736934" y="1439318"/>
+                  <a:ext cx="897369" cy="2196696"/>
+                </a:xfrm>
+                <a:prstGeom prst="line">
+                  <a:avLst/>
+                </a:prstGeom>
+              </p:spPr>
+              <p:style>
+                <a:lnRef idx="1">
+                  <a:schemeClr val="accent1"/>
+                </a:lnRef>
+                <a:fillRef idx="0">
+                  <a:schemeClr val="accent1"/>
+                </a:fillRef>
+                <a:effectRef idx="0">
+                  <a:schemeClr val="accent1"/>
+                </a:effectRef>
+                <a:fontRef idx="minor">
+                  <a:schemeClr val="tx1"/>
+                </a:fontRef>
+              </p:style>
+            </p:cxnSp>
+            <p:cxnSp>
+              <p:nvCxnSpPr>
+                <p:cNvPr id="174" name="직선 연결선[R] 173"/>
+                <p:cNvCxnSpPr/>
+                <p:nvPr/>
+              </p:nvCxnSpPr>
+              <p:spPr>
+                <a:xfrm flipH="1">
+                  <a:off x="8835409" y="3795173"/>
+                  <a:ext cx="732968" cy="1660582"/>
+                </a:xfrm>
+                <a:prstGeom prst="line">
+                  <a:avLst/>
+                </a:prstGeom>
+              </p:spPr>
+              <p:style>
+                <a:lnRef idx="1">
+                  <a:schemeClr val="accent1"/>
+                </a:lnRef>
+                <a:fillRef idx="0">
+                  <a:schemeClr val="accent1"/>
+                </a:fillRef>
+                <a:effectRef idx="0">
+                  <a:schemeClr val="accent1"/>
+                </a:effectRef>
+                <a:fontRef idx="minor">
+                  <a:schemeClr val="tx1"/>
+                </a:fontRef>
+              </p:style>
+            </p:cxnSp>
+          </p:grpSp>
+        </p:grpSp>
+        <p:sp>
+          <p:nvSpPr>
+            <p:cNvPr id="142" name="타원 141"/>
+            <p:cNvSpPr/>
+            <p:nvPr/>
+          </p:nvSpPr>
+          <p:spPr>
+            <a:xfrm>
+              <a:off x="5250300" y="3002219"/>
+              <a:ext cx="257122" cy="247699"/>
+            </a:xfrm>
+            <a:prstGeom prst="ellipse">
+              <a:avLst/>
+            </a:prstGeom>
+          </p:spPr>
+          <p:style>
+            <a:lnRef idx="2">
+              <a:schemeClr val="accent2">
+                <a:shade val="50000"/>
+              </a:schemeClr>
+            </a:lnRef>
+            <a:fillRef idx="1">
+              <a:schemeClr val="accent2"/>
+            </a:fillRef>
+            <a:effectRef idx="0">
+              <a:schemeClr val="accent2"/>
+            </a:effectRef>
+            <a:fontRef idx="minor">
+              <a:schemeClr val="lt1"/>
+            </a:fontRef>
+          </p:style>
+          <p:txBody>
+            <a:bodyPr rtlCol="0" anchor="ctr"/>
+            <a:lstStyle/>
+            <a:p>
+              <a:pPr algn="ctr"/>
+              <a:endParaRPr kumimoji="1" lang="ko-KR" altLang="en-US"/>
+            </a:p>
+          </p:txBody>
+        </p:sp>
+        <p:cxnSp>
+          <p:nvCxnSpPr>
+            <p:cNvPr id="143" name="직선 연결선[R] 142"/>
+            <p:cNvCxnSpPr/>
+            <p:nvPr/>
+          </p:nvCxnSpPr>
+          <p:spPr>
+            <a:xfrm>
+              <a:off x="5507422" y="3134024"/>
+              <a:ext cx="815183" cy="87576"/>
+            </a:xfrm>
+            <a:prstGeom prst="line">
+              <a:avLst/>
+            </a:prstGeom>
+          </p:spPr>
+          <p:style>
+            <a:lnRef idx="1">
+              <a:schemeClr val="accent2"/>
+            </a:lnRef>
+            <a:fillRef idx="0">
+              <a:schemeClr val="accent2"/>
+            </a:fillRef>
+            <a:effectRef idx="0">
+              <a:schemeClr val="accent2"/>
+            </a:effectRef>
+            <a:fontRef idx="minor">
+              <a:schemeClr val="tx1"/>
+            </a:fontRef>
+          </p:style>
+        </p:cxnSp>
+        <p:cxnSp>
+          <p:nvCxnSpPr>
+            <p:cNvPr id="144" name="직선 연결선[R] 143"/>
+            <p:cNvCxnSpPr/>
+            <p:nvPr/>
+          </p:nvCxnSpPr>
+          <p:spPr>
+            <a:xfrm>
+              <a:off x="5507422" y="3177812"/>
+              <a:ext cx="1734016" cy="752901"/>
+            </a:xfrm>
+            <a:prstGeom prst="line">
+              <a:avLst/>
+            </a:prstGeom>
+          </p:spPr>
+          <p:style>
+            <a:lnRef idx="1">
+              <a:schemeClr val="accent2"/>
+            </a:lnRef>
+            <a:fillRef idx="0">
+              <a:schemeClr val="accent2"/>
+            </a:fillRef>
+            <a:effectRef idx="0">
+              <a:schemeClr val="accent2"/>
+            </a:effectRef>
+            <a:fontRef idx="minor">
+              <a:schemeClr val="tx1"/>
+            </a:fontRef>
+          </p:style>
+        </p:cxnSp>
+        <p:cxnSp>
+          <p:nvCxnSpPr>
+            <p:cNvPr id="145" name="직선 연결선[R] 144"/>
+            <p:cNvCxnSpPr/>
+            <p:nvPr/>
+          </p:nvCxnSpPr>
+          <p:spPr>
+            <a:xfrm>
+              <a:off x="5375614" y="3264698"/>
+              <a:ext cx="100119" cy="937516"/>
+            </a:xfrm>
+            <a:prstGeom prst="line">
+              <a:avLst/>
+            </a:prstGeom>
+          </p:spPr>
+          <p:style>
+            <a:lnRef idx="1">
+              <a:schemeClr val="accent2"/>
+            </a:lnRef>
+            <a:fillRef idx="0">
+              <a:schemeClr val="accent2"/>
+            </a:fillRef>
+            <a:effectRef idx="0">
+              <a:schemeClr val="accent2"/>
+            </a:effectRef>
+            <a:fontRef idx="minor">
+              <a:schemeClr val="tx1"/>
+            </a:fontRef>
+          </p:style>
+        </p:cxnSp>
+      </p:grpSp>
+      <p:sp>
+        <p:nvSpPr>
+          <p:cNvPr id="177" name="줄무늬가 있는 오른쪽 화살표[S] 176"/>
+          <p:cNvSpPr/>
+          <p:nvPr/>
+        </p:nvSpPr>
+        <p:spPr>
+          <a:xfrm>
+            <a:off x="3644810" y="2190194"/>
+            <a:ext cx="971153" cy="789177"/>
+          </a:xfrm>
+          <a:prstGeom prst="stripedRightArrow">
+            <a:avLst/>
+          </a:prstGeom>
+        </p:spPr>
+        <p:style>
+          <a:lnRef idx="2">
+            <a:schemeClr val="accent2">
+              <a:shade val="50000"/>
+            </a:schemeClr>
+          </a:lnRef>
+          <a:fillRef idx="1">
+            <a:schemeClr val="accent2"/>
+          </a:fillRef>
+          <a:effectRef idx="0">
+            <a:schemeClr val="accent2"/>
+          </a:effectRef>
+          <a:fontRef idx="minor">
+            <a:schemeClr val="lt1"/>
+          </a:fontRef>
+        </p:style>
+        <p:txBody>
+          <a:bodyPr rtlCol="0" anchor="ctr"/>
+          <a:lstStyle/>
+          <a:p>
+            <a:pPr algn="ctr"/>
+            <a:r>
+              <a:rPr kumimoji="1" lang="en-US" altLang="ko-KR" sz="900" dirty="0" smtClean="0"/>
+              <a:t>Add new data</a:t>
+            </a:r>
+            <a:endParaRPr kumimoji="1" lang="ko-KR" altLang="en-US" sz="900" dirty="0"/>
+          </a:p>
+        </p:txBody>
+      </p:sp>
+      <p:sp>
+        <p:nvSpPr>
+          <p:cNvPr id="178" name="줄무늬가 있는 오른쪽 화살표[S] 177"/>
+          <p:cNvSpPr/>
+          <p:nvPr/>
+        </p:nvSpPr>
+        <p:spPr>
+          <a:xfrm>
+            <a:off x="8821889" y="2233020"/>
+            <a:ext cx="983525" cy="789177"/>
+          </a:xfrm>
+          <a:prstGeom prst="stripedRightArrow">
+            <a:avLst/>
+          </a:prstGeom>
+        </p:spPr>
+        <p:style>
+          <a:lnRef idx="2">
+            <a:schemeClr val="accent2">
+              <a:shade val="50000"/>
+            </a:schemeClr>
+          </a:lnRef>
+          <a:fillRef idx="1">
+            <a:schemeClr val="accent2"/>
+          </a:fillRef>
+          <a:effectRef idx="0">
+            <a:schemeClr val="accent2"/>
+          </a:effectRef>
+          <a:fontRef idx="minor">
+            <a:schemeClr val="lt1"/>
+          </a:fontRef>
+        </p:style>
+        <p:txBody>
+          <a:bodyPr rtlCol="0" anchor="ctr"/>
+          <a:lstStyle/>
+          <a:p>
+            <a:pPr algn="ctr"/>
+            <a:r>
+              <a:rPr kumimoji="1" lang="en-US" altLang="ko-KR" sz="900" dirty="0" smtClean="0"/>
+              <a:t>Similarity report</a:t>
+            </a:r>
+            <a:endParaRPr kumimoji="1" lang="ko-KR" altLang="en-US" sz="900" dirty="0"/>
+          </a:p>
+        </p:txBody>
+      </p:sp>
+      <p:grpSp>
+        <p:nvGrpSpPr>
+          <p:cNvPr id="179" name="그룹 178"/>
+          <p:cNvGrpSpPr/>
+          <p:nvPr/>
+        </p:nvGrpSpPr>
+        <p:grpSpPr>
+          <a:xfrm>
+            <a:off x="10077209" y="1962349"/>
+            <a:ext cx="1294689" cy="1241153"/>
+            <a:chOff x="10004024" y="3626928"/>
+            <a:chExt cx="1294689" cy="1241153"/>
+          </a:xfrm>
+        </p:grpSpPr>
+        <p:grpSp>
+          <p:nvGrpSpPr>
+            <p:cNvPr id="180" name="그룹 179"/>
+            <p:cNvGrpSpPr/>
+            <p:nvPr/>
+          </p:nvGrpSpPr>
+          <p:grpSpPr>
+            <a:xfrm>
+              <a:off x="10004024" y="3626928"/>
+              <a:ext cx="1294689" cy="1241153"/>
+              <a:chOff x="1622442" y="922226"/>
+              <a:chExt cx="2812398" cy="4076494"/>
+            </a:xfrm>
+          </p:grpSpPr>
+          <p:sp>
+            <p:nvSpPr>
+              <p:cNvPr id="182" name="직사각형 181"/>
+              <p:cNvSpPr/>
+              <p:nvPr/>
+            </p:nvSpPr>
+            <p:spPr>
+              <a:xfrm>
+                <a:off x="1622442" y="922226"/>
+                <a:ext cx="2812398" cy="4076494"/>
+              </a:xfrm>
+              <a:prstGeom prst="rect">
+                <a:avLst/>
+              </a:prstGeom>
+              <a:ln/>
+            </p:spPr>
+            <p:style>
+              <a:lnRef idx="2">
+                <a:schemeClr val="accent2"/>
+              </a:lnRef>
+              <a:fillRef idx="1">
+                <a:schemeClr val="lt1"/>
+              </a:fillRef>
+              <a:effectRef idx="0">
+                <a:schemeClr val="accent2"/>
+              </a:effectRef>
+              <a:fontRef idx="minor">
+                <a:schemeClr val="dk1"/>
+              </a:fontRef>
+            </p:style>
+            <p:txBody>
+              <a:bodyPr rtlCol="0" anchor="ctr"/>
+              <a:lstStyle/>
+              <a:p>
+                <a:pPr algn="ctr"/>
+                <a:endParaRPr kumimoji="1" lang="ko-KR" altLang="en-US"/>
+              </a:p>
+            </p:txBody>
+          </p:sp>
+          <p:sp>
+            <p:nvSpPr>
+              <p:cNvPr id="183" name="직사각형 182"/>
+              <p:cNvSpPr/>
+              <p:nvPr/>
+            </p:nvSpPr>
+            <p:spPr>
+              <a:xfrm>
+                <a:off x="1622442" y="922226"/>
+                <a:ext cx="2812398" cy="651542"/>
+              </a:xfrm>
+              <a:prstGeom prst="rect">
+                <a:avLst/>
+              </a:prstGeom>
+            </p:spPr>
+            <p:style>
+              <a:lnRef idx="2">
+                <a:schemeClr val="accent2">
+                  <a:shade val="50000"/>
+                </a:schemeClr>
+              </a:lnRef>
+              <a:fillRef idx="1">
+                <a:schemeClr val="accent2"/>
+              </a:fillRef>
+              <a:effectRef idx="0">
+                <a:schemeClr val="accent2"/>
+              </a:effectRef>
+              <a:fontRef idx="minor">
+                <a:schemeClr val="lt1"/>
+              </a:fontRef>
+            </p:style>
+            <p:txBody>
+              <a:bodyPr rtlCol="0" anchor="ctr"/>
+              <a:lstStyle/>
+              <a:p>
+                <a:pPr algn="ctr"/>
+                <a:r>
+                  <a:rPr kumimoji="1" lang="en-US" altLang="ko-KR" sz="1100" dirty="0" smtClean="0">
+                    <a:solidFill>
+                      <a:schemeClr val="bg1"/>
+                    </a:solidFill>
+                  </a:rPr>
+                  <a:t>Similarity Report</a:t>
+                </a:r>
+                <a:endParaRPr kumimoji="1" lang="ko-KR" altLang="en-US" sz="1100" dirty="0">
+                  <a:solidFill>
+                    <a:schemeClr val="bg1"/>
+                  </a:solidFill>
+                </a:endParaRPr>
+              </a:p>
+            </p:txBody>
+          </p:sp>
+        </p:grpSp>
+        <p:pic>
+          <p:nvPicPr>
+            <p:cNvPr id="181" name="Picture 33" descr="cl_st_00035"/>
+            <p:cNvPicPr>
+              <a:picLocks noChangeAspect="1" noChangeArrowheads="1"/>
+            </p:cNvPicPr>
+            <p:nvPr/>
+          </p:nvPicPr>
+          <p:blipFill>
+            <a:blip r:embed="rId4">
+              <a:extLst>
+                <a:ext uri="{28A0092B-C50C-407E-A947-70E740481C1C}">
+                  <a14:useLocalDpi xmlns:a14="http://schemas.microsoft.com/office/drawing/2010/main" val="0"/>
+                </a:ext>
+              </a:extLst>
+            </a:blip>
+            <a:srcRect/>
+            <a:stretch>
+              <a:fillRect/>
+            </a:stretch>
+          </p:blipFill>
+          <p:spPr bwMode="auto">
+            <a:xfrm>
+              <a:off x="10257565" y="4018287"/>
+              <a:ext cx="795069" cy="649531"/>
+            </a:xfrm>
+            <a:prstGeom prst="rect">
+              <a:avLst/>
+            </a:prstGeom>
+            <a:noFill/>
+            <a:ln>
+              <a:noFill/>
+            </a:ln>
+            <a:extLst>
+              <a:ext uri="{909E8E84-426E-40DD-AFC4-6F175D3DCCD1}">
+                <a14:hiddenFill xmlns:a14="http://schemas.microsoft.com/office/drawing/2010/main">
+                  <a:solidFill>
+                    <a:srgbClr val="FFFFFF"/>
+                  </a:solidFill>
+                </a14:hiddenFill>
+              </a:ext>
+              <a:ext uri="{91240B29-F687-4F45-9708-019B960494DF}">
+                <a14:hiddenLine xmlns:a14="http://schemas.microsoft.com/office/drawing/2010/main" w="9525">
+                  <a:solidFill>
+                    <a:srgbClr val="000000"/>
+                  </a:solidFill>
+                  <a:miter lim="800000"/>
+                  <a:headEnd/>
+                  <a:tailEnd/>
+                </a14:hiddenLine>
+              </a:ext>
+            </a:extLst>
+          </p:spPr>
+        </p:pic>
+      </p:grpSp>
+      <p:sp>
+        <p:nvSpPr>
+          <p:cNvPr id="184" name="왼쪽/오른쪽 화살표[L] 183"/>
+          <p:cNvSpPr/>
+          <p:nvPr/>
+        </p:nvSpPr>
+        <p:spPr>
+          <a:xfrm>
+            <a:off x="8773292" y="4162275"/>
+            <a:ext cx="1107956" cy="512322"/>
+          </a:xfrm>
+          <a:prstGeom prst="leftRightArrow">
+            <a:avLst/>
+          </a:prstGeom>
+        </p:spPr>
+        <p:style>
+          <a:lnRef idx="2">
+            <a:schemeClr val="accent1">
+              <a:shade val="50000"/>
+            </a:schemeClr>
+          </a:lnRef>
+          <a:fillRef idx="1">
+            <a:schemeClr val="accent1"/>
+          </a:fillRef>
+          <a:effectRef idx="0">
+            <a:schemeClr val="accent1"/>
+          </a:effectRef>
+          <a:fontRef idx="minor">
+            <a:schemeClr val="lt1"/>
+          </a:fontRef>
+        </p:style>
+        <p:txBody>
+          <a:bodyPr rtlCol="0" anchor="ctr"/>
+          <a:lstStyle/>
+          <a:p>
+            <a:pPr algn="ctr"/>
+            <a:r>
+              <a:rPr kumimoji="1" lang="en-US" altLang="ko-KR" sz="900" dirty="0" smtClean="0"/>
+              <a:t>Load / Save</a:t>
+            </a:r>
+            <a:endParaRPr kumimoji="1" lang="ko-KR" altLang="en-US" sz="900" dirty="0"/>
+          </a:p>
+        </p:txBody>
+      </p:sp>
     </p:spTree>
     <p:extLst>
       <p:ext uri="{BB962C8B-B14F-4D97-AF65-F5344CB8AC3E}">
